--- a/src/test/main/resource/ppt/第01章 软件质量概念.pptx
+++ b/src/test/main/resource/ppt/第01章 软件质量概念.pptx
@@ -236,7 +236,6 @@
   </mc:AlternateContent>
   <c:chart>
     <c:title>
-      <c:layout/>
       <c:overlay val="0"/>
       <c:spPr>
         <a:noFill/>
@@ -432,6 +431,7 @@
           </a:p>
         </c:txPr>
         <c:crossAx val="422840912"/>
+        <c:crosses val="autoZero"/>
         <c:auto val="1"/>
         <c:lblAlgn val="ctr"/>
         <c:lblOffset val="100"/>
@@ -487,6 +487,7 @@
           </a:p>
         </c:txPr>
         <c:crossAx val="422840584"/>
+        <c:crosses val="autoZero"/>
         <c:crossBetween val="between"/>
       </c:valAx>
       <c:spPr>
@@ -3542,10 +3543,9 @@
         <a:lstStyle/>
         <a:p>
           <a:r>
-            <a:rPr lang="zh-CN" altLang="en-US" b="1" dirty="0" smtClean="0"/>
+            <a:rPr lang="zh-CN" altLang="en-US" b="1" dirty="0"/>
             <a:t>客户</a:t>
           </a:r>
-          <a:endParaRPr lang="zh-CN" altLang="en-US" b="1" dirty="0"/>
         </a:p>
       </dgm:t>
     </dgm:pt>
@@ -3579,10 +3579,9 @@
         <a:lstStyle/>
         <a:p>
           <a:r>
-            <a:rPr lang="zh-CN" altLang="en-US" b="1" dirty="0" smtClean="0"/>
+            <a:rPr lang="zh-CN" altLang="en-US" b="1" dirty="0"/>
             <a:t>外部客户</a:t>
           </a:r>
-          <a:endParaRPr lang="zh-CN" altLang="en-US" b="1" dirty="0"/>
         </a:p>
       </dgm:t>
     </dgm:pt>
@@ -3616,10 +3615,9 @@
         <a:lstStyle/>
         <a:p>
           <a:r>
-            <a:rPr lang="zh-CN" altLang="en-US" b="1" dirty="0" smtClean="0"/>
+            <a:rPr lang="zh-CN" altLang="en-US" b="1" dirty="0"/>
             <a:t>产品服务对象</a:t>
           </a:r>
-          <a:endParaRPr lang="zh-CN" altLang="en-US" b="1" dirty="0"/>
         </a:p>
       </dgm:t>
     </dgm:pt>
@@ -3653,10 +3651,9 @@
         <a:lstStyle/>
         <a:p>
           <a:r>
-            <a:rPr lang="zh-CN" altLang="en-US" b="1" dirty="0" smtClean="0"/>
+            <a:rPr lang="zh-CN" altLang="en-US" b="1" dirty="0"/>
             <a:t>内部客户</a:t>
           </a:r>
-          <a:endParaRPr lang="zh-CN" altLang="en-US" b="1" dirty="0"/>
         </a:p>
       </dgm:t>
     </dgm:pt>
@@ -3690,18 +3687,17 @@
         <a:lstStyle/>
         <a:p>
           <a:r>
-            <a:rPr lang="zh-CN" altLang="en-US" b="1" dirty="0" smtClean="0"/>
+            <a:rPr lang="zh-CN" altLang="en-US" b="1" dirty="0"/>
             <a:t>设计者</a:t>
           </a:r>
           <a:r>
-            <a:rPr lang="en-US" altLang="zh-CN" b="1" dirty="0" smtClean="0"/>
+            <a:rPr lang="en-US" altLang="zh-CN" b="1" dirty="0"/>
             <a:t>-&gt;</a:t>
           </a:r>
           <a:r>
-            <a:rPr lang="zh-CN" altLang="en-US" b="1" dirty="0" smtClean="0"/>
+            <a:rPr lang="zh-CN" altLang="en-US" b="1" dirty="0"/>
             <a:t>需求分析人员客户</a:t>
           </a:r>
-          <a:endParaRPr lang="zh-CN" altLang="en-US" b="1" dirty="0"/>
         </a:p>
       </dgm:t>
     </dgm:pt>
@@ -3735,18 +3731,17 @@
         <a:lstStyle/>
         <a:p>
           <a:r>
-            <a:rPr lang="zh-CN" altLang="en-US" b="1" dirty="0" smtClean="0"/>
+            <a:rPr lang="zh-CN" altLang="en-US" b="1" dirty="0"/>
             <a:t>编程人员</a:t>
           </a:r>
           <a:r>
-            <a:rPr lang="en-US" altLang="zh-CN" b="1" dirty="0" smtClean="0"/>
+            <a:rPr lang="en-US" altLang="zh-CN" b="1" dirty="0"/>
             <a:t>-&gt;</a:t>
           </a:r>
           <a:r>
-            <a:rPr lang="zh-CN" altLang="en-US" b="1" dirty="0" smtClean="0"/>
+            <a:rPr lang="zh-CN" altLang="en-US" b="1" dirty="0"/>
             <a:t>设计者的客户</a:t>
           </a:r>
-          <a:endParaRPr lang="zh-CN" altLang="en-US" b="1" dirty="0"/>
         </a:p>
       </dgm:t>
     </dgm:pt>
@@ -3780,18 +3775,17 @@
         <a:lstStyle/>
         <a:p>
           <a:r>
-            <a:rPr lang="zh-CN" altLang="en-US" b="1" dirty="0" smtClean="0"/>
+            <a:rPr lang="zh-CN" altLang="en-US" b="1" dirty="0"/>
             <a:t>测试</a:t>
           </a:r>
           <a:r>
-            <a:rPr lang="en-US" altLang="zh-CN" b="1" dirty="0" smtClean="0"/>
+            <a:rPr lang="en-US" altLang="zh-CN" b="1" dirty="0"/>
             <a:t>-&gt;</a:t>
           </a:r>
           <a:r>
-            <a:rPr lang="zh-CN" altLang="en-US" b="1" dirty="0" smtClean="0"/>
+            <a:rPr lang="zh-CN" altLang="en-US" b="1" dirty="0"/>
             <a:t>编程人员的客户</a:t>
           </a:r>
-          <a:endParaRPr lang="zh-CN" altLang="en-US" b="1" dirty="0"/>
         </a:p>
       </dgm:t>
     </dgm:pt>
@@ -3828,13 +3822,6 @@
         </dgm:presLayoutVars>
       </dgm:prSet>
       <dgm:spPr/>
-      <dgm:t>
-        <a:bodyPr/>
-        <a:lstStyle/>
-        <a:p>
-          <a:endParaRPr lang="zh-CN" altLang="en-US"/>
-        </a:p>
-      </dgm:t>
     </dgm:pt>
     <dgm:pt modelId="{AD4AA37D-48E0-4844-9CB2-C99F4EE8502F}" type="pres">
       <dgm:prSet presAssocID="{2DFAE340-7FD5-4B0C-92F3-7F656099B484}" presName="root1" presStyleCnt="0"/>
@@ -3847,13 +3834,6 @@
         </dgm:presLayoutVars>
       </dgm:prSet>
       <dgm:spPr/>
-      <dgm:t>
-        <a:bodyPr/>
-        <a:lstStyle/>
-        <a:p>
-          <a:endParaRPr lang="zh-CN" altLang="en-US"/>
-        </a:p>
-      </dgm:t>
     </dgm:pt>
     <dgm:pt modelId="{B0856236-BA29-45E8-8B2E-7B8368E1E521}" type="pres">
       <dgm:prSet presAssocID="{2DFAE340-7FD5-4B0C-92F3-7F656099B484}" presName="level2hierChild" presStyleCnt="0"/>
@@ -3862,24 +3842,10 @@
     <dgm:pt modelId="{4E354959-D559-4586-AA5D-7397A99FFE04}" type="pres">
       <dgm:prSet presAssocID="{4ED45374-AD5D-4D29-9345-6B945DD2D4A7}" presName="conn2-1" presStyleLbl="parChTrans1D2" presStyleIdx="0" presStyleCnt="2"/>
       <dgm:spPr/>
-      <dgm:t>
-        <a:bodyPr/>
-        <a:lstStyle/>
-        <a:p>
-          <a:endParaRPr lang="zh-CN" altLang="en-US"/>
-        </a:p>
-      </dgm:t>
     </dgm:pt>
     <dgm:pt modelId="{54C34A62-1986-4D2B-9818-D9758214C53A}" type="pres">
       <dgm:prSet presAssocID="{4ED45374-AD5D-4D29-9345-6B945DD2D4A7}" presName="connTx" presStyleLbl="parChTrans1D2" presStyleIdx="0" presStyleCnt="2"/>
       <dgm:spPr/>
-      <dgm:t>
-        <a:bodyPr/>
-        <a:lstStyle/>
-        <a:p>
-          <a:endParaRPr lang="zh-CN" altLang="en-US"/>
-        </a:p>
-      </dgm:t>
     </dgm:pt>
     <dgm:pt modelId="{8FFBD982-BC4A-40DD-B3D0-731B60471AC2}" type="pres">
       <dgm:prSet presAssocID="{4BFA77AD-72F1-4551-84CC-8F7EA45B140D}" presName="root2" presStyleCnt="0"/>
@@ -3892,13 +3858,6 @@
         </dgm:presLayoutVars>
       </dgm:prSet>
       <dgm:spPr/>
-      <dgm:t>
-        <a:bodyPr/>
-        <a:lstStyle/>
-        <a:p>
-          <a:endParaRPr lang="zh-CN" altLang="en-US"/>
-        </a:p>
-      </dgm:t>
     </dgm:pt>
     <dgm:pt modelId="{19447D93-8E9A-4F1C-966D-CB7D9BF6BD25}" type="pres">
       <dgm:prSet presAssocID="{4BFA77AD-72F1-4551-84CC-8F7EA45B140D}" presName="level3hierChild" presStyleCnt="0"/>
@@ -3907,24 +3866,10 @@
     <dgm:pt modelId="{2C9DD422-2527-46B1-89B2-2232CD6AF3A6}" type="pres">
       <dgm:prSet presAssocID="{5B500E3C-55A7-4734-BA7B-1374249E0F33}" presName="conn2-1" presStyleLbl="parChTrans1D3" presStyleIdx="0" presStyleCnt="4"/>
       <dgm:spPr/>
-      <dgm:t>
-        <a:bodyPr/>
-        <a:lstStyle/>
-        <a:p>
-          <a:endParaRPr lang="zh-CN" altLang="en-US"/>
-        </a:p>
-      </dgm:t>
     </dgm:pt>
     <dgm:pt modelId="{B6C2F51D-650E-4CC6-83E7-E50A44DE6AB6}" type="pres">
       <dgm:prSet presAssocID="{5B500E3C-55A7-4734-BA7B-1374249E0F33}" presName="connTx" presStyleLbl="parChTrans1D3" presStyleIdx="0" presStyleCnt="4"/>
       <dgm:spPr/>
-      <dgm:t>
-        <a:bodyPr/>
-        <a:lstStyle/>
-        <a:p>
-          <a:endParaRPr lang="zh-CN" altLang="en-US"/>
-        </a:p>
-      </dgm:t>
     </dgm:pt>
     <dgm:pt modelId="{DF2ABFB8-BB40-4565-89F3-C8B6A0B88C13}" type="pres">
       <dgm:prSet presAssocID="{D5FF056D-F8F9-455B-B610-BE2ECD3CD835}" presName="root2" presStyleCnt="0"/>
@@ -3937,13 +3882,6 @@
         </dgm:presLayoutVars>
       </dgm:prSet>
       <dgm:spPr/>
-      <dgm:t>
-        <a:bodyPr/>
-        <a:lstStyle/>
-        <a:p>
-          <a:endParaRPr lang="zh-CN" altLang="en-US"/>
-        </a:p>
-      </dgm:t>
     </dgm:pt>
     <dgm:pt modelId="{3C83E078-0B36-4E20-B938-A0B212FBB461}" type="pres">
       <dgm:prSet presAssocID="{D5FF056D-F8F9-455B-B610-BE2ECD3CD835}" presName="level3hierChild" presStyleCnt="0"/>
@@ -3952,24 +3890,10 @@
     <dgm:pt modelId="{A0C15565-5F39-40A7-A461-08ECF0BA0374}" type="pres">
       <dgm:prSet presAssocID="{0E1FC31C-C204-4DF6-93AF-3C02FA254320}" presName="conn2-1" presStyleLbl="parChTrans1D2" presStyleIdx="1" presStyleCnt="2"/>
       <dgm:spPr/>
-      <dgm:t>
-        <a:bodyPr/>
-        <a:lstStyle/>
-        <a:p>
-          <a:endParaRPr lang="zh-CN" altLang="en-US"/>
-        </a:p>
-      </dgm:t>
     </dgm:pt>
     <dgm:pt modelId="{A1E80E11-EC97-4282-B7BE-04CB80C0EE88}" type="pres">
       <dgm:prSet presAssocID="{0E1FC31C-C204-4DF6-93AF-3C02FA254320}" presName="connTx" presStyleLbl="parChTrans1D2" presStyleIdx="1" presStyleCnt="2"/>
       <dgm:spPr/>
-      <dgm:t>
-        <a:bodyPr/>
-        <a:lstStyle/>
-        <a:p>
-          <a:endParaRPr lang="zh-CN" altLang="en-US"/>
-        </a:p>
-      </dgm:t>
     </dgm:pt>
     <dgm:pt modelId="{25EB4D4D-4352-4A25-AB1A-46EFE813A89C}" type="pres">
       <dgm:prSet presAssocID="{250DF320-4782-4E82-9B19-6B343BAD30D1}" presName="root2" presStyleCnt="0"/>
@@ -3982,13 +3906,6 @@
         </dgm:presLayoutVars>
       </dgm:prSet>
       <dgm:spPr/>
-      <dgm:t>
-        <a:bodyPr/>
-        <a:lstStyle/>
-        <a:p>
-          <a:endParaRPr lang="zh-CN" altLang="en-US"/>
-        </a:p>
-      </dgm:t>
     </dgm:pt>
     <dgm:pt modelId="{B8F685BA-D1A2-47E3-B58A-26D830BE36D7}" type="pres">
       <dgm:prSet presAssocID="{250DF320-4782-4E82-9B19-6B343BAD30D1}" presName="level3hierChild" presStyleCnt="0"/>
@@ -3997,24 +3914,10 @@
     <dgm:pt modelId="{02A73208-E2D0-4E09-ABD1-967C178103F5}" type="pres">
       <dgm:prSet presAssocID="{11887A48-265F-46B1-92DC-86EE09108779}" presName="conn2-1" presStyleLbl="parChTrans1D3" presStyleIdx="1" presStyleCnt="4"/>
       <dgm:spPr/>
-      <dgm:t>
-        <a:bodyPr/>
-        <a:lstStyle/>
-        <a:p>
-          <a:endParaRPr lang="zh-CN" altLang="en-US"/>
-        </a:p>
-      </dgm:t>
     </dgm:pt>
     <dgm:pt modelId="{8B4A5715-389A-492D-87FC-70273BC5DBB1}" type="pres">
       <dgm:prSet presAssocID="{11887A48-265F-46B1-92DC-86EE09108779}" presName="connTx" presStyleLbl="parChTrans1D3" presStyleIdx="1" presStyleCnt="4"/>
       <dgm:spPr/>
-      <dgm:t>
-        <a:bodyPr/>
-        <a:lstStyle/>
-        <a:p>
-          <a:endParaRPr lang="zh-CN" altLang="en-US"/>
-        </a:p>
-      </dgm:t>
     </dgm:pt>
     <dgm:pt modelId="{5E7403F4-129C-4FBD-A23D-C02224827577}" type="pres">
       <dgm:prSet presAssocID="{533B286D-77A1-4B42-A236-F24FE4464405}" presName="root2" presStyleCnt="0"/>
@@ -4027,13 +3930,6 @@
         </dgm:presLayoutVars>
       </dgm:prSet>
       <dgm:spPr/>
-      <dgm:t>
-        <a:bodyPr/>
-        <a:lstStyle/>
-        <a:p>
-          <a:endParaRPr lang="zh-CN" altLang="en-US"/>
-        </a:p>
-      </dgm:t>
     </dgm:pt>
     <dgm:pt modelId="{3CA63D0E-7DF1-4010-B106-2B6D4558C545}" type="pres">
       <dgm:prSet presAssocID="{533B286D-77A1-4B42-A236-F24FE4464405}" presName="level3hierChild" presStyleCnt="0"/>
@@ -4042,24 +3938,10 @@
     <dgm:pt modelId="{7B035F75-8E12-49F6-99E0-A20C4A18D1C3}" type="pres">
       <dgm:prSet presAssocID="{A6958060-4DA2-4C9B-9EBE-367A955BB44A}" presName="conn2-1" presStyleLbl="parChTrans1D3" presStyleIdx="2" presStyleCnt="4"/>
       <dgm:spPr/>
-      <dgm:t>
-        <a:bodyPr/>
-        <a:lstStyle/>
-        <a:p>
-          <a:endParaRPr lang="zh-CN" altLang="en-US"/>
-        </a:p>
-      </dgm:t>
     </dgm:pt>
     <dgm:pt modelId="{403B818F-E02D-452D-A5C7-9AE4E623C318}" type="pres">
       <dgm:prSet presAssocID="{A6958060-4DA2-4C9B-9EBE-367A955BB44A}" presName="connTx" presStyleLbl="parChTrans1D3" presStyleIdx="2" presStyleCnt="4"/>
       <dgm:spPr/>
-      <dgm:t>
-        <a:bodyPr/>
-        <a:lstStyle/>
-        <a:p>
-          <a:endParaRPr lang="zh-CN" altLang="en-US"/>
-        </a:p>
-      </dgm:t>
     </dgm:pt>
     <dgm:pt modelId="{16339422-CE62-49C7-ACF8-14B32EBDEF59}" type="pres">
       <dgm:prSet presAssocID="{645078B5-7B33-4153-8D35-1D2125E61A67}" presName="root2" presStyleCnt="0"/>
@@ -4072,13 +3954,6 @@
         </dgm:presLayoutVars>
       </dgm:prSet>
       <dgm:spPr/>
-      <dgm:t>
-        <a:bodyPr/>
-        <a:lstStyle/>
-        <a:p>
-          <a:endParaRPr lang="zh-CN" altLang="en-US"/>
-        </a:p>
-      </dgm:t>
     </dgm:pt>
     <dgm:pt modelId="{EB6F4A7E-93B8-4546-B3F2-628DDEEB2A6B}" type="pres">
       <dgm:prSet presAssocID="{645078B5-7B33-4153-8D35-1D2125E61A67}" presName="level3hierChild" presStyleCnt="0"/>
@@ -4087,24 +3962,10 @@
     <dgm:pt modelId="{D97DD8A1-EABB-46D2-B2A7-38DA588E3A80}" type="pres">
       <dgm:prSet presAssocID="{7D4B0AA6-248D-4205-901E-9C9CF0E1A12A}" presName="conn2-1" presStyleLbl="parChTrans1D3" presStyleIdx="3" presStyleCnt="4"/>
       <dgm:spPr/>
-      <dgm:t>
-        <a:bodyPr/>
-        <a:lstStyle/>
-        <a:p>
-          <a:endParaRPr lang="zh-CN" altLang="en-US"/>
-        </a:p>
-      </dgm:t>
     </dgm:pt>
     <dgm:pt modelId="{883EC989-911B-48E2-ACFE-504A0C6F2CD5}" type="pres">
       <dgm:prSet presAssocID="{7D4B0AA6-248D-4205-901E-9C9CF0E1A12A}" presName="connTx" presStyleLbl="parChTrans1D3" presStyleIdx="3" presStyleCnt="4"/>
       <dgm:spPr/>
-      <dgm:t>
-        <a:bodyPr/>
-        <a:lstStyle/>
-        <a:p>
-          <a:endParaRPr lang="zh-CN" altLang="en-US"/>
-        </a:p>
-      </dgm:t>
     </dgm:pt>
     <dgm:pt modelId="{07A0F54D-0B57-4428-90BB-D440A9BB3332}" type="pres">
       <dgm:prSet presAssocID="{0A728741-C350-479D-8AB8-2D3B40C0396B}" presName="root2" presStyleCnt="0"/>
@@ -4117,13 +3978,6 @@
         </dgm:presLayoutVars>
       </dgm:prSet>
       <dgm:spPr/>
-      <dgm:t>
-        <a:bodyPr/>
-        <a:lstStyle/>
-        <a:p>
-          <a:endParaRPr lang="zh-CN" altLang="en-US"/>
-        </a:p>
-      </dgm:t>
     </dgm:pt>
     <dgm:pt modelId="{19CEA557-A447-4CE3-AB15-A15BE62FE8D3}" type="pres">
       <dgm:prSet presAssocID="{0A728741-C350-479D-8AB8-2D3B40C0396B}" presName="level3hierChild" presStyleCnt="0"/>
@@ -4131,32 +3985,32 @@
     </dgm:pt>
   </dgm:ptLst>
   <dgm:cxnLst>
+    <dgm:cxn modelId="{BB9D870A-3573-4D27-BF8A-E5BE48C5A9B2}" type="presOf" srcId="{4ED45374-AD5D-4D29-9345-6B945DD2D4A7}" destId="{54C34A62-1986-4D2B-9818-D9758214C53A}" srcOrd="1" destOrd="0" presId="urn:microsoft.com/office/officeart/2005/8/layout/hierarchy2"/>
+    <dgm:cxn modelId="{E8D94F11-4152-4F51-8935-752E888C285A}" type="presOf" srcId="{A6958060-4DA2-4C9B-9EBE-367A955BB44A}" destId="{7B035F75-8E12-49F6-99E0-A20C4A18D1C3}" srcOrd="0" destOrd="0" presId="urn:microsoft.com/office/officeart/2005/8/layout/hierarchy2"/>
+    <dgm:cxn modelId="{AABAC919-D6D4-4B5F-9305-F8FA3E3F4E2B}" type="presOf" srcId="{11887A48-265F-46B1-92DC-86EE09108779}" destId="{8B4A5715-389A-492D-87FC-70273BC5DBB1}" srcOrd="1" destOrd="0" presId="urn:microsoft.com/office/officeart/2005/8/layout/hierarchy2"/>
+    <dgm:cxn modelId="{1F4A2520-5FD7-4D3C-A270-5717F83B7B83}" type="presOf" srcId="{0E1FC31C-C204-4DF6-93AF-3C02FA254320}" destId="{A1E80E11-EC97-4282-B7BE-04CB80C0EE88}" srcOrd="1" destOrd="0" presId="urn:microsoft.com/office/officeart/2005/8/layout/hierarchy2"/>
+    <dgm:cxn modelId="{C917CF30-608B-4D4E-9FAD-09731F8BA446}" type="presOf" srcId="{4BFA77AD-72F1-4551-84CC-8F7EA45B140D}" destId="{1CC901B9-0886-4154-8ADB-A95AEA756FC4}" srcOrd="0" destOrd="0" presId="urn:microsoft.com/office/officeart/2005/8/layout/hierarchy2"/>
+    <dgm:cxn modelId="{62E9A836-7E6B-4CD7-85E7-B36F09991C1A}" type="presOf" srcId="{D5FF056D-F8F9-455B-B610-BE2ECD3CD835}" destId="{519956A6-5C9F-4279-8CC6-B58518B924BB}" srcOrd="0" destOrd="0" presId="urn:microsoft.com/office/officeart/2005/8/layout/hierarchy2"/>
+    <dgm:cxn modelId="{6C3CCC3A-8A23-4A13-95A8-B384F300E0B6}" type="presOf" srcId="{5B500E3C-55A7-4734-BA7B-1374249E0F33}" destId="{B6C2F51D-650E-4CC6-83E7-E50A44DE6AB6}" srcOrd="1" destOrd="0" presId="urn:microsoft.com/office/officeart/2005/8/layout/hierarchy2"/>
+    <dgm:cxn modelId="{474C8140-E029-4342-A421-D03621A61198}" type="presOf" srcId="{11887A48-265F-46B1-92DC-86EE09108779}" destId="{02A73208-E2D0-4E09-ABD1-967C178103F5}" srcOrd="0" destOrd="0" presId="urn:microsoft.com/office/officeart/2005/8/layout/hierarchy2"/>
+    <dgm:cxn modelId="{492D1B5E-3928-4801-B70B-384C79CEC44E}" type="presOf" srcId="{06B27FA4-B689-491B-AE2C-2FA710AA9BEB}" destId="{A55486BB-9206-463F-BBA9-1B5121117D9A}" srcOrd="0" destOrd="0" presId="urn:microsoft.com/office/officeart/2005/8/layout/hierarchy2"/>
+    <dgm:cxn modelId="{C96E375E-EFE1-4BF7-A528-9F1E247AF9FF}" type="presOf" srcId="{250DF320-4782-4E82-9B19-6B343BAD30D1}" destId="{4B1CC8CA-DC86-493A-8591-F9C71456F498}" srcOrd="0" destOrd="0" presId="urn:microsoft.com/office/officeart/2005/8/layout/hierarchy2"/>
+    <dgm:cxn modelId="{FAE7B986-D82A-44E0-A37C-7CDFF9BFDB94}" srcId="{2DFAE340-7FD5-4B0C-92F3-7F656099B484}" destId="{4BFA77AD-72F1-4551-84CC-8F7EA45B140D}" srcOrd="0" destOrd="0" parTransId="{4ED45374-AD5D-4D29-9345-6B945DD2D4A7}" sibTransId="{C97B49E7-B0D7-476B-98BF-87FFBABA01B9}"/>
+    <dgm:cxn modelId="{BE2F5189-DE72-4819-9DE0-09F7B00F2A2E}" srcId="{4BFA77AD-72F1-4551-84CC-8F7EA45B140D}" destId="{D5FF056D-F8F9-455B-B610-BE2ECD3CD835}" srcOrd="0" destOrd="0" parTransId="{5B500E3C-55A7-4734-BA7B-1374249E0F33}" sibTransId="{FB85E5EB-A5BA-477C-A0C1-82D0907EE90E}"/>
+    <dgm:cxn modelId="{5CDC3C9B-6700-4B62-931B-434A1F21A75A}" type="presOf" srcId="{4ED45374-AD5D-4D29-9345-6B945DD2D4A7}" destId="{4E354959-D559-4586-AA5D-7397A99FFE04}" srcOrd="0" destOrd="0" presId="urn:microsoft.com/office/officeart/2005/8/layout/hierarchy2"/>
     <dgm:cxn modelId="{14670CA0-FBBA-4487-98F4-DD384F1EDAAC}" type="presOf" srcId="{A6958060-4DA2-4C9B-9EBE-367A955BB44A}" destId="{403B818F-E02D-452D-A5C7-9AE4E623C318}" srcOrd="1" destOrd="0" presId="urn:microsoft.com/office/officeart/2005/8/layout/hierarchy2"/>
-    <dgm:cxn modelId="{92A295E9-8A93-4585-9837-715A0A355FD1}" type="presOf" srcId="{533B286D-77A1-4B42-A236-F24FE4464405}" destId="{464E8E22-3FFB-4C33-8F1F-AB75BB079B06}" srcOrd="0" destOrd="0" presId="urn:microsoft.com/office/officeart/2005/8/layout/hierarchy2"/>
+    <dgm:cxn modelId="{67E0D4AA-2479-45A4-BFF7-6CE6ABA4A73A}" type="presOf" srcId="{645078B5-7B33-4153-8D35-1D2125E61A67}" destId="{48E27C1A-46A8-4289-B7EE-D3E12CB5D428}" srcOrd="0" destOrd="0" presId="urn:microsoft.com/office/officeart/2005/8/layout/hierarchy2"/>
+    <dgm:cxn modelId="{A4CF3FB3-D308-4360-ADF9-52898C10F222}" srcId="{250DF320-4782-4E82-9B19-6B343BAD30D1}" destId="{533B286D-77A1-4B42-A236-F24FE4464405}" srcOrd="0" destOrd="0" parTransId="{11887A48-265F-46B1-92DC-86EE09108779}" sibTransId="{9DF6EC97-A265-488F-A833-2BE2C7C9F828}"/>
+    <dgm:cxn modelId="{FD6F38C4-105A-4733-BE8B-FC8B43D513E1}" type="presOf" srcId="{5B500E3C-55A7-4734-BA7B-1374249E0F33}" destId="{2C9DD422-2527-46B1-89B2-2232CD6AF3A6}" srcOrd="0" destOrd="0" presId="urn:microsoft.com/office/officeart/2005/8/layout/hierarchy2"/>
+    <dgm:cxn modelId="{F74CB4CE-C449-45D4-BADC-09164E1D1783}" srcId="{250DF320-4782-4E82-9B19-6B343BAD30D1}" destId="{645078B5-7B33-4153-8D35-1D2125E61A67}" srcOrd="1" destOrd="0" parTransId="{A6958060-4DA2-4C9B-9EBE-367A955BB44A}" sibTransId="{17F131BA-8FE0-44C2-A022-4114ABB08E1E}"/>
     <dgm:cxn modelId="{EC4089D0-0C66-4D34-88EB-DB68E4150FFD}" type="presOf" srcId="{7D4B0AA6-248D-4205-901E-9C9CF0E1A12A}" destId="{D97DD8A1-EABB-46D2-B2A7-38DA588E3A80}" srcOrd="0" destOrd="0" presId="urn:microsoft.com/office/officeart/2005/8/layout/hierarchy2"/>
     <dgm:cxn modelId="{6042E0DC-EA2F-4047-92FA-1792F027CF07}" type="presOf" srcId="{7D4B0AA6-248D-4205-901E-9C9CF0E1A12A}" destId="{883EC989-911B-48E2-ACFE-504A0C6F2CD5}" srcOrd="1" destOrd="0" presId="urn:microsoft.com/office/officeart/2005/8/layout/hierarchy2"/>
-    <dgm:cxn modelId="{A4CF3FB3-D308-4360-ADF9-52898C10F222}" srcId="{250DF320-4782-4E82-9B19-6B343BAD30D1}" destId="{533B286D-77A1-4B42-A236-F24FE4464405}" srcOrd="0" destOrd="0" parTransId="{11887A48-265F-46B1-92DC-86EE09108779}" sibTransId="{9DF6EC97-A265-488F-A833-2BE2C7C9F828}"/>
-    <dgm:cxn modelId="{BE2F5189-DE72-4819-9DE0-09F7B00F2A2E}" srcId="{4BFA77AD-72F1-4551-84CC-8F7EA45B140D}" destId="{D5FF056D-F8F9-455B-B610-BE2ECD3CD835}" srcOrd="0" destOrd="0" parTransId="{5B500E3C-55A7-4734-BA7B-1374249E0F33}" sibTransId="{FB85E5EB-A5BA-477C-A0C1-82D0907EE90E}"/>
-    <dgm:cxn modelId="{FD6F38C4-105A-4733-BE8B-FC8B43D513E1}" type="presOf" srcId="{5B500E3C-55A7-4734-BA7B-1374249E0F33}" destId="{2C9DD422-2527-46B1-89B2-2232CD6AF3A6}" srcOrd="0" destOrd="0" presId="urn:microsoft.com/office/officeart/2005/8/layout/hierarchy2"/>
+    <dgm:cxn modelId="{C27626DF-4BC7-40C6-92EE-4B92FA646028}" srcId="{250DF320-4782-4E82-9B19-6B343BAD30D1}" destId="{0A728741-C350-479D-8AB8-2D3B40C0396B}" srcOrd="2" destOrd="0" parTransId="{7D4B0AA6-248D-4205-901E-9C9CF0E1A12A}" sibTransId="{4F30B327-BB88-4723-8E2C-77E67582AC89}"/>
+    <dgm:cxn modelId="{D97811E4-8500-49CD-BEE9-1B5B921A5B5F}" srcId="{2DFAE340-7FD5-4B0C-92F3-7F656099B484}" destId="{250DF320-4782-4E82-9B19-6B343BAD30D1}" srcOrd="1" destOrd="0" parTransId="{0E1FC31C-C204-4DF6-93AF-3C02FA254320}" sibTransId="{1DD5171F-7B02-4F1A-8E2F-780442C40868}"/>
     <dgm:cxn modelId="{56F9CBE7-B7B3-4ACA-B289-C81F07BA82F8}" type="presOf" srcId="{0A728741-C350-479D-8AB8-2D3B40C0396B}" destId="{4A1A7FFE-820E-434E-9887-2D569DBA7F7A}" srcOrd="0" destOrd="0" presId="urn:microsoft.com/office/officeart/2005/8/layout/hierarchy2"/>
-    <dgm:cxn modelId="{492D1B5E-3928-4801-B70B-384C79CEC44E}" type="presOf" srcId="{06B27FA4-B689-491B-AE2C-2FA710AA9BEB}" destId="{A55486BB-9206-463F-BBA9-1B5121117D9A}" srcOrd="0" destOrd="0" presId="urn:microsoft.com/office/officeart/2005/8/layout/hierarchy2"/>
-    <dgm:cxn modelId="{5CDC3C9B-6700-4B62-931B-434A1F21A75A}" type="presOf" srcId="{4ED45374-AD5D-4D29-9345-6B945DD2D4A7}" destId="{4E354959-D559-4586-AA5D-7397A99FFE04}" srcOrd="0" destOrd="0" presId="urn:microsoft.com/office/officeart/2005/8/layout/hierarchy2"/>
-    <dgm:cxn modelId="{F74CB4CE-C449-45D4-BADC-09164E1D1783}" srcId="{250DF320-4782-4E82-9B19-6B343BAD30D1}" destId="{645078B5-7B33-4153-8D35-1D2125E61A67}" srcOrd="1" destOrd="0" parTransId="{A6958060-4DA2-4C9B-9EBE-367A955BB44A}" sibTransId="{17F131BA-8FE0-44C2-A022-4114ABB08E1E}"/>
-    <dgm:cxn modelId="{62E9A836-7E6B-4CD7-85E7-B36F09991C1A}" type="presOf" srcId="{D5FF056D-F8F9-455B-B610-BE2ECD3CD835}" destId="{519956A6-5C9F-4279-8CC6-B58518B924BB}" srcOrd="0" destOrd="0" presId="urn:microsoft.com/office/officeart/2005/8/layout/hierarchy2"/>
+    <dgm:cxn modelId="{92A295E9-8A93-4585-9837-715A0A355FD1}" type="presOf" srcId="{533B286D-77A1-4B42-A236-F24FE4464405}" destId="{464E8E22-3FFB-4C33-8F1F-AB75BB079B06}" srcOrd="0" destOrd="0" presId="urn:microsoft.com/office/officeart/2005/8/layout/hierarchy2"/>
     <dgm:cxn modelId="{239FC4E9-8B7A-4DE5-B003-DB063967CF4A}" type="presOf" srcId="{2DFAE340-7FD5-4B0C-92F3-7F656099B484}" destId="{237A1665-9AEA-456A-BE6C-60354BD79AF8}" srcOrd="0" destOrd="0" presId="urn:microsoft.com/office/officeart/2005/8/layout/hierarchy2"/>
-    <dgm:cxn modelId="{C96E375E-EFE1-4BF7-A528-9F1E247AF9FF}" type="presOf" srcId="{250DF320-4782-4E82-9B19-6B343BAD30D1}" destId="{4B1CC8CA-DC86-493A-8591-F9C71456F498}" srcOrd="0" destOrd="0" presId="urn:microsoft.com/office/officeart/2005/8/layout/hierarchy2"/>
-    <dgm:cxn modelId="{FAE7B986-D82A-44E0-A37C-7CDFF9BFDB94}" srcId="{2DFAE340-7FD5-4B0C-92F3-7F656099B484}" destId="{4BFA77AD-72F1-4551-84CC-8F7EA45B140D}" srcOrd="0" destOrd="0" parTransId="{4ED45374-AD5D-4D29-9345-6B945DD2D4A7}" sibTransId="{C97B49E7-B0D7-476B-98BF-87FFBABA01B9}"/>
-    <dgm:cxn modelId="{AABAC919-D6D4-4B5F-9305-F8FA3E3F4E2B}" type="presOf" srcId="{11887A48-265F-46B1-92DC-86EE09108779}" destId="{8B4A5715-389A-492D-87FC-70273BC5DBB1}" srcOrd="1" destOrd="0" presId="urn:microsoft.com/office/officeart/2005/8/layout/hierarchy2"/>
-    <dgm:cxn modelId="{67E0D4AA-2479-45A4-BFF7-6CE6ABA4A73A}" type="presOf" srcId="{645078B5-7B33-4153-8D35-1D2125E61A67}" destId="{48E27C1A-46A8-4289-B7EE-D3E12CB5D428}" srcOrd="0" destOrd="0" presId="urn:microsoft.com/office/officeart/2005/8/layout/hierarchy2"/>
-    <dgm:cxn modelId="{474C8140-E029-4342-A421-D03621A61198}" type="presOf" srcId="{11887A48-265F-46B1-92DC-86EE09108779}" destId="{02A73208-E2D0-4E09-ABD1-967C178103F5}" srcOrd="0" destOrd="0" presId="urn:microsoft.com/office/officeart/2005/8/layout/hierarchy2"/>
     <dgm:cxn modelId="{595AF6F1-1024-4349-8DA3-A9E05642F20C}" type="presOf" srcId="{0E1FC31C-C204-4DF6-93AF-3C02FA254320}" destId="{A0C15565-5F39-40A7-A461-08ECF0BA0374}" srcOrd="0" destOrd="0" presId="urn:microsoft.com/office/officeart/2005/8/layout/hierarchy2"/>
-    <dgm:cxn modelId="{E8D94F11-4152-4F51-8935-752E888C285A}" type="presOf" srcId="{A6958060-4DA2-4C9B-9EBE-367A955BB44A}" destId="{7B035F75-8E12-49F6-99E0-A20C4A18D1C3}" srcOrd="0" destOrd="0" presId="urn:microsoft.com/office/officeart/2005/8/layout/hierarchy2"/>
-    <dgm:cxn modelId="{C27626DF-4BC7-40C6-92EE-4B92FA646028}" srcId="{250DF320-4782-4E82-9B19-6B343BAD30D1}" destId="{0A728741-C350-479D-8AB8-2D3B40C0396B}" srcOrd="2" destOrd="0" parTransId="{7D4B0AA6-248D-4205-901E-9C9CF0E1A12A}" sibTransId="{4F30B327-BB88-4723-8E2C-77E67582AC89}"/>
-    <dgm:cxn modelId="{6C3CCC3A-8A23-4A13-95A8-B384F300E0B6}" type="presOf" srcId="{5B500E3C-55A7-4734-BA7B-1374249E0F33}" destId="{B6C2F51D-650E-4CC6-83E7-E50A44DE6AB6}" srcOrd="1" destOrd="0" presId="urn:microsoft.com/office/officeart/2005/8/layout/hierarchy2"/>
-    <dgm:cxn modelId="{D97811E4-8500-49CD-BEE9-1B5B921A5B5F}" srcId="{2DFAE340-7FD5-4B0C-92F3-7F656099B484}" destId="{250DF320-4782-4E82-9B19-6B343BAD30D1}" srcOrd="1" destOrd="0" parTransId="{0E1FC31C-C204-4DF6-93AF-3C02FA254320}" sibTransId="{1DD5171F-7B02-4F1A-8E2F-780442C40868}"/>
-    <dgm:cxn modelId="{C917CF30-608B-4D4E-9FAD-09731F8BA446}" type="presOf" srcId="{4BFA77AD-72F1-4551-84CC-8F7EA45B140D}" destId="{1CC901B9-0886-4154-8ADB-A95AEA756FC4}" srcOrd="0" destOrd="0" presId="urn:microsoft.com/office/officeart/2005/8/layout/hierarchy2"/>
-    <dgm:cxn modelId="{BB9D870A-3573-4D27-BF8A-E5BE48C5A9B2}" type="presOf" srcId="{4ED45374-AD5D-4D29-9345-6B945DD2D4A7}" destId="{54C34A62-1986-4D2B-9818-D9758214C53A}" srcOrd="1" destOrd="0" presId="urn:microsoft.com/office/officeart/2005/8/layout/hierarchy2"/>
-    <dgm:cxn modelId="{1F4A2520-5FD7-4D3C-A270-5717F83B7B83}" type="presOf" srcId="{0E1FC31C-C204-4DF6-93AF-3C02FA254320}" destId="{A1E80E11-EC97-4282-B7BE-04CB80C0EE88}" srcOrd="1" destOrd="0" presId="urn:microsoft.com/office/officeart/2005/8/layout/hierarchy2"/>
     <dgm:cxn modelId="{6FD19CF3-B1EF-4558-8E0A-41664B04C385}" srcId="{06B27FA4-B689-491B-AE2C-2FA710AA9BEB}" destId="{2DFAE340-7FD5-4B0C-92F3-7F656099B484}" srcOrd="0" destOrd="0" parTransId="{D895E7E0-E32F-4FC6-85A9-6CD9B203F53F}" sibTransId="{FA64883C-19AC-4928-BF20-688BADB5E0FA}"/>
     <dgm:cxn modelId="{57785202-365F-4740-A278-7A3F2A2CF168}" type="presParOf" srcId="{A55486BB-9206-463F-BBA9-1B5121117D9A}" destId="{AD4AA37D-48E0-4844-9CB2-C99F4EE8502F}" srcOrd="0" destOrd="0" presId="urn:microsoft.com/office/officeart/2005/8/layout/hierarchy2"/>
     <dgm:cxn modelId="{3799B003-4BD2-4FA4-83C3-870841678F5E}" type="presParOf" srcId="{AD4AA37D-48E0-4844-9CB2-C99F4EE8502F}" destId="{237A1665-9AEA-456A-BE6C-60354BD79AF8}" srcOrd="0" destOrd="0" presId="urn:microsoft.com/office/officeart/2005/8/layout/hierarchy2"/>
@@ -4227,18 +4081,13 @@
         <a:lstStyle/>
         <a:p>
           <a:r>
-            <a:rPr lang="zh-CN" altLang="en-US" b="1" dirty="0" smtClean="0">
+            <a:rPr lang="zh-CN" altLang="en-US" b="1" dirty="0">
               <a:solidFill>
                 <a:schemeClr val="bg1"/>
               </a:solidFill>
             </a:rPr>
             <a:t>检查</a:t>
           </a:r>
-          <a:endParaRPr lang="zh-CN" altLang="en-US" b="1" dirty="0">
-            <a:solidFill>
-              <a:schemeClr val="bg1"/>
-            </a:solidFill>
-          </a:endParaRPr>
         </a:p>
       </dgm:t>
     </dgm:pt>
@@ -4280,18 +4129,13 @@
         <a:lstStyle/>
         <a:p>
           <a:r>
-            <a:rPr lang="zh-CN" altLang="en-US" b="1" dirty="0" smtClean="0">
+            <a:rPr lang="zh-CN" altLang="en-US" b="1" dirty="0">
               <a:solidFill>
                 <a:schemeClr val="bg1"/>
               </a:solidFill>
             </a:rPr>
             <a:t>识别与纠正</a:t>
           </a:r>
-          <a:endParaRPr lang="zh-CN" altLang="en-US" b="1" dirty="0">
-            <a:solidFill>
-              <a:schemeClr val="bg1"/>
-            </a:solidFill>
-          </a:endParaRPr>
         </a:p>
       </dgm:t>
     </dgm:pt>
@@ -4333,18 +4177,13 @@
         <a:lstStyle/>
         <a:p>
           <a:r>
-            <a:rPr lang="zh-CN" altLang="en-US" b="1" dirty="0" smtClean="0">
+            <a:rPr lang="zh-CN" altLang="en-US" b="1" dirty="0">
               <a:solidFill>
                 <a:schemeClr val="bg1"/>
               </a:solidFill>
             </a:rPr>
             <a:t>复查</a:t>
           </a:r>
-          <a:endParaRPr lang="zh-CN" altLang="en-US" b="1" dirty="0">
-            <a:solidFill>
-              <a:schemeClr val="bg1"/>
-            </a:solidFill>
-          </a:endParaRPr>
         </a:p>
       </dgm:t>
     </dgm:pt>
@@ -4386,18 +4225,13 @@
         <a:lstStyle/>
         <a:p>
           <a:r>
-            <a:rPr lang="zh-CN" altLang="en-US" b="1" dirty="0" smtClean="0">
+            <a:rPr lang="zh-CN" altLang="en-US" b="1" dirty="0">
               <a:solidFill>
                 <a:schemeClr val="bg1"/>
               </a:solidFill>
             </a:rPr>
             <a:t>沟通</a:t>
           </a:r>
-          <a:endParaRPr lang="zh-CN" altLang="en-US" b="1" dirty="0">
-            <a:solidFill>
-              <a:schemeClr val="bg1"/>
-            </a:solidFill>
-          </a:endParaRPr>
         </a:p>
       </dgm:t>
     </dgm:pt>
@@ -4439,13 +4273,6 @@
         </dgm:presLayoutVars>
       </dgm:prSet>
       <dgm:spPr/>
-      <dgm:t>
-        <a:bodyPr/>
-        <a:lstStyle/>
-        <a:p>
-          <a:endParaRPr lang="zh-CN" altLang="en-US"/>
-        </a:p>
-      </dgm:t>
     </dgm:pt>
     <dgm:pt modelId="{5E674E71-AEA8-4B49-BDA9-585251B0DAC3}" type="pres">
       <dgm:prSet presAssocID="{7890728D-90FA-495F-9A76-8F98C349125B}" presName="dummy" presStyleCnt="0"/>
@@ -4458,24 +4285,10 @@
         </dgm:presLayoutVars>
       </dgm:prSet>
       <dgm:spPr/>
-      <dgm:t>
-        <a:bodyPr/>
-        <a:lstStyle/>
-        <a:p>
-          <a:endParaRPr lang="zh-CN" altLang="en-US"/>
-        </a:p>
-      </dgm:t>
     </dgm:pt>
     <dgm:pt modelId="{71679ABD-1D75-41AD-A473-7C13C8973A9B}" type="pres">
       <dgm:prSet presAssocID="{4A766B4C-6D0D-4E6F-92DA-FA04C7AE67E2}" presName="sibTrans" presStyleLbl="node1" presStyleIdx="0" presStyleCnt="4"/>
       <dgm:spPr/>
-      <dgm:t>
-        <a:bodyPr/>
-        <a:lstStyle/>
-        <a:p>
-          <a:endParaRPr lang="zh-CN" altLang="en-US"/>
-        </a:p>
-      </dgm:t>
     </dgm:pt>
     <dgm:pt modelId="{7613A1EB-AE2F-4D43-8A23-F9FAF04BCA90}" type="pres">
       <dgm:prSet presAssocID="{71758FE5-DF7A-4F31-9019-5E7AF6876001}" presName="dummy" presStyleCnt="0"/>
@@ -4488,24 +4301,10 @@
         </dgm:presLayoutVars>
       </dgm:prSet>
       <dgm:spPr/>
-      <dgm:t>
-        <a:bodyPr/>
-        <a:lstStyle/>
-        <a:p>
-          <a:endParaRPr lang="zh-CN" altLang="en-US"/>
-        </a:p>
-      </dgm:t>
     </dgm:pt>
     <dgm:pt modelId="{66330FED-2347-4E9A-86C3-ED037AA71D48}" type="pres">
       <dgm:prSet presAssocID="{CF479287-0AB1-4F38-A04A-AC46CBAA3C07}" presName="sibTrans" presStyleLbl="node1" presStyleIdx="1" presStyleCnt="4"/>
       <dgm:spPr/>
-      <dgm:t>
-        <a:bodyPr/>
-        <a:lstStyle/>
-        <a:p>
-          <a:endParaRPr lang="zh-CN" altLang="en-US"/>
-        </a:p>
-      </dgm:t>
     </dgm:pt>
     <dgm:pt modelId="{D03C6728-02C6-4658-A648-D6CC72309218}" type="pres">
       <dgm:prSet presAssocID="{960F8F56-D5F9-433C-84C1-F347D4C966A0}" presName="dummy" presStyleCnt="0"/>
@@ -4518,24 +4317,10 @@
         </dgm:presLayoutVars>
       </dgm:prSet>
       <dgm:spPr/>
-      <dgm:t>
-        <a:bodyPr/>
-        <a:lstStyle/>
-        <a:p>
-          <a:endParaRPr lang="zh-CN" altLang="en-US"/>
-        </a:p>
-      </dgm:t>
     </dgm:pt>
     <dgm:pt modelId="{487041FE-70D3-4ED4-B341-3BA7D2B66DF2}" type="pres">
       <dgm:prSet presAssocID="{1CB949EE-1132-4943-A6AD-7990B7189E31}" presName="sibTrans" presStyleLbl="node1" presStyleIdx="2" presStyleCnt="4"/>
       <dgm:spPr/>
-      <dgm:t>
-        <a:bodyPr/>
-        <a:lstStyle/>
-        <a:p>
-          <a:endParaRPr lang="zh-CN" altLang="en-US"/>
-        </a:p>
-      </dgm:t>
     </dgm:pt>
     <dgm:pt modelId="{1F946326-CB93-47F8-A2C1-63F4FE719652}" type="pres">
       <dgm:prSet presAssocID="{F7C8CD28-C8AA-4A70-BFA8-440C07AED639}" presName="dummy" presStyleCnt="0"/>
@@ -4548,40 +4333,26 @@
         </dgm:presLayoutVars>
       </dgm:prSet>
       <dgm:spPr/>
-      <dgm:t>
-        <a:bodyPr/>
-        <a:lstStyle/>
-        <a:p>
-          <a:endParaRPr lang="zh-CN" altLang="en-US"/>
-        </a:p>
-      </dgm:t>
     </dgm:pt>
     <dgm:pt modelId="{2E673903-8A36-4147-A82F-2F5CB41CCB03}" type="pres">
       <dgm:prSet presAssocID="{D771BD76-1C62-4AF9-A72C-A368D2FBA8FE}" presName="sibTrans" presStyleLbl="node1" presStyleIdx="3" presStyleCnt="4" custLinFactNeighborX="4849"/>
       <dgm:spPr/>
-      <dgm:t>
-        <a:bodyPr/>
-        <a:lstStyle/>
-        <a:p>
-          <a:endParaRPr lang="zh-CN" altLang="en-US"/>
-        </a:p>
-      </dgm:t>
     </dgm:pt>
   </dgm:ptLst>
   <dgm:cxnLst>
+    <dgm:cxn modelId="{77B09C00-36AB-425A-8F6C-6DD90E60CB16}" type="presOf" srcId="{71758FE5-DF7A-4F31-9019-5E7AF6876001}" destId="{E32D11B4-4052-4C25-AA41-5CD5871FED63}" srcOrd="0" destOrd="0" presId="urn:microsoft.com/office/officeart/2005/8/layout/cycle1"/>
+    <dgm:cxn modelId="{DFE8530F-1C76-47BE-AF89-A6190C034968}" type="presOf" srcId="{76D59D69-C1B2-41E8-B51E-D91FFA9BF92F}" destId="{DDD1FF00-C7E7-4C17-B283-83F703F0CC19}" srcOrd="0" destOrd="0" presId="urn:microsoft.com/office/officeart/2005/8/layout/cycle1"/>
+    <dgm:cxn modelId="{F8EE5921-35E0-4D9F-BDE9-2732736C8EB2}" type="presOf" srcId="{F7C8CD28-C8AA-4A70-BFA8-440C07AED639}" destId="{521A04BF-CFF8-4AE9-B4BA-5F0E18832BC9}" srcOrd="0" destOrd="0" presId="urn:microsoft.com/office/officeart/2005/8/layout/cycle1"/>
+    <dgm:cxn modelId="{FD021E2A-E0E7-4DA6-B743-0EFD32A28983}" type="presOf" srcId="{960F8F56-D5F9-433C-84C1-F347D4C966A0}" destId="{AB81216F-FEC5-43E0-89C2-7A435BD87FAC}" srcOrd="0" destOrd="0" presId="urn:microsoft.com/office/officeart/2005/8/layout/cycle1"/>
+    <dgm:cxn modelId="{A2FCB24B-712B-4793-9DC8-F582E1977BE1}" type="presOf" srcId="{D771BD76-1C62-4AF9-A72C-A368D2FBA8FE}" destId="{2E673903-8A36-4147-A82F-2F5CB41CCB03}" srcOrd="0" destOrd="0" presId="urn:microsoft.com/office/officeart/2005/8/layout/cycle1"/>
+    <dgm:cxn modelId="{7103766C-195C-4FAE-9FDC-5E18487ADA87}" srcId="{76D59D69-C1B2-41E8-B51E-D91FFA9BF92F}" destId="{71758FE5-DF7A-4F31-9019-5E7AF6876001}" srcOrd="1" destOrd="0" parTransId="{BB84F84B-A065-4BAF-99F3-266237CBA51A}" sibTransId="{CF479287-0AB1-4F38-A04A-AC46CBAA3C07}"/>
+    <dgm:cxn modelId="{33B4E56D-3442-4A6F-9B87-3E54FBE23F55}" srcId="{76D59D69-C1B2-41E8-B51E-D91FFA9BF92F}" destId="{7890728D-90FA-495F-9A76-8F98C349125B}" srcOrd="0" destOrd="0" parTransId="{AF899462-BC55-4DA7-8264-E6DC44FE2796}" sibTransId="{4A766B4C-6D0D-4E6F-92DA-FA04C7AE67E2}"/>
+    <dgm:cxn modelId="{21508454-B4B8-47F0-9552-25CA2C183CDC}" type="presOf" srcId="{1CB949EE-1132-4943-A6AD-7990B7189E31}" destId="{487041FE-70D3-4ED4-B341-3BA7D2B66DF2}" srcOrd="0" destOrd="0" presId="urn:microsoft.com/office/officeart/2005/8/layout/cycle1"/>
     <dgm:cxn modelId="{1A5BF1B8-39C2-4BA6-8B0F-228794C6D458}" type="presOf" srcId="{4A766B4C-6D0D-4E6F-92DA-FA04C7AE67E2}" destId="{71679ABD-1D75-41AD-A473-7C13C8973A9B}" srcOrd="0" destOrd="0" presId="urn:microsoft.com/office/officeart/2005/8/layout/cycle1"/>
     <dgm:cxn modelId="{939B77E4-32AA-468C-A96B-85F33479743B}" type="presOf" srcId="{CF479287-0AB1-4F38-A04A-AC46CBAA3C07}" destId="{66330FED-2347-4E9A-86C3-ED037AA71D48}" srcOrd="0" destOrd="0" presId="urn:microsoft.com/office/officeart/2005/8/layout/cycle1"/>
-    <dgm:cxn modelId="{A2FCB24B-712B-4793-9DC8-F582E1977BE1}" type="presOf" srcId="{D771BD76-1C62-4AF9-A72C-A368D2FBA8FE}" destId="{2E673903-8A36-4147-A82F-2F5CB41CCB03}" srcOrd="0" destOrd="0" presId="urn:microsoft.com/office/officeart/2005/8/layout/cycle1"/>
-    <dgm:cxn modelId="{F8EE5921-35E0-4D9F-BDE9-2732736C8EB2}" type="presOf" srcId="{F7C8CD28-C8AA-4A70-BFA8-440C07AED639}" destId="{521A04BF-CFF8-4AE9-B4BA-5F0E18832BC9}" srcOrd="0" destOrd="0" presId="urn:microsoft.com/office/officeart/2005/8/layout/cycle1"/>
+    <dgm:cxn modelId="{16211EEF-B444-45A8-95A6-23E61B49E84E}" srcId="{76D59D69-C1B2-41E8-B51E-D91FFA9BF92F}" destId="{960F8F56-D5F9-433C-84C1-F347D4C966A0}" srcOrd="2" destOrd="0" parTransId="{A2A340F7-B0EC-45E4-8E50-5F722069B12D}" sibTransId="{1CB949EE-1132-4943-A6AD-7990B7189E31}"/>
+    <dgm:cxn modelId="{CEC0B0F2-45ED-4243-B0F3-A65A851508EB}" srcId="{76D59D69-C1B2-41E8-B51E-D91FFA9BF92F}" destId="{F7C8CD28-C8AA-4A70-BFA8-440C07AED639}" srcOrd="3" destOrd="0" parTransId="{F8F93DDC-C0D6-4E87-8656-5AB85692DDFA}" sibTransId="{D771BD76-1C62-4AF9-A72C-A368D2FBA8FE}"/>
     <dgm:cxn modelId="{DFBB30FE-BC41-4FB6-B1A9-52F6DF32B544}" type="presOf" srcId="{7890728D-90FA-495F-9A76-8F98C349125B}" destId="{292F83BB-D5FA-41F8-969A-7497F7C7F12A}" srcOrd="0" destOrd="0" presId="urn:microsoft.com/office/officeart/2005/8/layout/cycle1"/>
-    <dgm:cxn modelId="{16211EEF-B444-45A8-95A6-23E61B49E84E}" srcId="{76D59D69-C1B2-41E8-B51E-D91FFA9BF92F}" destId="{960F8F56-D5F9-433C-84C1-F347D4C966A0}" srcOrd="2" destOrd="0" parTransId="{A2A340F7-B0EC-45E4-8E50-5F722069B12D}" sibTransId="{1CB949EE-1132-4943-A6AD-7990B7189E31}"/>
-    <dgm:cxn modelId="{7103766C-195C-4FAE-9FDC-5E18487ADA87}" srcId="{76D59D69-C1B2-41E8-B51E-D91FFA9BF92F}" destId="{71758FE5-DF7A-4F31-9019-5E7AF6876001}" srcOrd="1" destOrd="0" parTransId="{BB84F84B-A065-4BAF-99F3-266237CBA51A}" sibTransId="{CF479287-0AB1-4F38-A04A-AC46CBAA3C07}"/>
-    <dgm:cxn modelId="{DFE8530F-1C76-47BE-AF89-A6190C034968}" type="presOf" srcId="{76D59D69-C1B2-41E8-B51E-D91FFA9BF92F}" destId="{DDD1FF00-C7E7-4C17-B283-83F703F0CC19}" srcOrd="0" destOrd="0" presId="urn:microsoft.com/office/officeart/2005/8/layout/cycle1"/>
-    <dgm:cxn modelId="{21508454-B4B8-47F0-9552-25CA2C183CDC}" type="presOf" srcId="{1CB949EE-1132-4943-A6AD-7990B7189E31}" destId="{487041FE-70D3-4ED4-B341-3BA7D2B66DF2}" srcOrd="0" destOrd="0" presId="urn:microsoft.com/office/officeart/2005/8/layout/cycle1"/>
-    <dgm:cxn modelId="{CEC0B0F2-45ED-4243-B0F3-A65A851508EB}" srcId="{76D59D69-C1B2-41E8-B51E-D91FFA9BF92F}" destId="{F7C8CD28-C8AA-4A70-BFA8-440C07AED639}" srcOrd="3" destOrd="0" parTransId="{F8F93DDC-C0D6-4E87-8656-5AB85692DDFA}" sibTransId="{D771BD76-1C62-4AF9-A72C-A368D2FBA8FE}"/>
-    <dgm:cxn modelId="{77B09C00-36AB-425A-8F6C-6DD90E60CB16}" type="presOf" srcId="{71758FE5-DF7A-4F31-9019-5E7AF6876001}" destId="{E32D11B4-4052-4C25-AA41-5CD5871FED63}" srcOrd="0" destOrd="0" presId="urn:microsoft.com/office/officeart/2005/8/layout/cycle1"/>
-    <dgm:cxn modelId="{33B4E56D-3442-4A6F-9B87-3E54FBE23F55}" srcId="{76D59D69-C1B2-41E8-B51E-D91FFA9BF92F}" destId="{7890728D-90FA-495F-9A76-8F98C349125B}" srcOrd="0" destOrd="0" parTransId="{AF899462-BC55-4DA7-8264-E6DC44FE2796}" sibTransId="{4A766B4C-6D0D-4E6F-92DA-FA04C7AE67E2}"/>
-    <dgm:cxn modelId="{FD021E2A-E0E7-4DA6-B743-0EFD32A28983}" type="presOf" srcId="{960F8F56-D5F9-433C-84C1-F347D4C966A0}" destId="{AB81216F-FEC5-43E0-89C2-7A435BD87FAC}" srcOrd="0" destOrd="0" presId="urn:microsoft.com/office/officeart/2005/8/layout/cycle1"/>
     <dgm:cxn modelId="{DB78CA31-209B-4D3E-8DBD-1DE8CC9BC0FE}" type="presParOf" srcId="{DDD1FF00-C7E7-4C17-B283-83F703F0CC19}" destId="{5E674E71-AEA8-4B49-BDA9-585251B0DAC3}" srcOrd="0" destOrd="0" presId="urn:microsoft.com/office/officeart/2005/8/layout/cycle1"/>
     <dgm:cxn modelId="{004BE9DB-47EE-46F4-A9CD-B93733DB4856}" type="presParOf" srcId="{DDD1FF00-C7E7-4C17-B283-83F703F0CC19}" destId="{292F83BB-D5FA-41F8-969A-7497F7C7F12A}" srcOrd="1" destOrd="0" presId="urn:microsoft.com/office/officeart/2005/8/layout/cycle1"/>
     <dgm:cxn modelId="{908FD612-0252-4910-A3A0-8615860998B3}" type="presParOf" srcId="{DDD1FF00-C7E7-4C17-B283-83F703F0CC19}" destId="{71679ABD-1D75-41AD-A473-7C13C8973A9B}" srcOrd="2" destOrd="0" presId="urn:microsoft.com/office/officeart/2005/8/layout/cycle1"/>
@@ -4627,10 +4398,9 @@
         <a:lstStyle/>
         <a:p>
           <a:r>
-            <a:rPr lang="zh-CN" altLang="en-US" b="1" dirty="0" smtClean="0"/>
+            <a:rPr lang="zh-CN" altLang="en-US" b="1" dirty="0"/>
             <a:t>高层经理</a:t>
           </a:r>
-          <a:endParaRPr lang="zh-CN" altLang="en-US" b="1" dirty="0"/>
         </a:p>
       </dgm:t>
     </dgm:pt>
@@ -4664,11 +4434,11 @@
         <a:lstStyle/>
         <a:p>
           <a:r>
-            <a:rPr lang="zh-CN" altLang="en-US" b="1" dirty="0" smtClean="0"/>
+            <a:rPr lang="zh-CN" altLang="en-US" b="1" dirty="0"/>
             <a:t>开发团队</a:t>
           </a:r>
           <a:r>
-            <a:rPr lang="en-US" altLang="zh-CN" b="1" dirty="0" smtClean="0"/>
+            <a:rPr lang="en-US" altLang="zh-CN" b="1" dirty="0"/>
             <a:t>1</a:t>
           </a:r>
           <a:endParaRPr lang="zh-CN" altLang="en-US" b="1" dirty="0"/>
@@ -4705,11 +4475,11 @@
         <a:lstStyle/>
         <a:p>
           <a:r>
-            <a:rPr lang="zh-CN" altLang="en-US" b="1" dirty="0" smtClean="0"/>
+            <a:rPr lang="zh-CN" altLang="en-US" b="1" dirty="0"/>
             <a:t>开发团队</a:t>
           </a:r>
           <a:r>
-            <a:rPr lang="en-US" altLang="zh-CN" b="1" dirty="0" smtClean="0"/>
+            <a:rPr lang="en-US" altLang="zh-CN" b="1" dirty="0"/>
             <a:t>N</a:t>
           </a:r>
           <a:endParaRPr lang="zh-CN" altLang="en-US" b="1" dirty="0"/>
@@ -4746,11 +4516,11 @@
         <a:lstStyle/>
         <a:p>
           <a:r>
-            <a:rPr lang="zh-CN" altLang="en-US" b="1" dirty="0" smtClean="0"/>
+            <a:rPr lang="zh-CN" altLang="en-US" b="1" dirty="0"/>
             <a:t>测试团队</a:t>
           </a:r>
           <a:r>
-            <a:rPr lang="en-US" altLang="zh-CN" b="1" dirty="0" smtClean="0"/>
+            <a:rPr lang="en-US" altLang="zh-CN" b="1" dirty="0"/>
             <a:t>1</a:t>
           </a:r>
           <a:endParaRPr lang="zh-CN" altLang="en-US" b="1" dirty="0"/>
@@ -4787,11 +4557,11 @@
         <a:lstStyle/>
         <a:p>
           <a:r>
-            <a:rPr lang="zh-CN" altLang="en-US" b="1" dirty="0" smtClean="0"/>
+            <a:rPr lang="zh-CN" altLang="en-US" b="1" dirty="0"/>
             <a:t>测试团队</a:t>
           </a:r>
           <a:r>
-            <a:rPr lang="en-US" altLang="zh-CN" b="1" dirty="0" smtClean="0"/>
+            <a:rPr lang="en-US" altLang="zh-CN" b="1" dirty="0"/>
             <a:t>N</a:t>
           </a:r>
           <a:endParaRPr lang="zh-CN" altLang="en-US" b="1" dirty="0"/>
@@ -4828,7 +4598,7 @@
         <a:lstStyle/>
         <a:p>
           <a:r>
-            <a:rPr lang="en-US" altLang="zh-CN" b="1" dirty="0" smtClean="0"/>
+            <a:rPr lang="en-US" altLang="zh-CN" b="1" dirty="0"/>
             <a:t>SQA</a:t>
           </a:r>
           <a:endParaRPr lang="zh-CN" altLang="en-US" b="1" dirty="0"/>
@@ -4868,13 +4638,6 @@
         </dgm:presLayoutVars>
       </dgm:prSet>
       <dgm:spPr/>
-      <dgm:t>
-        <a:bodyPr/>
-        <a:lstStyle/>
-        <a:p>
-          <a:endParaRPr lang="zh-CN" altLang="en-US"/>
-        </a:p>
-      </dgm:t>
     </dgm:pt>
     <dgm:pt modelId="{054804CA-4E5A-488C-BA3B-92C3A67683D1}" type="pres">
       <dgm:prSet presAssocID="{3548C95B-EB13-4A0B-855B-95AF311CC25B}" presName="hierRoot1" presStyleCnt="0"/>
@@ -4895,13 +4658,6 @@
         </dgm:presLayoutVars>
       </dgm:prSet>
       <dgm:spPr/>
-      <dgm:t>
-        <a:bodyPr/>
-        <a:lstStyle/>
-        <a:p>
-          <a:endParaRPr lang="zh-CN" altLang="en-US"/>
-        </a:p>
-      </dgm:t>
     </dgm:pt>
     <dgm:pt modelId="{32B0D4E1-02B4-49E0-865F-1AE4463F234D}" type="pres">
       <dgm:prSet presAssocID="{3548C95B-EB13-4A0B-855B-95AF311CC25B}" presName="hierChild2" presStyleCnt="0"/>
@@ -4910,13 +4666,6 @@
     <dgm:pt modelId="{F0452C99-4445-4985-BA0F-92042751CA0B}" type="pres">
       <dgm:prSet presAssocID="{ADED50BE-FAE4-4994-957D-90A217B51695}" presName="Name10" presStyleLbl="parChTrans1D2" presStyleIdx="0" presStyleCnt="3" custSzX="2307705"/>
       <dgm:spPr/>
-      <dgm:t>
-        <a:bodyPr/>
-        <a:lstStyle/>
-        <a:p>
-          <a:endParaRPr lang="zh-CN" altLang="en-US"/>
-        </a:p>
-      </dgm:t>
     </dgm:pt>
     <dgm:pt modelId="{DB08AE00-A9B7-4CF6-8657-D7F0B183BFA3}" type="pres">
       <dgm:prSet presAssocID="{3CEEFA43-5D35-426B-800B-790DE5C28055}" presName="hierRoot2" presStyleCnt="0"/>
@@ -4937,13 +4686,6 @@
         </dgm:presLayoutVars>
       </dgm:prSet>
       <dgm:spPr/>
-      <dgm:t>
-        <a:bodyPr/>
-        <a:lstStyle/>
-        <a:p>
-          <a:endParaRPr lang="zh-CN" altLang="en-US"/>
-        </a:p>
-      </dgm:t>
     </dgm:pt>
     <dgm:pt modelId="{E89EAE5F-49DF-43AC-BA04-6F8F59E3B71F}" type="pres">
       <dgm:prSet presAssocID="{3CEEFA43-5D35-426B-800B-790DE5C28055}" presName="hierChild3" presStyleCnt="0"/>
@@ -4952,13 +4694,6 @@
     <dgm:pt modelId="{D6E2B661-80A7-4D09-988F-B6E94E3729B2}" type="pres">
       <dgm:prSet presAssocID="{604B095A-70C4-4CAA-8EC7-BCBFC80E0630}" presName="Name17" presStyleLbl="parChTrans1D3" presStyleIdx="0" presStyleCnt="2" custSzX="110136"/>
       <dgm:spPr/>
-      <dgm:t>
-        <a:bodyPr/>
-        <a:lstStyle/>
-        <a:p>
-          <a:endParaRPr lang="zh-CN" altLang="en-US"/>
-        </a:p>
-      </dgm:t>
     </dgm:pt>
     <dgm:pt modelId="{41F1307C-7AA2-4F3C-A618-B4408593C31A}" type="pres">
       <dgm:prSet presAssocID="{1101705B-6A03-4923-8723-3ECC5DB2F9A3}" presName="hierRoot3" presStyleCnt="0"/>
@@ -4979,13 +4714,6 @@
         </dgm:presLayoutVars>
       </dgm:prSet>
       <dgm:spPr/>
-      <dgm:t>
-        <a:bodyPr/>
-        <a:lstStyle/>
-        <a:p>
-          <a:endParaRPr lang="zh-CN" altLang="en-US"/>
-        </a:p>
-      </dgm:t>
     </dgm:pt>
     <dgm:pt modelId="{D5D93304-8BB9-4EB0-B904-7F496D6F9EF0}" type="pres">
       <dgm:prSet presAssocID="{1101705B-6A03-4923-8723-3ECC5DB2F9A3}" presName="hierChild4" presStyleCnt="0"/>
@@ -4994,13 +4722,6 @@
     <dgm:pt modelId="{F1F044B8-A06F-4A36-93B7-B75522C733D7}" type="pres">
       <dgm:prSet presAssocID="{0DD44275-AA04-41CE-AF1D-A21797225F04}" presName="Name10" presStyleLbl="parChTrans1D2" presStyleIdx="1" presStyleCnt="3" custSzX="110136"/>
       <dgm:spPr/>
-      <dgm:t>
-        <a:bodyPr/>
-        <a:lstStyle/>
-        <a:p>
-          <a:endParaRPr lang="zh-CN" altLang="en-US"/>
-        </a:p>
-      </dgm:t>
     </dgm:pt>
     <dgm:pt modelId="{E0258050-5ADC-4F67-A57A-1B406DB4E096}" type="pres">
       <dgm:prSet presAssocID="{D831C147-D117-471B-A5D3-8E742414CFF1}" presName="hierRoot2" presStyleCnt="0"/>
@@ -5021,13 +4742,6 @@
         </dgm:presLayoutVars>
       </dgm:prSet>
       <dgm:spPr/>
-      <dgm:t>
-        <a:bodyPr/>
-        <a:lstStyle/>
-        <a:p>
-          <a:endParaRPr lang="zh-CN" altLang="en-US"/>
-        </a:p>
-      </dgm:t>
     </dgm:pt>
     <dgm:pt modelId="{3AF3020F-27B5-497C-A92E-25A46EAA065C}" type="pres">
       <dgm:prSet presAssocID="{D831C147-D117-471B-A5D3-8E742414CFF1}" presName="hierChild3" presStyleCnt="0"/>
@@ -5036,13 +4750,6 @@
     <dgm:pt modelId="{A04297B8-7AA2-469E-89AD-0FC32F835539}" type="pres">
       <dgm:prSet presAssocID="{9F2457CD-B945-4AB4-B8F3-56692C7FB873}" presName="Name17" presStyleLbl="parChTrans1D3" presStyleIdx="1" presStyleCnt="2" custSzX="110136"/>
       <dgm:spPr/>
-      <dgm:t>
-        <a:bodyPr/>
-        <a:lstStyle/>
-        <a:p>
-          <a:endParaRPr lang="zh-CN" altLang="en-US"/>
-        </a:p>
-      </dgm:t>
     </dgm:pt>
     <dgm:pt modelId="{0C83FAF2-B8A8-4F97-8F98-A94A4519626A}" type="pres">
       <dgm:prSet presAssocID="{55C78E92-ECDF-4E81-AED8-53EFA5B7535E}" presName="hierRoot3" presStyleCnt="0"/>
@@ -5063,13 +4770,6 @@
         </dgm:presLayoutVars>
       </dgm:prSet>
       <dgm:spPr/>
-      <dgm:t>
-        <a:bodyPr/>
-        <a:lstStyle/>
-        <a:p>
-          <a:endParaRPr lang="zh-CN" altLang="en-US"/>
-        </a:p>
-      </dgm:t>
     </dgm:pt>
     <dgm:pt modelId="{BE80BFC8-4D12-4EE6-BD18-2A42122C3730}" type="pres">
       <dgm:prSet presAssocID="{55C78E92-ECDF-4E81-AED8-53EFA5B7535E}" presName="hierChild4" presStyleCnt="0"/>
@@ -5078,13 +4778,6 @@
     <dgm:pt modelId="{2795076D-7409-46C4-9055-9B128DAB75EA}" type="pres">
       <dgm:prSet presAssocID="{463FE460-4A49-42D8-AA86-D27FEE16B629}" presName="Name10" presStyleLbl="parChTrans1D2" presStyleIdx="2" presStyleCnt="3" custSzX="2307705"/>
       <dgm:spPr/>
-      <dgm:t>
-        <a:bodyPr/>
-        <a:lstStyle/>
-        <a:p>
-          <a:endParaRPr lang="zh-CN" altLang="en-US"/>
-        </a:p>
-      </dgm:t>
     </dgm:pt>
     <dgm:pt modelId="{13A34F6F-7B04-4489-A993-248DFF2B1F3C}" type="pres">
       <dgm:prSet presAssocID="{25B1E455-3D1C-4128-B8A3-F7ECB5E3C7FB}" presName="hierRoot2" presStyleCnt="0"/>
@@ -5105,13 +4798,6 @@
         </dgm:presLayoutVars>
       </dgm:prSet>
       <dgm:spPr/>
-      <dgm:t>
-        <a:bodyPr/>
-        <a:lstStyle/>
-        <a:p>
-          <a:endParaRPr lang="zh-CN" altLang="en-US"/>
-        </a:p>
-      </dgm:t>
     </dgm:pt>
     <dgm:pt modelId="{3418D313-B731-45C4-B9A7-4C1ABCD7772F}" type="pres">
       <dgm:prSet presAssocID="{25B1E455-3D1C-4128-B8A3-F7ECB5E3C7FB}" presName="hierChild3" presStyleCnt="0"/>
@@ -5119,24 +4805,24 @@
     </dgm:pt>
   </dgm:ptLst>
   <dgm:cxnLst>
+    <dgm:cxn modelId="{07DFD704-48E0-4124-A4C8-4825AB9E4191}" type="presOf" srcId="{D3DAAA2B-E5F3-4B33-B415-9206D9A777E5}" destId="{E58D3A56-21B1-49E5-A7C3-36FA5917204D}" srcOrd="0" destOrd="0" presId="urn:microsoft.com/office/officeart/2005/8/layout/hierarchy1"/>
+    <dgm:cxn modelId="{0CD99C0F-F17B-45BE-994A-79390E910C77}" srcId="{3CEEFA43-5D35-426B-800B-790DE5C28055}" destId="{1101705B-6A03-4923-8723-3ECC5DB2F9A3}" srcOrd="0" destOrd="0" parTransId="{604B095A-70C4-4CAA-8EC7-BCBFC80E0630}" sibTransId="{7C85448F-B9EA-40A9-BBC3-5A1ECF0E43F6}"/>
+    <dgm:cxn modelId="{04AA1A26-C029-4F6B-A058-1C0912D72689}" srcId="{D831C147-D117-471B-A5D3-8E742414CFF1}" destId="{55C78E92-ECDF-4E81-AED8-53EFA5B7535E}" srcOrd="0" destOrd="0" parTransId="{9F2457CD-B945-4AB4-B8F3-56692C7FB873}" sibTransId="{DA70E910-FF5D-4E5D-B282-DA09A1F9E957}"/>
+    <dgm:cxn modelId="{00FCF839-70D4-4C90-9C2E-27B7CFE7340D}" type="presOf" srcId="{1101705B-6A03-4923-8723-3ECC5DB2F9A3}" destId="{55C31521-BA8A-471B-A955-4030501D3E86}" srcOrd="0" destOrd="0" presId="urn:microsoft.com/office/officeart/2005/8/layout/hierarchy1"/>
+    <dgm:cxn modelId="{CBAC1A3E-6726-44D5-A058-C2EECACF46BD}" type="presOf" srcId="{3548C95B-EB13-4A0B-855B-95AF311CC25B}" destId="{734A9DE4-6E4F-4820-BA30-B620DA6E902E}" srcOrd="0" destOrd="0" presId="urn:microsoft.com/office/officeart/2005/8/layout/hierarchy1"/>
+    <dgm:cxn modelId="{A891C569-06A9-4D80-A900-04DB86D0FB42}" type="presOf" srcId="{55C78E92-ECDF-4E81-AED8-53EFA5B7535E}" destId="{D27A52ED-4EC4-457E-8A40-A3C11C2321CB}" srcOrd="0" destOrd="0" presId="urn:microsoft.com/office/officeart/2005/8/layout/hierarchy1"/>
+    <dgm:cxn modelId="{6950E869-CF10-4109-B074-0F2A4099B514}" type="presOf" srcId="{ADED50BE-FAE4-4994-957D-90A217B51695}" destId="{F0452C99-4445-4985-BA0F-92042751CA0B}" srcOrd="0" destOrd="0" presId="urn:microsoft.com/office/officeart/2005/8/layout/hierarchy1"/>
+    <dgm:cxn modelId="{DD6FE16A-E2B8-4E7A-9294-8A559FEDB9F4}" type="presOf" srcId="{463FE460-4A49-42D8-AA86-D27FEE16B629}" destId="{2795076D-7409-46C4-9055-9B128DAB75EA}" srcOrd="0" destOrd="0" presId="urn:microsoft.com/office/officeart/2005/8/layout/hierarchy1"/>
+    <dgm:cxn modelId="{E7D2326B-37E6-437D-9C68-706C55577AB7}" type="presOf" srcId="{25B1E455-3D1C-4128-B8A3-F7ECB5E3C7FB}" destId="{D77875FA-E922-4F2C-9105-479E5B2F90F7}" srcOrd="0" destOrd="0" presId="urn:microsoft.com/office/officeart/2005/8/layout/hierarchy1"/>
+    <dgm:cxn modelId="{26FFBF6C-1BEA-468D-8372-CA8776E0F268}" type="presOf" srcId="{D831C147-D117-471B-A5D3-8E742414CFF1}" destId="{8D287E46-570E-4A97-8592-31F383F98275}" srcOrd="0" destOrd="0" presId="urn:microsoft.com/office/officeart/2005/8/layout/hierarchy1"/>
+    <dgm:cxn modelId="{CECC2D6D-0E61-4778-8845-267C6AE07990}" srcId="{3548C95B-EB13-4A0B-855B-95AF311CC25B}" destId="{3CEEFA43-5D35-426B-800B-790DE5C28055}" srcOrd="0" destOrd="0" parTransId="{ADED50BE-FAE4-4994-957D-90A217B51695}" sibTransId="{FACB8AEC-1912-433D-A622-6AFB3109E552}"/>
+    <dgm:cxn modelId="{C2A5C478-5C43-4118-AA39-99B7BA2F0382}" type="presOf" srcId="{9F2457CD-B945-4AB4-B8F3-56692C7FB873}" destId="{A04297B8-7AA2-469E-89AD-0FC32F835539}" srcOrd="0" destOrd="0" presId="urn:microsoft.com/office/officeart/2005/8/layout/hierarchy1"/>
     <dgm:cxn modelId="{4BE4E680-D95D-4FDB-A179-AF6A70BEC3F3}" type="presOf" srcId="{604B095A-70C4-4CAA-8EC7-BCBFC80E0630}" destId="{D6E2B661-80A7-4D09-988F-B6E94E3729B2}" srcOrd="0" destOrd="0" presId="urn:microsoft.com/office/officeart/2005/8/layout/hierarchy1"/>
-    <dgm:cxn modelId="{26FFBF6C-1BEA-468D-8372-CA8776E0F268}" type="presOf" srcId="{D831C147-D117-471B-A5D3-8E742414CFF1}" destId="{8D287E46-570E-4A97-8592-31F383F98275}" srcOrd="0" destOrd="0" presId="urn:microsoft.com/office/officeart/2005/8/layout/hierarchy1"/>
-    <dgm:cxn modelId="{6950E869-CF10-4109-B074-0F2A4099B514}" type="presOf" srcId="{ADED50BE-FAE4-4994-957D-90A217B51695}" destId="{F0452C99-4445-4985-BA0F-92042751CA0B}" srcOrd="0" destOrd="0" presId="urn:microsoft.com/office/officeart/2005/8/layout/hierarchy1"/>
-    <dgm:cxn modelId="{A891C569-06A9-4D80-A900-04DB86D0FB42}" type="presOf" srcId="{55C78E92-ECDF-4E81-AED8-53EFA5B7535E}" destId="{D27A52ED-4EC4-457E-8A40-A3C11C2321CB}" srcOrd="0" destOrd="0" presId="urn:microsoft.com/office/officeart/2005/8/layout/hierarchy1"/>
-    <dgm:cxn modelId="{E7D2326B-37E6-437D-9C68-706C55577AB7}" type="presOf" srcId="{25B1E455-3D1C-4128-B8A3-F7ECB5E3C7FB}" destId="{D77875FA-E922-4F2C-9105-479E5B2F90F7}" srcOrd="0" destOrd="0" presId="urn:microsoft.com/office/officeart/2005/8/layout/hierarchy1"/>
+    <dgm:cxn modelId="{20212189-8838-42BE-9F3C-EC1D193EFFBD}" srcId="{3548C95B-EB13-4A0B-855B-95AF311CC25B}" destId="{D831C147-D117-471B-A5D3-8E742414CFF1}" srcOrd="1" destOrd="0" parTransId="{0DD44275-AA04-41CE-AF1D-A21797225F04}" sibTransId="{A4087018-F271-4719-A896-5052EBB9B1D3}"/>
+    <dgm:cxn modelId="{CF0CC9A2-2F81-425C-ADC8-D10786A1B3F2}" srcId="{D3DAAA2B-E5F3-4B33-B415-9206D9A777E5}" destId="{3548C95B-EB13-4A0B-855B-95AF311CC25B}" srcOrd="0" destOrd="0" parTransId="{FF012089-D2F9-4606-A01D-558026E507E1}" sibTransId="{EF06A8A7-2DDD-48D0-B5EF-F3D758E890BC}"/>
+    <dgm:cxn modelId="{33C951AA-EBD8-41B5-AC1D-8134D7DCE76B}" type="presOf" srcId="{3CEEFA43-5D35-426B-800B-790DE5C28055}" destId="{68D0B15E-1E94-41A0-B5B2-B5A536E5F10E}" srcOrd="0" destOrd="0" presId="urn:microsoft.com/office/officeart/2005/8/layout/hierarchy1"/>
+    <dgm:cxn modelId="{94F747B3-406D-4035-8253-E7BF7FE538DF}" srcId="{3548C95B-EB13-4A0B-855B-95AF311CC25B}" destId="{25B1E455-3D1C-4128-B8A3-F7ECB5E3C7FB}" srcOrd="2" destOrd="0" parTransId="{463FE460-4A49-42D8-AA86-D27FEE16B629}" sibTransId="{0C988F92-F841-4CF3-A689-459587D42723}"/>
     <dgm:cxn modelId="{D09C13EF-D778-4408-85AC-F3E78D7EC6CE}" type="presOf" srcId="{0DD44275-AA04-41CE-AF1D-A21797225F04}" destId="{F1F044B8-A06F-4A36-93B7-B75522C733D7}" srcOrd="0" destOrd="0" presId="urn:microsoft.com/office/officeart/2005/8/layout/hierarchy1"/>
-    <dgm:cxn modelId="{07DFD704-48E0-4124-A4C8-4825AB9E4191}" type="presOf" srcId="{D3DAAA2B-E5F3-4B33-B415-9206D9A777E5}" destId="{E58D3A56-21B1-49E5-A7C3-36FA5917204D}" srcOrd="0" destOrd="0" presId="urn:microsoft.com/office/officeart/2005/8/layout/hierarchy1"/>
-    <dgm:cxn modelId="{20212189-8838-42BE-9F3C-EC1D193EFFBD}" srcId="{3548C95B-EB13-4A0B-855B-95AF311CC25B}" destId="{D831C147-D117-471B-A5D3-8E742414CFF1}" srcOrd="1" destOrd="0" parTransId="{0DD44275-AA04-41CE-AF1D-A21797225F04}" sibTransId="{A4087018-F271-4719-A896-5052EBB9B1D3}"/>
-    <dgm:cxn modelId="{33C951AA-EBD8-41B5-AC1D-8134D7DCE76B}" type="presOf" srcId="{3CEEFA43-5D35-426B-800B-790DE5C28055}" destId="{68D0B15E-1E94-41A0-B5B2-B5A536E5F10E}" srcOrd="0" destOrd="0" presId="urn:microsoft.com/office/officeart/2005/8/layout/hierarchy1"/>
-    <dgm:cxn modelId="{CF0CC9A2-2F81-425C-ADC8-D10786A1B3F2}" srcId="{D3DAAA2B-E5F3-4B33-B415-9206D9A777E5}" destId="{3548C95B-EB13-4A0B-855B-95AF311CC25B}" srcOrd="0" destOrd="0" parTransId="{FF012089-D2F9-4606-A01D-558026E507E1}" sibTransId="{EF06A8A7-2DDD-48D0-B5EF-F3D758E890BC}"/>
-    <dgm:cxn modelId="{00FCF839-70D4-4C90-9C2E-27B7CFE7340D}" type="presOf" srcId="{1101705B-6A03-4923-8723-3ECC5DB2F9A3}" destId="{55C31521-BA8A-471B-A955-4030501D3E86}" srcOrd="0" destOrd="0" presId="urn:microsoft.com/office/officeart/2005/8/layout/hierarchy1"/>
-    <dgm:cxn modelId="{0CD99C0F-F17B-45BE-994A-79390E910C77}" srcId="{3CEEFA43-5D35-426B-800B-790DE5C28055}" destId="{1101705B-6A03-4923-8723-3ECC5DB2F9A3}" srcOrd="0" destOrd="0" parTransId="{604B095A-70C4-4CAA-8EC7-BCBFC80E0630}" sibTransId="{7C85448F-B9EA-40A9-BBC3-5A1ECF0E43F6}"/>
-    <dgm:cxn modelId="{CECC2D6D-0E61-4778-8845-267C6AE07990}" srcId="{3548C95B-EB13-4A0B-855B-95AF311CC25B}" destId="{3CEEFA43-5D35-426B-800B-790DE5C28055}" srcOrd="0" destOrd="0" parTransId="{ADED50BE-FAE4-4994-957D-90A217B51695}" sibTransId="{FACB8AEC-1912-433D-A622-6AFB3109E552}"/>
-    <dgm:cxn modelId="{CBAC1A3E-6726-44D5-A058-C2EECACF46BD}" type="presOf" srcId="{3548C95B-EB13-4A0B-855B-95AF311CC25B}" destId="{734A9DE4-6E4F-4820-BA30-B620DA6E902E}" srcOrd="0" destOrd="0" presId="urn:microsoft.com/office/officeart/2005/8/layout/hierarchy1"/>
-    <dgm:cxn modelId="{04AA1A26-C029-4F6B-A058-1C0912D72689}" srcId="{D831C147-D117-471B-A5D3-8E742414CFF1}" destId="{55C78E92-ECDF-4E81-AED8-53EFA5B7535E}" srcOrd="0" destOrd="0" parTransId="{9F2457CD-B945-4AB4-B8F3-56692C7FB873}" sibTransId="{DA70E910-FF5D-4E5D-B282-DA09A1F9E957}"/>
-    <dgm:cxn modelId="{C2A5C478-5C43-4118-AA39-99B7BA2F0382}" type="presOf" srcId="{9F2457CD-B945-4AB4-B8F3-56692C7FB873}" destId="{A04297B8-7AA2-469E-89AD-0FC32F835539}" srcOrd="0" destOrd="0" presId="urn:microsoft.com/office/officeart/2005/8/layout/hierarchy1"/>
-    <dgm:cxn modelId="{94F747B3-406D-4035-8253-E7BF7FE538DF}" srcId="{3548C95B-EB13-4A0B-855B-95AF311CC25B}" destId="{25B1E455-3D1C-4128-B8A3-F7ECB5E3C7FB}" srcOrd="2" destOrd="0" parTransId="{463FE460-4A49-42D8-AA86-D27FEE16B629}" sibTransId="{0C988F92-F841-4CF3-A689-459587D42723}"/>
-    <dgm:cxn modelId="{DD6FE16A-E2B8-4E7A-9294-8A559FEDB9F4}" type="presOf" srcId="{463FE460-4A49-42D8-AA86-D27FEE16B629}" destId="{2795076D-7409-46C4-9055-9B128DAB75EA}" srcOrd="0" destOrd="0" presId="urn:microsoft.com/office/officeart/2005/8/layout/hierarchy1"/>
     <dgm:cxn modelId="{E110494B-60FF-40F0-B63F-257D3A24A9EA}" type="presParOf" srcId="{E58D3A56-21B1-49E5-A7C3-36FA5917204D}" destId="{054804CA-4E5A-488C-BA3B-92C3A67683D1}" srcOrd="0" destOrd="0" presId="urn:microsoft.com/office/officeart/2005/8/layout/hierarchy1"/>
     <dgm:cxn modelId="{7B63DB52-02A4-43C9-B2D4-BAA388D37382}" type="presParOf" srcId="{054804CA-4E5A-488C-BA3B-92C3A67683D1}" destId="{EB73C02D-EA29-409D-A95E-B9B5B3E33970}" srcOrd="0" destOrd="0" presId="urn:microsoft.com/office/officeart/2005/8/layout/hierarchy1"/>
     <dgm:cxn modelId="{17564400-2A3C-40BB-B282-A082439A955D}" type="presParOf" srcId="{EB73C02D-EA29-409D-A95E-B9B5B3E33970}" destId="{002D792D-1BCB-4113-A592-3E044BF575A2}" srcOrd="0" destOrd="0" presId="urn:microsoft.com/office/officeart/2005/8/layout/hierarchy1"/>
@@ -5279,7 +4965,7 @@
         </a:bodyPr>
         <a:lstStyle/>
         <a:p>
-          <a:pPr lvl="0" algn="ctr" defTabSz="800100">
+          <a:pPr marL="0" lvl="0" indent="0" algn="ctr" defTabSz="800100">
             <a:lnSpc>
               <a:spcPct val="90000"/>
             </a:lnSpc>
@@ -5289,12 +4975,12 @@
             <a:spcAft>
               <a:spcPct val="35000"/>
             </a:spcAft>
+            <a:buNone/>
           </a:pPr>
           <a:r>
-            <a:rPr lang="zh-CN" altLang="en-US" sz="1800" b="1" kern="1200" dirty="0" smtClean="0"/>
+            <a:rPr lang="zh-CN" altLang="en-US" sz="1800" b="1" kern="1200" dirty="0"/>
             <a:t>客户</a:t>
           </a:r>
-          <a:endParaRPr lang="zh-CN" altLang="en-US" sz="1800" b="1" kern="1200" dirty="0"/>
         </a:p>
       </dsp:txBody>
       <dsp:txXfrm>
@@ -5362,7 +5048,7 @@
         </a:bodyPr>
         <a:lstStyle/>
         <a:p>
-          <a:pPr lvl="0" algn="ctr" defTabSz="222250">
+          <a:pPr marL="0" lvl="0" indent="0" algn="ctr" defTabSz="222250">
             <a:lnSpc>
               <a:spcPct val="90000"/>
             </a:lnSpc>
@@ -5372,6 +5058,7 @@
             <a:spcAft>
               <a:spcPct val="35000"/>
             </a:spcAft>
+            <a:buNone/>
           </a:pPr>
           <a:endParaRPr lang="zh-CN" altLang="en-US" sz="500" b="1" kern="1200"/>
         </a:p>
@@ -5469,7 +5156,7 @@
         </a:bodyPr>
         <a:lstStyle/>
         <a:p>
-          <a:pPr lvl="0" algn="ctr" defTabSz="800100">
+          <a:pPr marL="0" lvl="0" indent="0" algn="ctr" defTabSz="800100">
             <a:lnSpc>
               <a:spcPct val="90000"/>
             </a:lnSpc>
@@ -5479,12 +5166,12 @@
             <a:spcAft>
               <a:spcPct val="35000"/>
             </a:spcAft>
+            <a:buNone/>
           </a:pPr>
           <a:r>
-            <a:rPr lang="zh-CN" altLang="en-US" sz="1800" b="1" kern="1200" dirty="0" smtClean="0"/>
+            <a:rPr lang="zh-CN" altLang="en-US" sz="1800" b="1" kern="1200" dirty="0"/>
             <a:t>外部客户</a:t>
           </a:r>
-          <a:endParaRPr lang="zh-CN" altLang="en-US" sz="1800" b="1" kern="1200" dirty="0"/>
         </a:p>
       </dsp:txBody>
       <dsp:txXfrm>
@@ -5552,7 +5239,7 @@
         </a:bodyPr>
         <a:lstStyle/>
         <a:p>
-          <a:pPr lvl="0" algn="ctr" defTabSz="222250">
+          <a:pPr marL="0" lvl="0" indent="0" algn="ctr" defTabSz="222250">
             <a:lnSpc>
               <a:spcPct val="90000"/>
             </a:lnSpc>
@@ -5562,6 +5249,7 @@
             <a:spcAft>
               <a:spcPct val="35000"/>
             </a:spcAft>
+            <a:buNone/>
           </a:pPr>
           <a:endParaRPr lang="zh-CN" altLang="en-US" sz="500" b="1" kern="1200"/>
         </a:p>
@@ -5659,7 +5347,7 @@
         </a:bodyPr>
         <a:lstStyle/>
         <a:p>
-          <a:pPr lvl="0" algn="ctr" defTabSz="800100">
+          <a:pPr marL="0" lvl="0" indent="0" algn="ctr" defTabSz="800100">
             <a:lnSpc>
               <a:spcPct val="90000"/>
             </a:lnSpc>
@@ -5669,12 +5357,12 @@
             <a:spcAft>
               <a:spcPct val="35000"/>
             </a:spcAft>
+            <a:buNone/>
           </a:pPr>
           <a:r>
-            <a:rPr lang="zh-CN" altLang="en-US" sz="1800" b="1" kern="1200" dirty="0" smtClean="0"/>
+            <a:rPr lang="zh-CN" altLang="en-US" sz="1800" b="1" kern="1200" dirty="0"/>
             <a:t>产品服务对象</a:t>
           </a:r>
-          <a:endParaRPr lang="zh-CN" altLang="en-US" sz="1800" b="1" kern="1200" dirty="0"/>
         </a:p>
       </dsp:txBody>
       <dsp:txXfrm>
@@ -5742,7 +5430,7 @@
         </a:bodyPr>
         <a:lstStyle/>
         <a:p>
-          <a:pPr lvl="0" algn="ctr" defTabSz="222250">
+          <a:pPr marL="0" lvl="0" indent="0" algn="ctr" defTabSz="222250">
             <a:lnSpc>
               <a:spcPct val="90000"/>
             </a:lnSpc>
@@ -5752,6 +5440,7 @@
             <a:spcAft>
               <a:spcPct val="35000"/>
             </a:spcAft>
+            <a:buNone/>
           </a:pPr>
           <a:endParaRPr lang="zh-CN" altLang="en-US" sz="500" b="1" kern="1200"/>
         </a:p>
@@ -5849,7 +5538,7 @@
         </a:bodyPr>
         <a:lstStyle/>
         <a:p>
-          <a:pPr lvl="0" algn="ctr" defTabSz="800100">
+          <a:pPr marL="0" lvl="0" indent="0" algn="ctr" defTabSz="800100">
             <a:lnSpc>
               <a:spcPct val="90000"/>
             </a:lnSpc>
@@ -5859,12 +5548,12 @@
             <a:spcAft>
               <a:spcPct val="35000"/>
             </a:spcAft>
+            <a:buNone/>
           </a:pPr>
           <a:r>
-            <a:rPr lang="zh-CN" altLang="en-US" sz="1800" b="1" kern="1200" dirty="0" smtClean="0"/>
+            <a:rPr lang="zh-CN" altLang="en-US" sz="1800" b="1" kern="1200" dirty="0"/>
             <a:t>内部客户</a:t>
           </a:r>
-          <a:endParaRPr lang="zh-CN" altLang="en-US" sz="1800" b="1" kern="1200" dirty="0"/>
         </a:p>
       </dsp:txBody>
       <dsp:txXfrm>
@@ -5932,7 +5621,7 @@
         </a:bodyPr>
         <a:lstStyle/>
         <a:p>
-          <a:pPr lvl="0" algn="ctr" defTabSz="222250">
+          <a:pPr marL="0" lvl="0" indent="0" algn="ctr" defTabSz="222250">
             <a:lnSpc>
               <a:spcPct val="90000"/>
             </a:lnSpc>
@@ -5942,6 +5631,7 @@
             <a:spcAft>
               <a:spcPct val="35000"/>
             </a:spcAft>
+            <a:buNone/>
           </a:pPr>
           <a:endParaRPr lang="zh-CN" altLang="en-US" sz="500" b="1" kern="1200"/>
         </a:p>
@@ -6039,7 +5729,7 @@
         </a:bodyPr>
         <a:lstStyle/>
         <a:p>
-          <a:pPr lvl="0" algn="ctr" defTabSz="800100">
+          <a:pPr marL="0" lvl="0" indent="0" algn="ctr" defTabSz="800100">
             <a:lnSpc>
               <a:spcPct val="90000"/>
             </a:lnSpc>
@@ -6049,20 +5739,20 @@
             <a:spcAft>
               <a:spcPct val="35000"/>
             </a:spcAft>
+            <a:buNone/>
           </a:pPr>
           <a:r>
-            <a:rPr lang="zh-CN" altLang="en-US" sz="1800" b="1" kern="1200" dirty="0" smtClean="0"/>
+            <a:rPr lang="zh-CN" altLang="en-US" sz="1800" b="1" kern="1200" dirty="0"/>
             <a:t>设计者</a:t>
           </a:r>
           <a:r>
-            <a:rPr lang="en-US" altLang="zh-CN" sz="1800" b="1" kern="1200" dirty="0" smtClean="0"/>
+            <a:rPr lang="en-US" altLang="zh-CN" sz="1800" b="1" kern="1200" dirty="0"/>
             <a:t>-&gt;</a:t>
           </a:r>
           <a:r>
-            <a:rPr lang="zh-CN" altLang="en-US" sz="1800" b="1" kern="1200" dirty="0" smtClean="0"/>
+            <a:rPr lang="zh-CN" altLang="en-US" sz="1800" b="1" kern="1200" dirty="0"/>
             <a:t>需求分析人员客户</a:t>
           </a:r>
-          <a:endParaRPr lang="zh-CN" altLang="en-US" sz="1800" b="1" kern="1200" dirty="0"/>
         </a:p>
       </dsp:txBody>
       <dsp:txXfrm>
@@ -6130,7 +5820,7 @@
         </a:bodyPr>
         <a:lstStyle/>
         <a:p>
-          <a:pPr lvl="0" algn="ctr" defTabSz="222250">
+          <a:pPr marL="0" lvl="0" indent="0" algn="ctr" defTabSz="222250">
             <a:lnSpc>
               <a:spcPct val="90000"/>
             </a:lnSpc>
@@ -6140,6 +5830,7 @@
             <a:spcAft>
               <a:spcPct val="35000"/>
             </a:spcAft>
+            <a:buNone/>
           </a:pPr>
           <a:endParaRPr lang="zh-CN" altLang="en-US" sz="500" b="1" kern="1200"/>
         </a:p>
@@ -6237,7 +5928,7 @@
         </a:bodyPr>
         <a:lstStyle/>
         <a:p>
-          <a:pPr lvl="0" algn="ctr" defTabSz="800100">
+          <a:pPr marL="0" lvl="0" indent="0" algn="ctr" defTabSz="800100">
             <a:lnSpc>
               <a:spcPct val="90000"/>
             </a:lnSpc>
@@ -6247,20 +5938,20 @@
             <a:spcAft>
               <a:spcPct val="35000"/>
             </a:spcAft>
+            <a:buNone/>
           </a:pPr>
           <a:r>
-            <a:rPr lang="zh-CN" altLang="en-US" sz="1800" b="1" kern="1200" dirty="0" smtClean="0"/>
+            <a:rPr lang="zh-CN" altLang="en-US" sz="1800" b="1" kern="1200" dirty="0"/>
             <a:t>编程人员</a:t>
           </a:r>
           <a:r>
-            <a:rPr lang="en-US" altLang="zh-CN" sz="1800" b="1" kern="1200" dirty="0" smtClean="0"/>
+            <a:rPr lang="en-US" altLang="zh-CN" sz="1800" b="1" kern="1200" dirty="0"/>
             <a:t>-&gt;</a:t>
           </a:r>
           <a:r>
-            <a:rPr lang="zh-CN" altLang="en-US" sz="1800" b="1" kern="1200" dirty="0" smtClean="0"/>
+            <a:rPr lang="zh-CN" altLang="en-US" sz="1800" b="1" kern="1200" dirty="0"/>
             <a:t>设计者的客户</a:t>
           </a:r>
-          <a:endParaRPr lang="zh-CN" altLang="en-US" sz="1800" b="1" kern="1200" dirty="0"/>
         </a:p>
       </dsp:txBody>
       <dsp:txXfrm>
@@ -6328,7 +6019,7 @@
         </a:bodyPr>
         <a:lstStyle/>
         <a:p>
-          <a:pPr lvl="0" algn="ctr" defTabSz="222250">
+          <a:pPr marL="0" lvl="0" indent="0" algn="ctr" defTabSz="222250">
             <a:lnSpc>
               <a:spcPct val="90000"/>
             </a:lnSpc>
@@ -6338,6 +6029,7 @@
             <a:spcAft>
               <a:spcPct val="35000"/>
             </a:spcAft>
+            <a:buNone/>
           </a:pPr>
           <a:endParaRPr lang="zh-CN" altLang="en-US" sz="500" b="1" kern="1200"/>
         </a:p>
@@ -6435,7 +6127,7 @@
         </a:bodyPr>
         <a:lstStyle/>
         <a:p>
-          <a:pPr lvl="0" algn="ctr" defTabSz="800100">
+          <a:pPr marL="0" lvl="0" indent="0" algn="ctr" defTabSz="800100">
             <a:lnSpc>
               <a:spcPct val="90000"/>
             </a:lnSpc>
@@ -6445,20 +6137,20 @@
             <a:spcAft>
               <a:spcPct val="35000"/>
             </a:spcAft>
+            <a:buNone/>
           </a:pPr>
           <a:r>
-            <a:rPr lang="zh-CN" altLang="en-US" sz="1800" b="1" kern="1200" dirty="0" smtClean="0"/>
+            <a:rPr lang="zh-CN" altLang="en-US" sz="1800" b="1" kern="1200" dirty="0"/>
             <a:t>测试</a:t>
           </a:r>
           <a:r>
-            <a:rPr lang="en-US" altLang="zh-CN" sz="1800" b="1" kern="1200" dirty="0" smtClean="0"/>
+            <a:rPr lang="en-US" altLang="zh-CN" sz="1800" b="1" kern="1200" dirty="0"/>
             <a:t>-&gt;</a:t>
           </a:r>
           <a:r>
-            <a:rPr lang="zh-CN" altLang="en-US" sz="1800" b="1" kern="1200" dirty="0" smtClean="0"/>
+            <a:rPr lang="zh-CN" altLang="en-US" sz="1800" b="1" kern="1200" dirty="0"/>
             <a:t>编程人员的客户</a:t>
           </a:r>
-          <a:endParaRPr lang="zh-CN" altLang="en-US" sz="1800" b="1" kern="1200" dirty="0"/>
         </a:p>
       </dsp:txBody>
       <dsp:txXfrm>
@@ -6515,7 +6207,7 @@
         </a:bodyPr>
         <a:lstStyle/>
         <a:p>
-          <a:pPr lvl="0" algn="ctr" defTabSz="1022350">
+          <a:pPr marL="0" lvl="0" indent="0" algn="ctr" defTabSz="1022350">
             <a:lnSpc>
               <a:spcPct val="90000"/>
             </a:lnSpc>
@@ -6525,20 +6217,16 @@
             <a:spcAft>
               <a:spcPct val="35000"/>
             </a:spcAft>
+            <a:buNone/>
           </a:pPr>
           <a:r>
-            <a:rPr lang="zh-CN" altLang="en-US" sz="2300" b="1" kern="1200" dirty="0" smtClean="0">
+            <a:rPr lang="zh-CN" altLang="en-US" sz="2300" b="1" kern="1200" dirty="0">
               <a:solidFill>
                 <a:schemeClr val="bg1"/>
               </a:solidFill>
             </a:rPr>
             <a:t>检查</a:t>
           </a:r>
-          <a:endParaRPr lang="zh-CN" altLang="en-US" sz="2300" b="1" kern="1200" dirty="0">
-            <a:solidFill>
-              <a:schemeClr val="bg1"/>
-            </a:solidFill>
-          </a:endParaRPr>
         </a:p>
       </dsp:txBody>
       <dsp:txXfrm>
@@ -6638,7 +6326,7 @@
         </a:bodyPr>
         <a:lstStyle/>
         <a:p>
-          <a:pPr lvl="0" algn="ctr" defTabSz="1022350">
+          <a:pPr marL="0" lvl="0" indent="0" algn="ctr" defTabSz="1022350">
             <a:lnSpc>
               <a:spcPct val="90000"/>
             </a:lnSpc>
@@ -6648,20 +6336,16 @@
             <a:spcAft>
               <a:spcPct val="35000"/>
             </a:spcAft>
+            <a:buNone/>
           </a:pPr>
           <a:r>
-            <a:rPr lang="zh-CN" altLang="en-US" sz="2300" b="1" kern="1200" dirty="0" smtClean="0">
+            <a:rPr lang="zh-CN" altLang="en-US" sz="2300" b="1" kern="1200" dirty="0">
               <a:solidFill>
                 <a:schemeClr val="bg1"/>
               </a:solidFill>
             </a:rPr>
             <a:t>识别与纠正</a:t>
           </a:r>
-          <a:endParaRPr lang="zh-CN" altLang="en-US" sz="2300" b="1" kern="1200" dirty="0">
-            <a:solidFill>
-              <a:schemeClr val="bg1"/>
-            </a:solidFill>
-          </a:endParaRPr>
         </a:p>
       </dsp:txBody>
       <dsp:txXfrm>
@@ -6761,7 +6445,7 @@
         </a:bodyPr>
         <a:lstStyle/>
         <a:p>
-          <a:pPr lvl="0" algn="ctr" defTabSz="1022350">
+          <a:pPr marL="0" lvl="0" indent="0" algn="ctr" defTabSz="1022350">
             <a:lnSpc>
               <a:spcPct val="90000"/>
             </a:lnSpc>
@@ -6771,20 +6455,16 @@
             <a:spcAft>
               <a:spcPct val="35000"/>
             </a:spcAft>
+            <a:buNone/>
           </a:pPr>
           <a:r>
-            <a:rPr lang="zh-CN" altLang="en-US" sz="2300" b="1" kern="1200" dirty="0" smtClean="0">
+            <a:rPr lang="zh-CN" altLang="en-US" sz="2300" b="1" kern="1200" dirty="0">
               <a:solidFill>
                 <a:schemeClr val="bg1"/>
               </a:solidFill>
             </a:rPr>
             <a:t>复查</a:t>
           </a:r>
-          <a:endParaRPr lang="zh-CN" altLang="en-US" sz="2300" b="1" kern="1200" dirty="0">
-            <a:solidFill>
-              <a:schemeClr val="bg1"/>
-            </a:solidFill>
-          </a:endParaRPr>
         </a:p>
       </dsp:txBody>
       <dsp:txXfrm>
@@ -6884,7 +6564,7 @@
         </a:bodyPr>
         <a:lstStyle/>
         <a:p>
-          <a:pPr lvl="0" algn="ctr" defTabSz="1022350">
+          <a:pPr marL="0" lvl="0" indent="0" algn="ctr" defTabSz="1022350">
             <a:lnSpc>
               <a:spcPct val="90000"/>
             </a:lnSpc>
@@ -6894,20 +6574,16 @@
             <a:spcAft>
               <a:spcPct val="35000"/>
             </a:spcAft>
+            <a:buNone/>
           </a:pPr>
           <a:r>
-            <a:rPr lang="zh-CN" altLang="en-US" sz="2300" b="1" kern="1200" dirty="0" smtClean="0">
+            <a:rPr lang="zh-CN" altLang="en-US" sz="2300" b="1" kern="1200" dirty="0">
               <a:solidFill>
                 <a:schemeClr val="bg1"/>
               </a:solidFill>
             </a:rPr>
             <a:t>沟通</a:t>
           </a:r>
-          <a:endParaRPr lang="zh-CN" altLang="en-US" sz="2300" b="1" kern="1200" dirty="0">
-            <a:solidFill>
-              <a:schemeClr val="bg1"/>
-            </a:solidFill>
-          </a:endParaRPr>
         </a:p>
       </dsp:txBody>
       <dsp:txXfrm>
@@ -7377,7 +7053,7 @@
         </a:bodyPr>
         <a:lstStyle/>
         <a:p>
-          <a:pPr lvl="0" algn="ctr" defTabSz="933450">
+          <a:pPr marL="0" lvl="0" indent="0" algn="ctr" defTabSz="933450">
             <a:lnSpc>
               <a:spcPct val="90000"/>
             </a:lnSpc>
@@ -7387,12 +7063,12 @@
             <a:spcAft>
               <a:spcPct val="35000"/>
             </a:spcAft>
+            <a:buNone/>
           </a:pPr>
           <a:r>
-            <a:rPr lang="zh-CN" altLang="en-US" sz="2100" b="1" kern="1200" dirty="0" smtClean="0"/>
+            <a:rPr lang="zh-CN" altLang="en-US" sz="2100" b="1" kern="1200" dirty="0"/>
             <a:t>高层经理</a:t>
           </a:r>
-          <a:endParaRPr lang="zh-CN" altLang="en-US" sz="2100" b="1" kern="1200" dirty="0"/>
         </a:p>
       </dsp:txBody>
       <dsp:txXfrm>
@@ -7508,7 +7184,7 @@
         </a:bodyPr>
         <a:lstStyle/>
         <a:p>
-          <a:pPr lvl="0" algn="ctr" defTabSz="933450">
+          <a:pPr marL="0" lvl="0" indent="0" algn="ctr" defTabSz="933450">
             <a:lnSpc>
               <a:spcPct val="90000"/>
             </a:lnSpc>
@@ -7518,13 +7194,14 @@
             <a:spcAft>
               <a:spcPct val="35000"/>
             </a:spcAft>
+            <a:buNone/>
           </a:pPr>
           <a:r>
-            <a:rPr lang="zh-CN" altLang="en-US" sz="2100" b="1" kern="1200" dirty="0" smtClean="0"/>
+            <a:rPr lang="zh-CN" altLang="en-US" sz="2100" b="1" kern="1200" dirty="0"/>
             <a:t>开发团队</a:t>
           </a:r>
           <a:r>
-            <a:rPr lang="en-US" altLang="zh-CN" sz="2100" b="1" kern="1200" dirty="0" smtClean="0"/>
+            <a:rPr lang="en-US" altLang="zh-CN" sz="2100" b="1" kern="1200" dirty="0"/>
             <a:t>1</a:t>
           </a:r>
           <a:endParaRPr lang="zh-CN" altLang="en-US" sz="2100" b="1" kern="1200" dirty="0"/>
@@ -7643,7 +7320,7 @@
         </a:bodyPr>
         <a:lstStyle/>
         <a:p>
-          <a:pPr lvl="0" algn="ctr" defTabSz="933450">
+          <a:pPr marL="0" lvl="0" indent="0" algn="ctr" defTabSz="933450">
             <a:lnSpc>
               <a:spcPct val="90000"/>
             </a:lnSpc>
@@ -7653,13 +7330,14 @@
             <a:spcAft>
               <a:spcPct val="35000"/>
             </a:spcAft>
+            <a:buNone/>
           </a:pPr>
           <a:r>
-            <a:rPr lang="zh-CN" altLang="en-US" sz="2100" b="1" kern="1200" dirty="0" smtClean="0"/>
+            <a:rPr lang="zh-CN" altLang="en-US" sz="2100" b="1" kern="1200" dirty="0"/>
             <a:t>开发团队</a:t>
           </a:r>
           <a:r>
-            <a:rPr lang="en-US" altLang="zh-CN" sz="2100" b="1" kern="1200" dirty="0" smtClean="0"/>
+            <a:rPr lang="en-US" altLang="zh-CN" sz="2100" b="1" kern="1200" dirty="0"/>
             <a:t>N</a:t>
           </a:r>
           <a:endParaRPr lang="zh-CN" altLang="en-US" sz="2100" b="1" kern="1200" dirty="0"/>
@@ -7778,7 +7456,7 @@
         </a:bodyPr>
         <a:lstStyle/>
         <a:p>
-          <a:pPr lvl="0" algn="ctr" defTabSz="933450">
+          <a:pPr marL="0" lvl="0" indent="0" algn="ctr" defTabSz="933450">
             <a:lnSpc>
               <a:spcPct val="90000"/>
             </a:lnSpc>
@@ -7788,13 +7466,14 @@
             <a:spcAft>
               <a:spcPct val="35000"/>
             </a:spcAft>
+            <a:buNone/>
           </a:pPr>
           <a:r>
-            <a:rPr lang="zh-CN" altLang="en-US" sz="2100" b="1" kern="1200" dirty="0" smtClean="0"/>
+            <a:rPr lang="zh-CN" altLang="en-US" sz="2100" b="1" kern="1200" dirty="0"/>
             <a:t>测试团队</a:t>
           </a:r>
           <a:r>
-            <a:rPr lang="en-US" altLang="zh-CN" sz="2100" b="1" kern="1200" dirty="0" smtClean="0"/>
+            <a:rPr lang="en-US" altLang="zh-CN" sz="2100" b="1" kern="1200" dirty="0"/>
             <a:t>1</a:t>
           </a:r>
           <a:endParaRPr lang="zh-CN" altLang="en-US" sz="2100" b="1" kern="1200" dirty="0"/>
@@ -7913,7 +7592,7 @@
         </a:bodyPr>
         <a:lstStyle/>
         <a:p>
-          <a:pPr lvl="0" algn="ctr" defTabSz="933450">
+          <a:pPr marL="0" lvl="0" indent="0" algn="ctr" defTabSz="933450">
             <a:lnSpc>
               <a:spcPct val="90000"/>
             </a:lnSpc>
@@ -7923,13 +7602,14 @@
             <a:spcAft>
               <a:spcPct val="35000"/>
             </a:spcAft>
+            <a:buNone/>
           </a:pPr>
           <a:r>
-            <a:rPr lang="zh-CN" altLang="en-US" sz="2100" b="1" kern="1200" dirty="0" smtClean="0"/>
+            <a:rPr lang="zh-CN" altLang="en-US" sz="2100" b="1" kern="1200" dirty="0"/>
             <a:t>测试团队</a:t>
           </a:r>
           <a:r>
-            <a:rPr lang="en-US" altLang="zh-CN" sz="2100" b="1" kern="1200" dirty="0" smtClean="0"/>
+            <a:rPr lang="en-US" altLang="zh-CN" sz="2100" b="1" kern="1200" dirty="0"/>
             <a:t>N</a:t>
           </a:r>
           <a:endParaRPr lang="zh-CN" altLang="en-US" sz="2100" b="1" kern="1200" dirty="0"/>
@@ -8048,7 +7728,7 @@
         </a:bodyPr>
         <a:lstStyle/>
         <a:p>
-          <a:pPr lvl="0" algn="ctr" defTabSz="933450">
+          <a:pPr marL="0" lvl="0" indent="0" algn="ctr" defTabSz="933450">
             <a:lnSpc>
               <a:spcPct val="90000"/>
             </a:lnSpc>
@@ -8058,9 +7738,10 @@
             <a:spcAft>
               <a:spcPct val="35000"/>
             </a:spcAft>
+            <a:buNone/>
           </a:pPr>
           <a:r>
-            <a:rPr lang="en-US" altLang="zh-CN" sz="2100" b="1" kern="1200" dirty="0" smtClean="0"/>
+            <a:rPr lang="en-US" altLang="zh-CN" sz="2100" b="1" kern="1200" dirty="0"/>
             <a:t>SQA</a:t>
           </a:r>
           <a:endParaRPr lang="zh-CN" altLang="en-US" sz="2100" b="1" kern="1200" dirty="0"/>
@@ -12588,35 +12269,35 @@
           <a:p>
             <a:pPr lvl="0"/>
             <a:r>
-              <a:rPr lang="zh-CN" altLang="en-US" noProof="0" smtClean="0"/>
+              <a:rPr lang="zh-CN" altLang="en-US" noProof="0"/>
               <a:t>单击此处编辑母版文本样式</a:t>
             </a:r>
           </a:p>
           <a:p>
             <a:pPr lvl="1"/>
             <a:r>
-              <a:rPr lang="zh-CN" altLang="en-US" noProof="0" smtClean="0"/>
+              <a:rPr lang="zh-CN" altLang="en-US" noProof="0"/>
               <a:t>第二级</a:t>
             </a:r>
           </a:p>
           <a:p>
             <a:pPr lvl="2"/>
             <a:r>
-              <a:rPr lang="zh-CN" altLang="en-US" noProof="0" smtClean="0"/>
+              <a:rPr lang="zh-CN" altLang="en-US" noProof="0"/>
               <a:t>第三级</a:t>
             </a:r>
           </a:p>
           <a:p>
             <a:pPr lvl="3"/>
             <a:r>
-              <a:rPr lang="zh-CN" altLang="en-US" noProof="0" smtClean="0"/>
+              <a:rPr lang="zh-CN" altLang="en-US" noProof="0"/>
               <a:t>第四级</a:t>
             </a:r>
           </a:p>
           <a:p>
             <a:pPr lvl="4"/>
             <a:r>
-              <a:rPr lang="zh-CN" altLang="en-US" noProof="0" smtClean="0"/>
+              <a:rPr lang="zh-CN" altLang="en-US" noProof="0"/>
               <a:t>第五级</a:t>
             </a:r>
           </a:p>
@@ -12966,7 +12647,7 @@
           <a:lstStyle/>
           <a:p>
             <a:pPr eaLnBrk="1" hangingPunct="1"/>
-            <a:endParaRPr lang="zh-CN" altLang="en-US" smtClean="0">
+            <a:endParaRPr lang="zh-CN" altLang="en-US">
               <a:latin typeface="Arial" panose="020B0604020202020204" pitchFamily="34" charset="0"/>
             </a:endParaRPr>
           </a:p>
@@ -13785,7 +13466,7 @@
           <a:p>
             <a:pPr eaLnBrk="1" hangingPunct="1"/>
             <a:r>
-              <a:rPr lang="zh-CN" altLang="en-US" smtClean="0">
+              <a:rPr lang="zh-CN" altLang="en-US">
                 <a:latin typeface="Arial" panose="020B0604020202020204" pitchFamily="34" charset="0"/>
               </a:rPr>
               <a:t>软件缺陷的定义的可操作性不强，大家要掌握的是接下来的软件缺陷判定标准。</a:t>
@@ -14016,36 +13697,36 @@
           <a:p>
             <a:pPr eaLnBrk="1" hangingPunct="1"/>
             <a:r>
-              <a:rPr lang="en-US" altLang="zh-CN" dirty="0" smtClean="0">
+              <a:rPr lang="en-US" altLang="zh-CN" dirty="0">
                 <a:latin typeface="Arial" panose="020B0604020202020204" pitchFamily="34" charset="0"/>
               </a:rPr>
               <a:t>(2)</a:t>
             </a:r>
             <a:r>
-              <a:rPr lang="zh-CN" altLang="en-US" dirty="0" smtClean="0">
+              <a:rPr lang="zh-CN" altLang="en-US" dirty="0">
                 <a:latin typeface="Arial" panose="020B0604020202020204" pitchFamily="34" charset="0"/>
               </a:rPr>
               <a:t>软件出现了产品说明书指明不会出现的错误不太好理解，我们给一个例子</a:t>
             </a:r>
             <a:r>
-              <a:rPr lang="en-US" altLang="zh-CN" dirty="0" smtClean="0">
+              <a:rPr lang="en-US" altLang="zh-CN" dirty="0">
                 <a:latin typeface="Arial" panose="020B0604020202020204" pitchFamily="34" charset="0"/>
               </a:rPr>
               <a:t>:</a:t>
             </a:r>
             <a:r>
-              <a:rPr lang="zh-CN" altLang="en-US" dirty="0" smtClean="0">
+              <a:rPr lang="zh-CN" altLang="en-US" dirty="0">
                 <a:latin typeface="Arial" panose="020B0604020202020204" pitchFamily="34" charset="0"/>
               </a:rPr>
               <a:t>如开发一个生产线管理软件，如果不是管理员绝对不能停止运行，如果最终测试的时候，一般人员也能停止该程序，就违反了这一条。</a:t>
             </a:r>
             <a:r>
-              <a:rPr lang="en-US" altLang="zh-CN" dirty="0" smtClean="0">
+              <a:rPr lang="en-US" altLang="zh-CN" dirty="0">
                 <a:latin typeface="Arial" panose="020B0604020202020204" pitchFamily="34" charset="0"/>
               </a:rPr>
               <a:t>0</a:t>
             </a:r>
-            <a:endParaRPr lang="zh-CN" altLang="en-US" dirty="0" smtClean="0">
+            <a:endParaRPr lang="zh-CN" altLang="en-US" dirty="0">
               <a:latin typeface="Arial" panose="020B0604020202020204" pitchFamily="34" charset="0"/>
             </a:endParaRPr>
           </a:p>
@@ -14104,17 +13785,16 @@
           <a:lstStyle/>
           <a:p>
             <a:r>
-              <a:rPr lang="zh-CN" altLang="en-US" dirty="0" smtClean="0"/>
+              <a:rPr lang="zh-CN" altLang="en-US" dirty="0"/>
               <a:t>软件系统越来越复杂，不管是需求、设计、编码、测试都面临挑战；</a:t>
             </a:r>
-            <a:endParaRPr lang="en-US" altLang="zh-CN" dirty="0" smtClean="0"/>
+            <a:endParaRPr lang="en-US" altLang="zh-CN" dirty="0"/>
           </a:p>
           <a:p>
             <a:r>
-              <a:rPr lang="zh-CN" altLang="en-US" dirty="0" smtClean="0"/>
+              <a:rPr lang="zh-CN" altLang="en-US" dirty="0"/>
               <a:t>思考：测试阶段会不会引入错误；测试应该按照谁的思路走 ；书上未提到测试阶段</a:t>
             </a:r>
-            <a:endParaRPr lang="zh-CN" altLang="en-US" dirty="0"/>
           </a:p>
         </p:txBody>
       </p:sp>
@@ -14200,10 +13880,9 @@
           <a:lstStyle/>
           <a:p>
             <a:r>
-              <a:rPr lang="zh-CN" altLang="en-US" dirty="0" smtClean="0"/>
+              <a:rPr lang="zh-CN" altLang="en-US" dirty="0"/>
               <a:t>组织串讲</a:t>
             </a:r>
-            <a:endParaRPr lang="zh-CN" altLang="en-US" dirty="0"/>
           </a:p>
         </p:txBody>
       </p:sp>
@@ -14289,7 +13968,7 @@
           <a:lstStyle/>
           <a:p>
             <a:r>
-              <a:rPr lang="zh-CN" altLang="en-US" sz="1200" b="0" i="0" u="none" strike="noStrike" kern="1200" dirty="0" smtClean="0">
+              <a:rPr lang="zh-CN" altLang="en-US" sz="1200" b="0" i="0" u="none" strike="noStrike" kern="1200" dirty="0">
                 <a:solidFill>
                   <a:schemeClr val="tx1"/>
                 </a:solidFill>
@@ -14301,7 +13980,7 @@
               <a:t>美分（货币符号：￠）是美元的一种，也是</a:t>
             </a:r>
             <a:r>
-              <a:rPr lang="zh-CN" altLang="en-US" sz="1200" b="0" i="0" u="none" strike="noStrike" kern="1200" dirty="0" smtClean="0">
+              <a:rPr lang="zh-CN" altLang="en-US" sz="1200" b="0" i="0" u="none" strike="noStrike" kern="1200" dirty="0">
                 <a:solidFill>
                   <a:schemeClr val="tx1"/>
                 </a:solidFill>
@@ -14314,7 +13993,7 @@
               <a:t>硬币</a:t>
             </a:r>
             <a:r>
-              <a:rPr lang="zh-CN" altLang="en-US" sz="1200" b="0" i="0" u="none" strike="noStrike" kern="1200" dirty="0" smtClean="0">
+              <a:rPr lang="zh-CN" altLang="en-US" sz="1200" b="0" i="0" u="none" strike="noStrike" kern="1200" dirty="0">
                 <a:solidFill>
                   <a:schemeClr val="tx1"/>
                 </a:solidFill>
@@ -14326,7 +14005,7 @@
               <a:t>的一种。</a:t>
             </a:r>
             <a:r>
-              <a:rPr lang="en-US" altLang="zh-CN" sz="1200" b="0" i="0" u="none" strike="noStrike" kern="1200" dirty="0" smtClean="0">
+              <a:rPr lang="en-US" altLang="zh-CN" sz="1200" b="0" i="0" u="none" strike="noStrike" kern="1200" dirty="0">
                 <a:solidFill>
                   <a:schemeClr val="tx1"/>
                 </a:solidFill>
@@ -14338,7 +14017,7 @@
               <a:t>100</a:t>
             </a:r>
             <a:r>
-              <a:rPr lang="zh-CN" altLang="en-US" sz="1200" b="0" i="0" u="none" strike="noStrike" kern="1200" dirty="0" smtClean="0">
+              <a:rPr lang="zh-CN" altLang="en-US" sz="1200" b="0" i="0" u="none" strike="noStrike" kern="1200" dirty="0">
                 <a:solidFill>
                   <a:schemeClr val="tx1"/>
                 </a:solidFill>
@@ -14350,7 +14029,7 @@
               <a:t>美分等于</a:t>
             </a:r>
             <a:r>
-              <a:rPr lang="en-US" altLang="zh-CN" sz="1200" b="0" i="0" u="none" strike="noStrike" kern="1200" dirty="0" smtClean="0">
+              <a:rPr lang="en-US" altLang="zh-CN" sz="1200" b="0" i="0" u="none" strike="noStrike" kern="1200" dirty="0">
                 <a:solidFill>
                   <a:schemeClr val="tx1"/>
                 </a:solidFill>
@@ -14362,7 +14041,7 @@
               <a:t>1</a:t>
             </a:r>
             <a:r>
-              <a:rPr lang="zh-CN" altLang="en-US" sz="1200" b="0" i="0" u="none" strike="noStrike" kern="1200" dirty="0" smtClean="0">
+              <a:rPr lang="zh-CN" altLang="en-US" sz="1200" b="0" i="0" u="none" strike="noStrike" kern="1200" dirty="0">
                 <a:solidFill>
                   <a:schemeClr val="tx1"/>
                 </a:solidFill>
@@ -14375,7 +14054,7 @@
               <a:t>美元</a:t>
             </a:r>
             <a:r>
-              <a:rPr lang="zh-CN" altLang="en-US" sz="1200" b="0" i="0" u="none" strike="noStrike" kern="1200" dirty="0" smtClean="0">
+              <a:rPr lang="zh-CN" altLang="en-US" sz="1200" b="0" i="0" u="none" strike="noStrike" kern="1200" dirty="0">
                 <a:solidFill>
                   <a:schemeClr val="tx1"/>
                 </a:solidFill>
@@ -14387,7 +14066,7 @@
               <a:t> ；美分硬币有</a:t>
             </a:r>
             <a:r>
-              <a:rPr lang="en-US" altLang="zh-CN" sz="1200" b="0" i="0" u="none" strike="noStrike" kern="1200" dirty="0" smtClean="0">
+              <a:rPr lang="en-US" altLang="zh-CN" sz="1200" b="0" i="0" u="none" strike="noStrike" kern="1200" dirty="0">
                 <a:solidFill>
                   <a:schemeClr val="tx1"/>
                 </a:solidFill>
@@ -14399,7 +14078,7 @@
               <a:t>1</a:t>
             </a:r>
             <a:r>
-              <a:rPr lang="zh-CN" altLang="en-US" sz="1200" b="0" i="0" u="none" strike="noStrike" kern="1200" dirty="0" smtClean="0">
+              <a:rPr lang="zh-CN" altLang="en-US" sz="1200" b="0" i="0" u="none" strike="noStrike" kern="1200" dirty="0">
                 <a:solidFill>
                   <a:schemeClr val="tx1"/>
                 </a:solidFill>
@@ -14411,7 +14090,7 @@
               <a:t>分、</a:t>
             </a:r>
             <a:r>
-              <a:rPr lang="en-US" altLang="zh-CN" sz="1200" b="0" i="0" u="none" strike="noStrike" kern="1200" dirty="0" smtClean="0">
+              <a:rPr lang="en-US" altLang="zh-CN" sz="1200" b="0" i="0" u="none" strike="noStrike" kern="1200" dirty="0">
                 <a:solidFill>
                   <a:schemeClr val="tx1"/>
                 </a:solidFill>
@@ -14423,7 +14102,7 @@
               <a:t>5</a:t>
             </a:r>
             <a:r>
-              <a:rPr lang="zh-CN" altLang="en-US" sz="1200" b="0" i="0" u="none" strike="noStrike" kern="1200" dirty="0" smtClean="0">
+              <a:rPr lang="zh-CN" altLang="en-US" sz="1200" b="0" i="0" u="none" strike="noStrike" kern="1200" dirty="0">
                 <a:solidFill>
                   <a:schemeClr val="tx1"/>
                 </a:solidFill>
@@ -14435,7 +14114,7 @@
               <a:t>分、</a:t>
             </a:r>
             <a:r>
-              <a:rPr lang="en-US" altLang="zh-CN" sz="1200" b="0" i="0" u="none" strike="noStrike" kern="1200" dirty="0" smtClean="0">
+              <a:rPr lang="en-US" altLang="zh-CN" sz="1200" b="0" i="0" u="none" strike="noStrike" kern="1200" dirty="0">
                 <a:solidFill>
                   <a:schemeClr val="tx1"/>
                 </a:solidFill>
@@ -14447,7 +14126,7 @@
               <a:t>10</a:t>
             </a:r>
             <a:r>
-              <a:rPr lang="zh-CN" altLang="en-US" sz="1200" b="0" i="0" u="none" strike="noStrike" kern="1200" dirty="0" smtClean="0">
+              <a:rPr lang="zh-CN" altLang="en-US" sz="1200" b="0" i="0" u="none" strike="noStrike" kern="1200" dirty="0">
                 <a:solidFill>
                   <a:schemeClr val="tx1"/>
                 </a:solidFill>
@@ -14459,7 +14138,7 @@
               <a:t>分、</a:t>
             </a:r>
             <a:r>
-              <a:rPr lang="en-US" altLang="zh-CN" sz="1200" b="0" i="0" u="none" strike="noStrike" kern="1200" dirty="0" smtClean="0">
+              <a:rPr lang="en-US" altLang="zh-CN" sz="1200" b="0" i="0" u="none" strike="noStrike" kern="1200" dirty="0">
                 <a:solidFill>
                   <a:schemeClr val="tx1"/>
                 </a:solidFill>
@@ -14471,7 +14150,7 @@
               <a:t>25</a:t>
             </a:r>
             <a:r>
-              <a:rPr lang="zh-CN" altLang="en-US" sz="1200" b="0" i="0" u="none" strike="noStrike" kern="1200" dirty="0" smtClean="0">
+              <a:rPr lang="zh-CN" altLang="en-US" sz="1200" b="0" i="0" u="none" strike="noStrike" kern="1200" dirty="0">
                 <a:solidFill>
                   <a:schemeClr val="tx1"/>
                 </a:solidFill>
@@ -14483,7 +14162,7 @@
               <a:t>分、</a:t>
             </a:r>
             <a:r>
-              <a:rPr lang="en-US" altLang="zh-CN" sz="1200" b="0" i="0" u="none" strike="noStrike" kern="1200" dirty="0" smtClean="0">
+              <a:rPr lang="en-US" altLang="zh-CN" sz="1200" b="0" i="0" u="none" strike="noStrike" kern="1200" dirty="0">
                 <a:solidFill>
                   <a:schemeClr val="tx1"/>
                 </a:solidFill>
@@ -14495,7 +14174,7 @@
               <a:t>50</a:t>
             </a:r>
             <a:r>
-              <a:rPr lang="zh-CN" altLang="en-US" sz="1200" b="0" i="0" u="none" strike="noStrike" kern="1200" dirty="0" smtClean="0">
+              <a:rPr lang="zh-CN" altLang="en-US" sz="1200" b="0" i="0" u="none" strike="noStrike" kern="1200" dirty="0">
                 <a:solidFill>
                   <a:schemeClr val="tx1"/>
                 </a:solidFill>
@@ -14507,7 +14186,7 @@
               <a:t>分、</a:t>
             </a:r>
             <a:r>
-              <a:rPr lang="en-US" altLang="zh-CN" sz="1200" b="0" i="0" u="none" strike="noStrike" kern="1200" dirty="0" smtClean="0">
+              <a:rPr lang="en-US" altLang="zh-CN" sz="1200" b="0" i="0" u="none" strike="noStrike" kern="1200" dirty="0">
                 <a:solidFill>
                   <a:schemeClr val="tx1"/>
                 </a:solidFill>
@@ -14519,7 +14198,7 @@
               <a:t>1</a:t>
             </a:r>
             <a:r>
-              <a:rPr lang="zh-CN" altLang="en-US" sz="1200" b="0" i="0" u="none" strike="noStrike" kern="1200" dirty="0" smtClean="0">
+              <a:rPr lang="zh-CN" altLang="en-US" sz="1200" b="0" i="0" u="none" strike="noStrike" kern="1200" dirty="0">
                 <a:solidFill>
                   <a:schemeClr val="tx1"/>
                 </a:solidFill>
@@ -14531,13 +14210,13 @@
               <a:t>元六种面值 ；</a:t>
             </a:r>
             <a:r>
-              <a:rPr lang="zh-CN" altLang="en-US" sz="1200" dirty="0" smtClean="0">
+              <a:rPr lang="zh-CN" altLang="en-US" sz="1200" dirty="0">
                 <a:latin typeface="宋体" panose="02010600030101010101" pitchFamily="2" charset="-122"/>
               </a:rPr>
               <a:t>随着整个开发过程的时间推移，更正缺陷或修复问题的费用</a:t>
             </a:r>
             <a:r>
-              <a:rPr lang="zh-CN" altLang="en-US" sz="1200" dirty="0" smtClean="0">
+              <a:rPr lang="zh-CN" altLang="en-US" sz="1200" dirty="0">
                 <a:solidFill>
                   <a:schemeClr val="hlink"/>
                 </a:solidFill>
@@ -14801,31 +14480,31 @@
           <a:p>
             <a:pPr eaLnBrk="1" hangingPunct="1"/>
             <a:r>
-              <a:rPr lang="zh-CN" altLang="en-US" smtClean="0">
+              <a:rPr lang="zh-CN" altLang="en-US">
                 <a:latin typeface="Arial" panose="020B0604020202020204" pitchFamily="34" charset="0"/>
               </a:rPr>
               <a:t>韦氏字典是一个比较有名的词典，考</a:t>
             </a:r>
             <a:r>
-              <a:rPr lang="en-US" altLang="zh-CN" smtClean="0">
+              <a:rPr lang="en-US" altLang="zh-CN">
                 <a:latin typeface="Arial" panose="020B0604020202020204" pitchFamily="34" charset="0"/>
               </a:rPr>
               <a:t>GRE</a:t>
             </a:r>
             <a:r>
-              <a:rPr lang="zh-CN" altLang="en-US" smtClean="0">
+              <a:rPr lang="zh-CN" altLang="en-US">
                 <a:latin typeface="Arial" panose="020B0604020202020204" pitchFamily="34" charset="0"/>
               </a:rPr>
               <a:t>，</a:t>
             </a:r>
             <a:r>
-              <a:rPr lang="en-US" altLang="zh-CN" smtClean="0">
+              <a:rPr lang="en-US" altLang="zh-CN">
                 <a:latin typeface="Arial" panose="020B0604020202020204" pitchFamily="34" charset="0"/>
               </a:rPr>
               <a:t>TOFEL</a:t>
             </a:r>
             <a:r>
-              <a:rPr lang="zh-CN" altLang="en-US" smtClean="0">
+              <a:rPr lang="zh-CN" altLang="en-US">
                 <a:latin typeface="Arial" panose="020B0604020202020204" pitchFamily="34" charset="0"/>
               </a:rPr>
               <a:t>都要用的。</a:t>
@@ -14886,18 +14565,17 @@
           <a:lstStyle/>
           <a:p>
             <a:r>
-              <a:rPr lang="zh-CN" altLang="en-US" dirty="0" smtClean="0"/>
+              <a:rPr lang="zh-CN" altLang="en-US" dirty="0"/>
               <a:t>常见的</a:t>
             </a:r>
             <a:r>
-              <a:rPr lang="en-US" altLang="zh-CN" dirty="0" smtClean="0"/>
+              <a:rPr lang="en-US" altLang="zh-CN" dirty="0"/>
               <a:t>2</a:t>
             </a:r>
             <a:r>
-              <a:rPr lang="zh-CN" altLang="en-US" dirty="0" smtClean="0"/>
+              <a:rPr lang="zh-CN" altLang="en-US" dirty="0"/>
               <a:t>中分类</a:t>
             </a:r>
-            <a:endParaRPr lang="zh-CN" altLang="en-US" dirty="0"/>
           </a:p>
         </p:txBody>
       </p:sp>
@@ -14983,18 +14661,17 @@
           <a:lstStyle/>
           <a:p>
             <a:r>
-              <a:rPr lang="zh-CN" altLang="en-US" dirty="0" smtClean="0"/>
+              <a:rPr lang="zh-CN" altLang="en-US" dirty="0"/>
               <a:t>常见的</a:t>
             </a:r>
             <a:r>
-              <a:rPr lang="en-US" altLang="zh-CN" dirty="0" smtClean="0"/>
+              <a:rPr lang="en-US" altLang="zh-CN" dirty="0"/>
               <a:t>2</a:t>
             </a:r>
             <a:r>
-              <a:rPr lang="zh-CN" altLang="en-US" dirty="0" smtClean="0"/>
+              <a:rPr lang="zh-CN" altLang="en-US" dirty="0"/>
               <a:t>中分类</a:t>
             </a:r>
-            <a:endParaRPr lang="zh-CN" altLang="en-US" dirty="0"/>
           </a:p>
         </p:txBody>
       </p:sp>
@@ -15080,18 +14757,17 @@
           <a:lstStyle/>
           <a:p>
             <a:r>
-              <a:rPr lang="zh-CN" altLang="en-US" dirty="0" smtClean="0"/>
+              <a:rPr lang="zh-CN" altLang="en-US" dirty="0"/>
               <a:t>常见的</a:t>
             </a:r>
             <a:r>
-              <a:rPr lang="en-US" altLang="zh-CN" dirty="0" smtClean="0"/>
+              <a:rPr lang="en-US" altLang="zh-CN" dirty="0"/>
               <a:t>2</a:t>
             </a:r>
             <a:r>
-              <a:rPr lang="zh-CN" altLang="en-US" dirty="0" smtClean="0"/>
+              <a:rPr lang="zh-CN" altLang="en-US" dirty="0"/>
               <a:t>中分类</a:t>
             </a:r>
-            <a:endParaRPr lang="zh-CN" altLang="en-US" dirty="0"/>
           </a:p>
         </p:txBody>
       </p:sp>
@@ -15177,34 +14853,33 @@
           <a:lstStyle/>
           <a:p>
             <a:r>
-              <a:rPr lang="zh-CN" altLang="en-US" dirty="0" smtClean="0"/>
+              <a:rPr lang="zh-CN" altLang="en-US" dirty="0"/>
               <a:t>打包</a:t>
             </a:r>
             <a:r>
-              <a:rPr lang="en-US" altLang="zh-CN" dirty="0" smtClean="0"/>
+              <a:rPr lang="en-US" altLang="zh-CN" dirty="0"/>
               <a:t>/</a:t>
             </a:r>
             <a:r>
-              <a:rPr lang="zh-CN" altLang="en-US" dirty="0" smtClean="0"/>
+              <a:rPr lang="zh-CN" altLang="en-US" dirty="0"/>
               <a:t>拆包</a:t>
             </a:r>
             <a:r>
-              <a:rPr lang="en-US" altLang="zh-CN" dirty="0" smtClean="0"/>
+              <a:rPr lang="en-US" altLang="zh-CN" dirty="0"/>
               <a:t>-》</a:t>
             </a:r>
             <a:r>
-              <a:rPr lang="zh-CN" altLang="en-US" dirty="0" smtClean="0"/>
+              <a:rPr lang="zh-CN" altLang="en-US" dirty="0"/>
               <a:t>数据序列化和反序列号，</a:t>
             </a:r>
             <a:r>
-              <a:rPr lang="en-US" altLang="zh-CN" dirty="0" err="1" smtClean="0"/>
+              <a:rPr lang="en-US" altLang="zh-CN" dirty="0" err="1"/>
               <a:t>ws</a:t>
             </a:r>
             <a:r>
-              <a:rPr lang="zh-CN" altLang="en-US" dirty="0" smtClean="0"/>
+              <a:rPr lang="zh-CN" altLang="en-US" dirty="0"/>
               <a:t>服务中</a:t>
             </a:r>
-            <a:endParaRPr lang="zh-CN" altLang="en-US" dirty="0"/>
           </a:p>
         </p:txBody>
       </p:sp>
@@ -15290,34 +14965,33 @@
           <a:lstStyle/>
           <a:p>
             <a:r>
-              <a:rPr lang="zh-CN" altLang="en-US" dirty="0" smtClean="0"/>
+              <a:rPr lang="zh-CN" altLang="en-US" dirty="0"/>
               <a:t>打包</a:t>
             </a:r>
             <a:r>
-              <a:rPr lang="en-US" altLang="zh-CN" dirty="0" smtClean="0"/>
+              <a:rPr lang="en-US" altLang="zh-CN" dirty="0"/>
               <a:t>/</a:t>
             </a:r>
             <a:r>
-              <a:rPr lang="zh-CN" altLang="en-US" dirty="0" smtClean="0"/>
+              <a:rPr lang="zh-CN" altLang="en-US" dirty="0"/>
               <a:t>拆包</a:t>
             </a:r>
             <a:r>
-              <a:rPr lang="en-US" altLang="zh-CN" dirty="0" smtClean="0"/>
+              <a:rPr lang="en-US" altLang="zh-CN" dirty="0"/>
               <a:t>-》</a:t>
             </a:r>
             <a:r>
-              <a:rPr lang="zh-CN" altLang="en-US" dirty="0" smtClean="0"/>
+              <a:rPr lang="zh-CN" altLang="en-US" dirty="0"/>
               <a:t>数据序列化和反序列号，</a:t>
             </a:r>
             <a:r>
-              <a:rPr lang="en-US" altLang="zh-CN" dirty="0" err="1" smtClean="0"/>
+              <a:rPr lang="en-US" altLang="zh-CN" dirty="0" err="1"/>
               <a:t>ws</a:t>
             </a:r>
             <a:r>
-              <a:rPr lang="zh-CN" altLang="en-US" dirty="0" smtClean="0"/>
+              <a:rPr lang="zh-CN" altLang="en-US" dirty="0"/>
               <a:t>服务中</a:t>
             </a:r>
-            <a:endParaRPr lang="zh-CN" altLang="en-US" dirty="0"/>
           </a:p>
         </p:txBody>
       </p:sp>
@@ -15403,10 +15077,9 @@
           <a:lstStyle/>
           <a:p>
             <a:r>
-              <a:rPr lang="zh-CN" altLang="en-US" dirty="0" smtClean="0"/>
+              <a:rPr lang="zh-CN" altLang="en-US" dirty="0"/>
               <a:t>不同的客户对待质量的看法是不同的；</a:t>
             </a:r>
-            <a:endParaRPr lang="zh-CN" altLang="en-US" dirty="0"/>
           </a:p>
         </p:txBody>
       </p:sp>
@@ -15662,7 +15335,7 @@
           <a:p>
             <a:pPr eaLnBrk="1" hangingPunct="1"/>
             <a:r>
-              <a:rPr lang="zh-CN" altLang="en-US" dirty="0" smtClean="0">
+              <a:rPr lang="zh-CN" altLang="en-US" dirty="0">
                 <a:latin typeface="Arial" panose="020B0604020202020204" pitchFamily="34" charset="0"/>
               </a:rPr>
               <a:t>强调软件质量是属性的集合。假如让你去评价一个软件的质量好不好，你可能会从它的界面美不美观，它运行的速度快不快等等，这说明美观性，运行速度是质量的一个方面，软件质量是属性的集合。</a:t>
@@ -15671,7 +15344,7 @@
           <a:p>
             <a:pPr eaLnBrk="1" hangingPunct="1"/>
             <a:r>
-              <a:rPr lang="zh-CN" altLang="en-US" dirty="0" smtClean="0">
+              <a:rPr lang="zh-CN" altLang="en-US" dirty="0">
                 <a:latin typeface="Arial" panose="020B0604020202020204" pitchFamily="34" charset="0"/>
               </a:rPr>
               <a:t>软件质量到底包含哪些属性？没有标准，于是形成了公说公有理，婆说婆有理的局面，对软件质量所包含的属性的选取的不同导致出现了多个质量模型。</a:t>
@@ -15736,13 +15409,13 @@
           <a:lstStyle/>
           <a:p>
             <a:r>
-              <a:rPr lang="en-US" altLang="zh-CN" dirty="0" smtClean="0">
+              <a:rPr lang="en-US" altLang="zh-CN" dirty="0">
                 <a:latin typeface="Arial" panose="020B0604020202020204" pitchFamily="34" charset="0"/>
               </a:rPr>
               <a:t>SQA</a:t>
             </a:r>
             <a:r>
-              <a:rPr lang="zh-CN" altLang="en-US" dirty="0" smtClean="0">
+              <a:rPr lang="zh-CN" altLang="en-US" dirty="0">
                 <a:latin typeface="Arial" panose="020B0604020202020204" pitchFamily="34" charset="0"/>
               </a:rPr>
               <a:t>在组织架构中的位置</a:t>
@@ -16138,54 +15811,54 @@
           <a:p>
             <a:pPr eaLnBrk="1" hangingPunct="1"/>
             <a:r>
-              <a:rPr lang="en-US" altLang="zh-CN" dirty="0" smtClean="0">
+              <a:rPr lang="en-US" altLang="zh-CN" dirty="0">
                 <a:latin typeface="Arial" panose="020B0604020202020204" pitchFamily="34" charset="0"/>
               </a:rPr>
               <a:t>1</a:t>
             </a:r>
             <a:r>
-              <a:rPr lang="zh-CN" altLang="en-US" dirty="0" smtClean="0">
+              <a:rPr lang="zh-CN" altLang="en-US" dirty="0">
                 <a:latin typeface="Arial" panose="020B0604020202020204" pitchFamily="34" charset="0"/>
               </a:rPr>
               <a:t>、</a:t>
             </a:r>
             <a:r>
-              <a:rPr lang="en-US" altLang="zh-CN" dirty="0" smtClean="0">
+              <a:rPr lang="en-US" altLang="zh-CN" dirty="0">
                 <a:latin typeface="Arial" panose="020B0604020202020204" pitchFamily="34" charset="0"/>
               </a:rPr>
               <a:t>McCall</a:t>
             </a:r>
             <a:r>
-              <a:rPr lang="zh-CN" altLang="en-US" dirty="0" smtClean="0">
+              <a:rPr lang="zh-CN" altLang="en-US" dirty="0">
                 <a:latin typeface="Arial" panose="020B0604020202020204" pitchFamily="34" charset="0"/>
               </a:rPr>
               <a:t>（</a:t>
             </a:r>
             <a:r>
-              <a:rPr lang="en-US" altLang="zh-CN" dirty="0" err="1" smtClean="0">
+              <a:rPr lang="en-US" altLang="zh-CN" dirty="0" err="1">
                 <a:latin typeface="Arial" panose="020B0604020202020204" pitchFamily="34" charset="0"/>
               </a:rPr>
               <a:t>meical</a:t>
             </a:r>
             <a:r>
-              <a:rPr lang="zh-CN" altLang="en-US" dirty="0" smtClean="0">
+              <a:rPr lang="zh-CN" altLang="en-US" dirty="0">
                 <a:latin typeface="Arial" panose="020B0604020202020204" pitchFamily="34" charset="0"/>
               </a:rPr>
               <a:t>）模型包含了</a:t>
             </a:r>
             <a:r>
-              <a:rPr lang="en-US" altLang="zh-CN" dirty="0" smtClean="0">
+              <a:rPr lang="en-US" altLang="zh-CN" dirty="0">
                 <a:latin typeface="Arial" panose="020B0604020202020204" pitchFamily="34" charset="0"/>
               </a:rPr>
               <a:t>11</a:t>
             </a:r>
             <a:r>
-              <a:rPr lang="zh-CN" altLang="en-US" dirty="0" smtClean="0">
+              <a:rPr lang="zh-CN" altLang="en-US" dirty="0">
                 <a:latin typeface="Arial" panose="020B0604020202020204" pitchFamily="34" charset="0"/>
               </a:rPr>
               <a:t>个属性。是最先出现的质量模型。</a:t>
             </a:r>
-            <a:endParaRPr lang="en-US" altLang="zh-CN" dirty="0" smtClean="0">
+            <a:endParaRPr lang="en-US" altLang="zh-CN" dirty="0">
               <a:latin typeface="Arial" panose="020B0604020202020204" pitchFamily="34" charset="0"/>
             </a:endParaRPr>
           </a:p>
@@ -16208,19 +15881,19 @@
               <a:defRPr/>
             </a:pPr>
             <a:r>
-              <a:rPr lang="en-US" altLang="zh-CN" dirty="0" smtClean="0">
+              <a:rPr lang="en-US" altLang="zh-CN" dirty="0">
                 <a:latin typeface="Arial" panose="020B0604020202020204" pitchFamily="34" charset="0"/>
               </a:rPr>
               <a:t>2</a:t>
             </a:r>
             <a:r>
-              <a:rPr lang="zh-CN" altLang="en-US" dirty="0" smtClean="0">
+              <a:rPr lang="zh-CN" altLang="en-US" dirty="0">
                 <a:latin typeface="Arial" panose="020B0604020202020204" pitchFamily="34" charset="0"/>
               </a:rPr>
               <a:t>、操作特性：功能正确并且完整 ；可靠、可用：如</a:t>
             </a:r>
             <a:r>
-              <a:rPr lang="zh-CN" altLang="en-US" sz="1200" b="0" i="0" u="none" strike="noStrike" kern="1200" dirty="0" smtClean="0">
+              <a:rPr lang="zh-CN" altLang="en-US" sz="1200" b="0" i="0" u="none" strike="noStrike" kern="1200" dirty="0">
                 <a:solidFill>
                   <a:schemeClr val="tx1"/>
                 </a:solidFill>
@@ -16232,12 +15905,12 @@
               <a:t>产品可以无故障运行的时间，经常出现故障、宕机、知损</a:t>
             </a:r>
             <a:r>
-              <a:rPr lang="zh-CN" altLang="en-US" dirty="0" smtClean="0">
+              <a:rPr lang="zh-CN" altLang="en-US" dirty="0">
                 <a:latin typeface="Arial" panose="020B0604020202020204" pitchFamily="34" charset="0"/>
               </a:rPr>
               <a:t>；效率如：打开某网页的速度；</a:t>
             </a:r>
-            <a:endParaRPr lang="en-US" altLang="zh-CN" dirty="0" smtClean="0">
+            <a:endParaRPr lang="en-US" altLang="zh-CN" dirty="0">
               <a:latin typeface="Arial" panose="020B0604020202020204" pitchFamily="34" charset="0"/>
             </a:endParaRPr>
           </a:p>
@@ -16260,19 +15933,19 @@
               <a:defRPr/>
             </a:pPr>
             <a:r>
-              <a:rPr lang="en-US" altLang="zh-CN" dirty="0" smtClean="0">
+              <a:rPr lang="en-US" altLang="zh-CN" dirty="0">
                 <a:latin typeface="Arial" panose="020B0604020202020204" pitchFamily="34" charset="0"/>
               </a:rPr>
               <a:t>3</a:t>
             </a:r>
             <a:r>
-              <a:rPr lang="zh-CN" altLang="en-US" dirty="0" smtClean="0">
+              <a:rPr lang="zh-CN" altLang="en-US" dirty="0">
                 <a:latin typeface="Arial" panose="020B0604020202020204" pitchFamily="34" charset="0"/>
               </a:rPr>
               <a:t>、新环境适应能力：可移植性：</a:t>
             </a:r>
             <a:r>
-              <a:rPr lang="zh-CN" altLang="en-US" sz="1200" b="0" i="0" u="none" strike="noStrike" kern="1200" dirty="0" smtClean="0">
+              <a:rPr lang="zh-CN" altLang="en-US" sz="1200" b="0" i="0" u="none" strike="noStrike" kern="1200" dirty="0">
                 <a:solidFill>
                   <a:schemeClr val="tx1"/>
                 </a:solidFill>
@@ -16284,7 +15957,7 @@
               <a:t>软件转置到其它计算机上的能力（也可称作软件自动搬家），软件从</a:t>
             </a:r>
             <a:r>
-              <a:rPr lang="en-US" altLang="zh-CN" sz="1200" b="0" i="0" u="none" strike="noStrike" kern="1200" dirty="0" smtClean="0">
+              <a:rPr lang="en-US" altLang="zh-CN" sz="1200" b="0" i="0" u="none" strike="noStrike" kern="1200" dirty="0">
                 <a:solidFill>
                   <a:schemeClr val="tx1"/>
                 </a:solidFill>
@@ -16296,7 +15969,7 @@
               <a:t>window-&gt;</a:t>
             </a:r>
             <a:r>
-              <a:rPr lang="en-US" altLang="zh-CN" sz="1200" b="0" i="0" u="none" strike="noStrike" kern="1200" dirty="0" err="1" smtClean="0">
+              <a:rPr lang="en-US" altLang="zh-CN" sz="1200" b="0" i="0" u="none" strike="noStrike" kern="1200" dirty="0" err="1">
                 <a:solidFill>
                   <a:schemeClr val="tx1"/>
                 </a:solidFill>
@@ -16308,7 +15981,7 @@
               <a:t>linux</a:t>
             </a:r>
             <a:r>
-              <a:rPr lang="zh-CN" altLang="en-US" sz="1200" b="0" i="0" u="none" strike="noStrike" kern="1200" dirty="0" smtClean="0">
+              <a:rPr lang="zh-CN" altLang="en-US" sz="1200" b="0" i="0" u="none" strike="noStrike" kern="1200" dirty="0">
                 <a:solidFill>
                   <a:schemeClr val="tx1"/>
                 </a:solidFill>
@@ -16319,7 +15992,7 @@
               </a:rPr>
               <a:t>上是否能正常运行；可互操作性：和其他系统通信或把其他系统纳入到自己控制下，系统间的接口是否可以满足</a:t>
             </a:r>
-            <a:endParaRPr lang="en-US" altLang="zh-CN" sz="1200" b="0" i="0" u="none" strike="noStrike" kern="1200" dirty="0" smtClean="0">
+            <a:endParaRPr lang="en-US" altLang="zh-CN" sz="1200" b="0" i="0" u="none" strike="noStrike" kern="1200" dirty="0">
               <a:solidFill>
                 <a:schemeClr val="tx1"/>
               </a:solidFill>
@@ -16348,7 +16021,7 @@
               <a:defRPr/>
             </a:pPr>
             <a:r>
-              <a:rPr lang="en-US" altLang="zh-CN" sz="1200" b="0" i="0" u="none" strike="noStrike" kern="1200" dirty="0" smtClean="0">
+              <a:rPr lang="en-US" altLang="zh-CN" sz="1200" b="0" i="0" u="none" strike="noStrike" kern="1200" dirty="0">
                 <a:solidFill>
                   <a:schemeClr val="tx1"/>
                 </a:solidFill>
@@ -16360,7 +16033,7 @@
               <a:t>4</a:t>
             </a:r>
             <a:r>
-              <a:rPr lang="zh-CN" altLang="en-US" sz="1200" b="0" i="0" u="none" strike="noStrike" kern="1200" dirty="0" smtClean="0">
+              <a:rPr lang="zh-CN" altLang="en-US" sz="1200" b="0" i="0" u="none" strike="noStrike" kern="1200" dirty="0">
                 <a:solidFill>
                   <a:schemeClr val="tx1"/>
                 </a:solidFill>
@@ -16372,7 +16045,7 @@
               <a:t>、可维护性</a:t>
             </a:r>
             <a:r>
-              <a:rPr lang="en-US" altLang="zh-CN" sz="1200" b="0" i="0" u="none" strike="noStrike" kern="1200" dirty="0" smtClean="0">
+              <a:rPr lang="en-US" altLang="zh-CN" sz="1200" b="0" i="0" u="none" strike="noStrike" kern="1200" dirty="0">
                 <a:solidFill>
                   <a:schemeClr val="tx1"/>
                 </a:solidFill>
@@ -16384,7 +16057,7 @@
               <a:t>&amp;</a:t>
             </a:r>
             <a:r>
-              <a:rPr lang="zh-CN" altLang="en-US" sz="1200" b="0" i="0" u="none" strike="noStrike" kern="1200" dirty="0" smtClean="0">
+              <a:rPr lang="zh-CN" altLang="en-US" sz="1200" b="0" i="0" u="none" strike="noStrike" kern="1200" dirty="0">
                 <a:solidFill>
                   <a:schemeClr val="tx1"/>
                 </a:solidFill>
@@ -16396,7 +16069,7 @@
               <a:t>灵活性：新加需求</a:t>
             </a:r>
             <a:r>
-              <a:rPr lang="en-US" altLang="zh-CN" sz="1200" b="0" i="0" u="none" strike="noStrike" kern="1200" dirty="0" smtClean="0">
+              <a:rPr lang="en-US" altLang="zh-CN" sz="1200" b="0" i="0" u="none" strike="noStrike" kern="1200" dirty="0">
                 <a:solidFill>
                   <a:schemeClr val="tx1"/>
                 </a:solidFill>
@@ -16408,7 +16081,7 @@
               <a:t>/bug</a:t>
             </a:r>
             <a:r>
-              <a:rPr lang="zh-CN" altLang="en-US" sz="1200" b="0" i="0" u="none" strike="noStrike" kern="1200" dirty="0" smtClean="0">
+              <a:rPr lang="zh-CN" altLang="en-US" sz="1200" b="0" i="0" u="none" strike="noStrike" kern="1200" dirty="0">
                 <a:solidFill>
                   <a:schemeClr val="tx1"/>
                 </a:solidFill>
@@ -16419,7 +16092,7 @@
               </a:rPr>
               <a:t>进入修改维护的成本 ；可测试性：谁开发了软件不容易测试，就说明这个设计有问题。</a:t>
             </a:r>
-            <a:endParaRPr lang="zh-CN" altLang="en-US" dirty="0" smtClean="0">
+            <a:endParaRPr lang="zh-CN" altLang="en-US" dirty="0">
               <a:latin typeface="Arial" panose="020B0604020202020204" pitchFamily="34" charset="0"/>
             </a:endParaRPr>
           </a:p>
@@ -16648,61 +16321,61 @@
           <a:p>
             <a:pPr eaLnBrk="1" hangingPunct="1"/>
             <a:r>
-              <a:rPr lang="en-US" altLang="zh-CN" dirty="0" smtClean="0">
+              <a:rPr lang="en-US" altLang="zh-CN" dirty="0">
                 <a:latin typeface="Arial" panose="020B0604020202020204" pitchFamily="34" charset="0"/>
               </a:rPr>
               <a:t>Boehm(</a:t>
             </a:r>
             <a:r>
-              <a:rPr lang="en-US" altLang="zh-CN" dirty="0" err="1" smtClean="0">
+              <a:rPr lang="en-US" altLang="zh-CN" dirty="0" err="1">
                 <a:latin typeface="Arial" panose="020B0604020202020204" pitchFamily="34" charset="0"/>
               </a:rPr>
               <a:t>BE:m</a:t>
             </a:r>
             <a:r>
-              <a:rPr lang="en-US" altLang="zh-CN" dirty="0" smtClean="0">
+              <a:rPr lang="en-US" altLang="zh-CN" dirty="0">
                 <a:latin typeface="Arial" panose="020B0604020202020204" pitchFamily="34" charset="0"/>
               </a:rPr>
               <a:t>)</a:t>
             </a:r>
             <a:r>
-              <a:rPr lang="zh-CN" altLang="en-US" dirty="0" smtClean="0">
+              <a:rPr lang="zh-CN" altLang="en-US" dirty="0">
                 <a:latin typeface="Arial" panose="020B0604020202020204" pitchFamily="34" charset="0"/>
               </a:rPr>
               <a:t>质量模型包含</a:t>
             </a:r>
             <a:r>
-              <a:rPr lang="en-US" altLang="zh-CN" dirty="0" smtClean="0">
+              <a:rPr lang="en-US" altLang="zh-CN" dirty="0">
                 <a:latin typeface="Arial" panose="020B0604020202020204" pitchFamily="34" charset="0"/>
               </a:rPr>
               <a:t>15</a:t>
             </a:r>
             <a:r>
-              <a:rPr lang="zh-CN" altLang="en-US" dirty="0" smtClean="0">
+              <a:rPr lang="zh-CN" altLang="en-US" dirty="0">
                 <a:latin typeface="Arial" panose="020B0604020202020204" pitchFamily="34" charset="0"/>
               </a:rPr>
               <a:t>个属性，比</a:t>
             </a:r>
             <a:r>
-              <a:rPr lang="en-US" altLang="zh-CN" dirty="0" smtClean="0">
+              <a:rPr lang="en-US" altLang="zh-CN" dirty="0">
                 <a:latin typeface="Arial" panose="020B0604020202020204" pitchFamily="34" charset="0"/>
               </a:rPr>
               <a:t>McCall</a:t>
             </a:r>
             <a:r>
-              <a:rPr lang="zh-CN" altLang="en-US" dirty="0" smtClean="0">
+              <a:rPr lang="zh-CN" altLang="en-US" dirty="0">
                 <a:latin typeface="Arial" panose="020B0604020202020204" pitchFamily="34" charset="0"/>
               </a:rPr>
               <a:t>模型更全面，更复杂，它比</a:t>
             </a:r>
             <a:r>
-              <a:rPr lang="en-US" altLang="zh-CN" dirty="0" smtClean="0">
+              <a:rPr lang="en-US" altLang="zh-CN" dirty="0">
                 <a:latin typeface="Arial" panose="020B0604020202020204" pitchFamily="34" charset="0"/>
               </a:rPr>
               <a:t>McCall</a:t>
             </a:r>
             <a:r>
-              <a:rPr lang="zh-CN" altLang="en-US" dirty="0" smtClean="0">
+              <a:rPr lang="zh-CN" altLang="en-US" dirty="0">
                 <a:latin typeface="Arial" panose="020B0604020202020204" pitchFamily="34" charset="0"/>
               </a:rPr>
               <a:t>模型出现的要晚。</a:t>
@@ -16933,13 +16606,13 @@
           <a:p>
             <a:pPr eaLnBrk="1" hangingPunct="1"/>
             <a:r>
-              <a:rPr lang="zh-CN" altLang="en-US" dirty="0" smtClean="0">
+              <a:rPr lang="zh-CN" altLang="en-US" dirty="0">
                 <a:latin typeface="Arial" panose="020B0604020202020204" pitchFamily="34" charset="0"/>
               </a:rPr>
               <a:t>强调立场和角度：是</a:t>
             </a:r>
             <a:r>
-              <a:rPr lang="zh-CN" altLang="en-US" b="1" dirty="0" smtClean="0">
+              <a:rPr lang="zh-CN" altLang="en-US" b="1" dirty="0">
                 <a:solidFill>
                   <a:schemeClr val="bg1"/>
                 </a:solidFill>
@@ -17173,7 +16846,7 @@
           <a:p>
             <a:pPr eaLnBrk="1" hangingPunct="1"/>
             <a:r>
-              <a:rPr lang="zh-CN" altLang="en-US" smtClean="0">
+              <a:rPr lang="zh-CN" altLang="en-US">
                 <a:latin typeface="Arial" panose="020B0604020202020204" pitchFamily="34" charset="0"/>
               </a:rPr>
               <a:t>这个模型更精细，更复杂。</a:t>
@@ -17227,10 +16900,9 @@
           <a:lstStyle/>
           <a:p>
             <a:r>
-              <a:rPr lang="zh-CN" altLang="en-US" smtClean="0"/>
+              <a:rPr lang="zh-CN" altLang="en-US"/>
               <a:t>单击此处编辑母版标题样式</a:t>
             </a:r>
-            <a:endParaRPr lang="zh-CN" altLang="en-US"/>
           </a:p>
         </p:txBody>
       </p:sp>
@@ -17292,10 +16964,9 @@
           </a:lstStyle>
           <a:p>
             <a:r>
-              <a:rPr lang="zh-CN" altLang="en-US" smtClean="0"/>
+              <a:rPr lang="zh-CN" altLang="en-US"/>
               <a:t>单击此处编辑母版副标题样式</a:t>
             </a:r>
-            <a:endParaRPr lang="zh-CN" altLang="en-US"/>
           </a:p>
         </p:txBody>
       </p:sp>
@@ -17348,10 +17019,9 @@
           <a:lstStyle/>
           <a:p>
             <a:r>
-              <a:rPr lang="zh-CN" altLang="en-US" smtClean="0"/>
+              <a:rPr lang="zh-CN" altLang="en-US"/>
               <a:t>单击此处编辑母版标题样式</a:t>
             </a:r>
-            <a:endParaRPr lang="zh-CN" altLang="en-US"/>
           </a:p>
         </p:txBody>
       </p:sp>
@@ -17372,38 +17042,37 @@
           <a:p>
             <a:pPr lvl="0"/>
             <a:r>
-              <a:rPr lang="zh-CN" altLang="en-US" smtClean="0"/>
+              <a:rPr lang="zh-CN" altLang="en-US"/>
               <a:t>单击此处编辑母版文本样式</a:t>
             </a:r>
           </a:p>
           <a:p>
             <a:pPr lvl="1"/>
             <a:r>
-              <a:rPr lang="zh-CN" altLang="en-US" smtClean="0"/>
+              <a:rPr lang="zh-CN" altLang="en-US"/>
               <a:t>第二级</a:t>
             </a:r>
           </a:p>
           <a:p>
             <a:pPr lvl="2"/>
             <a:r>
-              <a:rPr lang="zh-CN" altLang="en-US" smtClean="0"/>
+              <a:rPr lang="zh-CN" altLang="en-US"/>
               <a:t>第三级</a:t>
             </a:r>
           </a:p>
           <a:p>
             <a:pPr lvl="3"/>
             <a:r>
-              <a:rPr lang="zh-CN" altLang="en-US" smtClean="0"/>
+              <a:rPr lang="zh-CN" altLang="en-US"/>
               <a:t>第四级</a:t>
             </a:r>
           </a:p>
           <a:p>
             <a:pPr lvl="4"/>
             <a:r>
-              <a:rPr lang="zh-CN" altLang="en-US" smtClean="0"/>
+              <a:rPr lang="zh-CN" altLang="en-US"/>
               <a:t>第五级</a:t>
             </a:r>
-            <a:endParaRPr lang="zh-CN" altLang="en-US"/>
           </a:p>
         </p:txBody>
       </p:sp>
@@ -17461,10 +17130,9 @@
           <a:lstStyle/>
           <a:p>
             <a:r>
-              <a:rPr lang="zh-CN" altLang="en-US" smtClean="0"/>
+              <a:rPr lang="zh-CN" altLang="en-US"/>
               <a:t>单击此处编辑母版标题样式</a:t>
             </a:r>
-            <a:endParaRPr lang="zh-CN" altLang="en-US"/>
           </a:p>
         </p:txBody>
       </p:sp>
@@ -17490,38 +17158,37 @@
           <a:p>
             <a:pPr lvl="0"/>
             <a:r>
-              <a:rPr lang="zh-CN" altLang="en-US" smtClean="0"/>
+              <a:rPr lang="zh-CN" altLang="en-US"/>
               <a:t>单击此处编辑母版文本样式</a:t>
             </a:r>
           </a:p>
           <a:p>
             <a:pPr lvl="1"/>
             <a:r>
-              <a:rPr lang="zh-CN" altLang="en-US" smtClean="0"/>
+              <a:rPr lang="zh-CN" altLang="en-US"/>
               <a:t>第二级</a:t>
             </a:r>
           </a:p>
           <a:p>
             <a:pPr lvl="2"/>
             <a:r>
-              <a:rPr lang="zh-CN" altLang="en-US" smtClean="0"/>
+              <a:rPr lang="zh-CN" altLang="en-US"/>
               <a:t>第三级</a:t>
             </a:r>
           </a:p>
           <a:p>
             <a:pPr lvl="3"/>
             <a:r>
-              <a:rPr lang="zh-CN" altLang="en-US" smtClean="0"/>
+              <a:rPr lang="zh-CN" altLang="en-US"/>
               <a:t>第四级</a:t>
             </a:r>
           </a:p>
           <a:p>
             <a:pPr lvl="4"/>
             <a:r>
-              <a:rPr lang="zh-CN" altLang="en-US" smtClean="0"/>
+              <a:rPr lang="zh-CN" altLang="en-US"/>
               <a:t>第五级</a:t>
             </a:r>
-            <a:endParaRPr lang="zh-CN" altLang="en-US"/>
           </a:p>
         </p:txBody>
       </p:sp>
@@ -17579,10 +17246,9 @@
           <a:lstStyle/>
           <a:p>
             <a:r>
-              <a:rPr lang="zh-CN" altLang="en-US" smtClean="0"/>
+              <a:rPr lang="zh-CN" altLang="en-US"/>
               <a:t>单击此处编辑母版标题样式</a:t>
             </a:r>
-            <a:endParaRPr lang="zh-CN" altLang="en-US"/>
           </a:p>
         </p:txBody>
       </p:sp>
@@ -17607,7 +17273,7 @@
           <a:lstStyle/>
           <a:p>
             <a:pPr lvl="0"/>
-            <a:endParaRPr lang="zh-CN" altLang="en-US" noProof="0" smtClean="0"/>
+            <a:endParaRPr lang="zh-CN" altLang="en-US" noProof="0"/>
           </a:p>
         </p:txBody>
       </p:sp>
@@ -17660,10 +17326,9 @@
           <a:lstStyle/>
           <a:p>
             <a:r>
-              <a:rPr lang="zh-CN" altLang="en-US" smtClean="0"/>
+              <a:rPr lang="zh-CN" altLang="en-US"/>
               <a:t>单击此处编辑母版标题样式</a:t>
             </a:r>
-            <a:endParaRPr lang="zh-CN" altLang="en-US"/>
           </a:p>
         </p:txBody>
       </p:sp>
@@ -17684,38 +17349,37 @@
           <a:p>
             <a:pPr lvl="0"/>
             <a:r>
-              <a:rPr lang="zh-CN" altLang="en-US" smtClean="0"/>
+              <a:rPr lang="zh-CN" altLang="en-US"/>
               <a:t>单击此处编辑母版文本样式</a:t>
             </a:r>
           </a:p>
           <a:p>
             <a:pPr lvl="1"/>
             <a:r>
-              <a:rPr lang="zh-CN" altLang="en-US" smtClean="0"/>
+              <a:rPr lang="zh-CN" altLang="en-US"/>
               <a:t>第二级</a:t>
             </a:r>
           </a:p>
           <a:p>
             <a:pPr lvl="2"/>
             <a:r>
-              <a:rPr lang="zh-CN" altLang="en-US" smtClean="0"/>
+              <a:rPr lang="zh-CN" altLang="en-US"/>
               <a:t>第三级</a:t>
             </a:r>
           </a:p>
           <a:p>
             <a:pPr lvl="3"/>
             <a:r>
-              <a:rPr lang="zh-CN" altLang="en-US" smtClean="0"/>
+              <a:rPr lang="zh-CN" altLang="en-US"/>
               <a:t>第四级</a:t>
             </a:r>
           </a:p>
           <a:p>
             <a:pPr lvl="4"/>
             <a:r>
-              <a:rPr lang="zh-CN" altLang="en-US" smtClean="0"/>
+              <a:rPr lang="zh-CN" altLang="en-US"/>
               <a:t>第五级</a:t>
             </a:r>
-            <a:endParaRPr lang="zh-CN" altLang="en-US"/>
           </a:p>
         </p:txBody>
       </p:sp>
@@ -17777,10 +17441,9 @@
           </a:lstStyle>
           <a:p>
             <a:r>
-              <a:rPr lang="zh-CN" altLang="en-US" smtClean="0"/>
+              <a:rPr lang="zh-CN" altLang="en-US"/>
               <a:t>单击此处编辑母版标题样式</a:t>
             </a:r>
-            <a:endParaRPr lang="zh-CN" altLang="en-US"/>
           </a:p>
         </p:txBody>
       </p:sp>
@@ -17843,7 +17506,7 @@
           <a:p>
             <a:pPr lvl="0"/>
             <a:r>
-              <a:rPr lang="zh-CN" altLang="en-US" smtClean="0"/>
+              <a:rPr lang="zh-CN" altLang="en-US"/>
               <a:t>单击此处编辑母版文本样式</a:t>
             </a:r>
           </a:p>
@@ -17898,10 +17561,9 @@
           <a:lstStyle/>
           <a:p>
             <a:r>
-              <a:rPr lang="zh-CN" altLang="en-US" smtClean="0"/>
+              <a:rPr lang="zh-CN" altLang="en-US"/>
               <a:t>单击此处编辑母版标题样式</a:t>
             </a:r>
-            <a:endParaRPr lang="zh-CN" altLang="en-US"/>
           </a:p>
         </p:txBody>
       </p:sp>
@@ -17955,38 +17617,37 @@
           <a:p>
             <a:pPr lvl="0"/>
             <a:r>
-              <a:rPr lang="zh-CN" altLang="en-US" smtClean="0"/>
+              <a:rPr lang="zh-CN" altLang="en-US"/>
               <a:t>单击此处编辑母版文本样式</a:t>
             </a:r>
           </a:p>
           <a:p>
             <a:pPr lvl="1"/>
             <a:r>
-              <a:rPr lang="zh-CN" altLang="en-US" smtClean="0"/>
+              <a:rPr lang="zh-CN" altLang="en-US"/>
               <a:t>第二级</a:t>
             </a:r>
           </a:p>
           <a:p>
             <a:pPr lvl="2"/>
             <a:r>
-              <a:rPr lang="zh-CN" altLang="en-US" smtClean="0"/>
+              <a:rPr lang="zh-CN" altLang="en-US"/>
               <a:t>第三级</a:t>
             </a:r>
           </a:p>
           <a:p>
             <a:pPr lvl="3"/>
             <a:r>
-              <a:rPr lang="zh-CN" altLang="en-US" smtClean="0"/>
+              <a:rPr lang="zh-CN" altLang="en-US"/>
               <a:t>第四级</a:t>
             </a:r>
           </a:p>
           <a:p>
             <a:pPr lvl="4"/>
             <a:r>
-              <a:rPr lang="zh-CN" altLang="en-US" smtClean="0"/>
+              <a:rPr lang="zh-CN" altLang="en-US"/>
               <a:t>第五级</a:t>
             </a:r>
-            <a:endParaRPr lang="zh-CN" altLang="en-US"/>
           </a:p>
         </p:txBody>
       </p:sp>
@@ -18040,38 +17701,37 @@
           <a:p>
             <a:pPr lvl="0"/>
             <a:r>
-              <a:rPr lang="zh-CN" altLang="en-US" smtClean="0"/>
+              <a:rPr lang="zh-CN" altLang="en-US"/>
               <a:t>单击此处编辑母版文本样式</a:t>
             </a:r>
           </a:p>
           <a:p>
             <a:pPr lvl="1"/>
             <a:r>
-              <a:rPr lang="zh-CN" altLang="en-US" smtClean="0"/>
+              <a:rPr lang="zh-CN" altLang="en-US"/>
               <a:t>第二级</a:t>
             </a:r>
           </a:p>
           <a:p>
             <a:pPr lvl="2"/>
             <a:r>
-              <a:rPr lang="zh-CN" altLang="en-US" smtClean="0"/>
+              <a:rPr lang="zh-CN" altLang="en-US"/>
               <a:t>第三级</a:t>
             </a:r>
           </a:p>
           <a:p>
             <a:pPr lvl="3"/>
             <a:r>
-              <a:rPr lang="zh-CN" altLang="en-US" smtClean="0"/>
+              <a:rPr lang="zh-CN" altLang="en-US"/>
               <a:t>第四级</a:t>
             </a:r>
           </a:p>
           <a:p>
             <a:pPr lvl="4"/>
             <a:r>
-              <a:rPr lang="zh-CN" altLang="en-US" smtClean="0"/>
+              <a:rPr lang="zh-CN" altLang="en-US"/>
               <a:t>第五级</a:t>
             </a:r>
-            <a:endParaRPr lang="zh-CN" altLang="en-US"/>
           </a:p>
         </p:txBody>
       </p:sp>
@@ -18133,10 +17793,9 @@
           </a:lstStyle>
           <a:p>
             <a:r>
-              <a:rPr lang="zh-CN" altLang="en-US" smtClean="0"/>
+              <a:rPr lang="zh-CN" altLang="en-US"/>
               <a:t>单击此处编辑母版标题样式</a:t>
             </a:r>
-            <a:endParaRPr lang="zh-CN" altLang="en-US"/>
           </a:p>
         </p:txBody>
       </p:sp>
@@ -18199,7 +17858,7 @@
           <a:p>
             <a:pPr lvl="0"/>
             <a:r>
-              <a:rPr lang="zh-CN" altLang="en-US" smtClean="0"/>
+              <a:rPr lang="zh-CN" altLang="en-US"/>
               <a:t>单击此处编辑母版文本样式</a:t>
             </a:r>
           </a:p>
@@ -18255,38 +17914,37 @@
           <a:p>
             <a:pPr lvl="0"/>
             <a:r>
-              <a:rPr lang="zh-CN" altLang="en-US" smtClean="0"/>
+              <a:rPr lang="zh-CN" altLang="en-US"/>
               <a:t>单击此处编辑母版文本样式</a:t>
             </a:r>
           </a:p>
           <a:p>
             <a:pPr lvl="1"/>
             <a:r>
-              <a:rPr lang="zh-CN" altLang="en-US" smtClean="0"/>
+              <a:rPr lang="zh-CN" altLang="en-US"/>
               <a:t>第二级</a:t>
             </a:r>
           </a:p>
           <a:p>
             <a:pPr lvl="2"/>
             <a:r>
-              <a:rPr lang="zh-CN" altLang="en-US" smtClean="0"/>
+              <a:rPr lang="zh-CN" altLang="en-US"/>
               <a:t>第三级</a:t>
             </a:r>
           </a:p>
           <a:p>
             <a:pPr lvl="3"/>
             <a:r>
-              <a:rPr lang="zh-CN" altLang="en-US" smtClean="0"/>
+              <a:rPr lang="zh-CN" altLang="en-US"/>
               <a:t>第四级</a:t>
             </a:r>
           </a:p>
           <a:p>
             <a:pPr lvl="4"/>
             <a:r>
-              <a:rPr lang="zh-CN" altLang="en-US" smtClean="0"/>
+              <a:rPr lang="zh-CN" altLang="en-US"/>
               <a:t>第五级</a:t>
             </a:r>
-            <a:endParaRPr lang="zh-CN" altLang="en-US"/>
           </a:p>
         </p:txBody>
       </p:sp>
@@ -18349,7 +18007,7 @@
           <a:p>
             <a:pPr lvl="0"/>
             <a:r>
-              <a:rPr lang="zh-CN" altLang="en-US" smtClean="0"/>
+              <a:rPr lang="zh-CN" altLang="en-US"/>
               <a:t>单击此处编辑母版文本样式</a:t>
             </a:r>
           </a:p>
@@ -18405,38 +18063,37 @@
           <a:p>
             <a:pPr lvl="0"/>
             <a:r>
-              <a:rPr lang="zh-CN" altLang="en-US" smtClean="0"/>
+              <a:rPr lang="zh-CN" altLang="en-US"/>
               <a:t>单击此处编辑母版文本样式</a:t>
             </a:r>
           </a:p>
           <a:p>
             <a:pPr lvl="1"/>
             <a:r>
-              <a:rPr lang="zh-CN" altLang="en-US" smtClean="0"/>
+              <a:rPr lang="zh-CN" altLang="en-US"/>
               <a:t>第二级</a:t>
             </a:r>
           </a:p>
           <a:p>
             <a:pPr lvl="2"/>
             <a:r>
-              <a:rPr lang="zh-CN" altLang="en-US" smtClean="0"/>
+              <a:rPr lang="zh-CN" altLang="en-US"/>
               <a:t>第三级</a:t>
             </a:r>
           </a:p>
           <a:p>
             <a:pPr lvl="3"/>
             <a:r>
-              <a:rPr lang="zh-CN" altLang="en-US" smtClean="0"/>
+              <a:rPr lang="zh-CN" altLang="en-US"/>
               <a:t>第四级</a:t>
             </a:r>
           </a:p>
           <a:p>
             <a:pPr lvl="4"/>
             <a:r>
-              <a:rPr lang="zh-CN" altLang="en-US" smtClean="0"/>
+              <a:rPr lang="zh-CN" altLang="en-US"/>
               <a:t>第五级</a:t>
             </a:r>
-            <a:endParaRPr lang="zh-CN" altLang="en-US"/>
           </a:p>
         </p:txBody>
       </p:sp>
@@ -18489,10 +18146,9 @@
           <a:lstStyle/>
           <a:p>
             <a:r>
-              <a:rPr lang="zh-CN" altLang="en-US" smtClean="0"/>
+              <a:rPr lang="zh-CN" altLang="en-US"/>
               <a:t>单击此处编辑母版标题样式</a:t>
             </a:r>
-            <a:endParaRPr lang="zh-CN" altLang="en-US"/>
           </a:p>
         </p:txBody>
       </p:sp>
@@ -18587,10 +18243,9 @@
           </a:lstStyle>
           <a:p>
             <a:r>
-              <a:rPr lang="zh-CN" altLang="en-US" smtClean="0"/>
+              <a:rPr lang="zh-CN" altLang="en-US"/>
               <a:t>单击此处编辑母版标题样式</a:t>
             </a:r>
-            <a:endParaRPr lang="zh-CN" altLang="en-US"/>
           </a:p>
         </p:txBody>
       </p:sp>
@@ -18644,38 +18299,37 @@
           <a:p>
             <a:pPr lvl="0"/>
             <a:r>
-              <a:rPr lang="zh-CN" altLang="en-US" smtClean="0"/>
+              <a:rPr lang="zh-CN" altLang="en-US"/>
               <a:t>单击此处编辑母版文本样式</a:t>
             </a:r>
           </a:p>
           <a:p>
             <a:pPr lvl="1"/>
             <a:r>
-              <a:rPr lang="zh-CN" altLang="en-US" smtClean="0"/>
+              <a:rPr lang="zh-CN" altLang="en-US"/>
               <a:t>第二级</a:t>
             </a:r>
           </a:p>
           <a:p>
             <a:pPr lvl="2"/>
             <a:r>
-              <a:rPr lang="zh-CN" altLang="en-US" smtClean="0"/>
+              <a:rPr lang="zh-CN" altLang="en-US"/>
               <a:t>第三级</a:t>
             </a:r>
           </a:p>
           <a:p>
             <a:pPr lvl="3"/>
             <a:r>
-              <a:rPr lang="zh-CN" altLang="en-US" smtClean="0"/>
+              <a:rPr lang="zh-CN" altLang="en-US"/>
               <a:t>第四级</a:t>
             </a:r>
           </a:p>
           <a:p>
             <a:pPr lvl="4"/>
             <a:r>
-              <a:rPr lang="zh-CN" altLang="en-US" smtClean="0"/>
+              <a:rPr lang="zh-CN" altLang="en-US"/>
               <a:t>第五级</a:t>
             </a:r>
-            <a:endParaRPr lang="zh-CN" altLang="en-US"/>
           </a:p>
         </p:txBody>
       </p:sp>
@@ -18738,7 +18392,7 @@
           <a:p>
             <a:pPr lvl="0"/>
             <a:r>
-              <a:rPr lang="zh-CN" altLang="en-US" smtClean="0"/>
+              <a:rPr lang="zh-CN" altLang="en-US"/>
               <a:t>单击此处编辑母版文本样式</a:t>
             </a:r>
           </a:p>
@@ -18802,10 +18456,9 @@
           </a:lstStyle>
           <a:p>
             <a:r>
-              <a:rPr lang="zh-CN" altLang="en-US" smtClean="0"/>
+              <a:rPr lang="zh-CN" altLang="en-US"/>
               <a:t>单击此处编辑母版标题样式</a:t>
             </a:r>
-            <a:endParaRPr lang="zh-CN" altLang="en-US"/>
           </a:p>
         </p:txBody>
       </p:sp>
@@ -18867,7 +18520,7 @@
           </a:lstStyle>
           <a:p>
             <a:pPr lvl="0"/>
-            <a:endParaRPr lang="zh-CN" altLang="en-US" noProof="0" smtClean="0"/>
+            <a:endParaRPr lang="zh-CN" altLang="en-US" noProof="0"/>
           </a:p>
         </p:txBody>
       </p:sp>
@@ -18930,7 +18583,7 @@
           <a:p>
             <a:pPr lvl="0"/>
             <a:r>
-              <a:rPr lang="zh-CN" altLang="en-US" smtClean="0"/>
+              <a:rPr lang="zh-CN" altLang="en-US"/>
               <a:t>单击此处编辑母版文本样式</a:t>
             </a:r>
           </a:p>
@@ -19104,7 +18757,7 @@
           <a:p>
             <a:pPr lvl="0"/>
             <a:r>
-              <a:rPr lang="zh-CN" altLang="en-US" smtClean="0"/>
+              <a:rPr lang="zh-CN" altLang="en-US"/>
               <a:t>单击此处编辑母版标题样式</a:t>
             </a:r>
           </a:p>
@@ -19172,35 +18825,35 @@
           <a:p>
             <a:pPr lvl="0"/>
             <a:r>
-              <a:rPr lang="zh-CN" altLang="en-US" smtClean="0"/>
+              <a:rPr lang="zh-CN" altLang="en-US"/>
               <a:t>单击此处编辑母版文本样式</a:t>
             </a:r>
           </a:p>
           <a:p>
             <a:pPr lvl="1"/>
             <a:r>
-              <a:rPr lang="zh-CN" altLang="en-US" smtClean="0"/>
+              <a:rPr lang="zh-CN" altLang="en-US"/>
               <a:t>第二级</a:t>
             </a:r>
           </a:p>
           <a:p>
             <a:pPr lvl="2"/>
             <a:r>
-              <a:rPr lang="zh-CN" altLang="en-US" smtClean="0"/>
+              <a:rPr lang="zh-CN" altLang="en-US"/>
               <a:t>第三级</a:t>
             </a:r>
           </a:p>
           <a:p>
             <a:pPr lvl="3"/>
             <a:r>
-              <a:rPr lang="zh-CN" altLang="en-US" smtClean="0"/>
+              <a:rPr lang="zh-CN" altLang="en-US"/>
               <a:t>第四级</a:t>
             </a:r>
           </a:p>
           <a:p>
             <a:pPr lvl="4"/>
             <a:r>
-              <a:rPr lang="zh-CN" altLang="en-US" smtClean="0"/>
+              <a:rPr lang="zh-CN" altLang="en-US"/>
               <a:t>第五级</a:t>
             </a:r>
           </a:p>
@@ -19791,7 +19444,7 @@
               <a:defRPr/>
             </a:pPr>
             <a:r>
-              <a:rPr lang="en-US" altLang="zh-CN" sz="2000" b="1" smtClean="0">
+              <a:rPr lang="en-US" altLang="zh-CN" sz="2000" b="1">
                 <a:solidFill>
                   <a:srgbClr val="FFFF00"/>
                 </a:solidFill>
@@ -19800,7 +19453,7 @@
               <a:t>《</a:t>
             </a:r>
             <a:r>
-              <a:rPr lang="zh-CN" altLang="en-US" sz="2000" b="1" smtClean="0">
+              <a:rPr lang="zh-CN" altLang="en-US" sz="2000" b="1">
                 <a:solidFill>
                   <a:srgbClr val="FFFF00"/>
                 </a:solidFill>
@@ -19809,7 +19462,7 @@
               <a:t>软件测试与质量保证</a:t>
             </a:r>
             <a:r>
-              <a:rPr lang="en-US" altLang="zh-CN" sz="2000" b="1" smtClean="0">
+              <a:rPr lang="en-US" altLang="zh-CN" sz="2000" b="1">
                 <a:solidFill>
                   <a:srgbClr val="FFFF00"/>
                 </a:solidFill>
@@ -19818,7 +19471,7 @@
               <a:t>》</a:t>
             </a:r>
             <a:r>
-              <a:rPr lang="zh-CN" altLang="en-US" sz="2000" b="1" smtClean="0">
+              <a:rPr lang="zh-CN" altLang="en-US" sz="2000" b="1">
                 <a:solidFill>
                   <a:srgbClr val="FFFF00"/>
                 </a:solidFill>
@@ -20027,63 +19680,6 @@
           </a:p>
         </p:txBody>
       </p:sp>
-      <p:sp>
-        <p:nvSpPr>
-          <p:cNvPr id="21" name="矩形 20"/>
-          <p:cNvSpPr/>
-          <p:nvPr userDrawn="1"/>
-        </p:nvSpPr>
-        <p:spPr>
-          <a:xfrm>
-            <a:off x="7164288" y="6584034"/>
-            <a:ext cx="2160241" cy="307777"/>
-          </a:xfrm>
-          <a:prstGeom prst="rect">
-            <a:avLst/>
-          </a:prstGeom>
-          <a:noFill/>
-        </p:spPr>
-        <p:txBody>
-          <a:bodyPr wrap="square" lIns="91440" tIns="45720" rIns="91440" bIns="45720">
-            <a:spAutoFit/>
-          </a:bodyPr>
-          <a:lstStyle/>
-          <a:p>
-            <a:pPr algn="ctr">
-              <a:buNone/>
-            </a:pPr>
-            <a:r>
-              <a:rPr lang="zh-CN" altLang="en-US" sz="1400" b="1" cap="none" spc="0" dirty="0" smtClean="0">
-                <a:ln w="0"/>
-                <a:solidFill>
-                  <a:srgbClr val="FFFF00"/>
-                </a:solidFill>
-                <a:effectLst>
-                  <a:outerShdw blurRad="38100" dist="19050" dir="2700000" algn="tl" rotWithShape="0">
-                    <a:schemeClr val="dk1">
-                      <a:alpha val="40000"/>
-                    </a:schemeClr>
-                  </a:outerShdw>
-                </a:effectLst>
-              </a:rPr>
-              <a:t>哈尔滨信息工程学院</a:t>
-            </a:r>
-            <a:endParaRPr lang="zh-CN" altLang="en-US" sz="1400" b="1" cap="none" spc="0" dirty="0">
-              <a:ln w="0"/>
-              <a:solidFill>
-                <a:srgbClr val="FFFF00"/>
-              </a:solidFill>
-              <a:effectLst>
-                <a:outerShdw blurRad="38100" dist="19050" dir="2700000" algn="tl" rotWithShape="0">
-                  <a:schemeClr val="dk1">
-                    <a:alpha val="40000"/>
-                  </a:schemeClr>
-                </a:outerShdw>
-              </a:effectLst>
-            </a:endParaRPr>
-          </a:p>
-        </p:txBody>
-      </p:sp>
     </p:spTree>
   </p:cSld>
   <p:clrMap bg1="lt1" tx1="dk1" bg2="lt2" tx2="dk2" accent1="accent1" accent2="accent2" accent3="accent3" accent4="accent4" accent5="accent5" accent6="accent6" hlink="hlink" folHlink="folHlink"/>
@@ -20104,13 +19700,6 @@
   <p:transition>
     <p:zoom/>
   </p:transition>
-  <p:timing>
-    <p:tnLst>
-      <p:par>
-        <p:cTn id="1" dur="indefinite" restart="never" nodeType="tmRoot"/>
-      </p:par>
-    </p:tnLst>
-  </p:timing>
   <p:txStyles>
     <p:titleStyle>
       <a:lvl1pPr algn="ctr" rtl="0" eaLnBrk="0" fontAlgn="base" hangingPunct="0">
@@ -20566,15 +20155,15 @@
           <a:p>
             <a:pPr eaLnBrk="1" hangingPunct="1"/>
             <a:r>
-              <a:rPr lang="zh-CN" altLang="en-US" smtClean="0"/>
+              <a:rPr lang="zh-CN" altLang="en-US"/>
               <a:t>第</a:t>
             </a:r>
             <a:r>
-              <a:rPr lang="en-US" altLang="zh-CN" smtClean="0"/>
+              <a:rPr lang="en-US" altLang="zh-CN"/>
               <a:t>1</a:t>
             </a:r>
             <a:r>
-              <a:rPr lang="zh-CN" altLang="en-US" smtClean="0"/>
+              <a:rPr lang="zh-CN" altLang="en-US"/>
               <a:t>章   软件质量的概念 </a:t>
             </a:r>
           </a:p>
@@ -20588,13 +20177,6 @@
   <p:transition>
     <p:zoom/>
   </p:transition>
-  <p:timing>
-    <p:tnLst>
-      <p:par>
-        <p:cTn id="1" dur="indefinite" restart="never" nodeType="tmRoot"/>
-      </p:par>
-    </p:tnLst>
-  </p:timing>
 </p:sld>
 </file>
 
@@ -20632,11 +20214,11 @@
           <a:p>
             <a:pPr eaLnBrk="1" hangingPunct="1"/>
             <a:r>
-              <a:rPr lang="en-US" altLang="zh-CN" smtClean="0"/>
+              <a:rPr lang="en-US" altLang="zh-CN"/>
               <a:t>1.2  </a:t>
             </a:r>
             <a:r>
-              <a:rPr lang="zh-CN" altLang="en-US" smtClean="0"/>
+              <a:rPr lang="zh-CN" altLang="en-US"/>
               <a:t>软件质量模型 </a:t>
             </a:r>
           </a:p>
@@ -20663,39 +20245,39 @@
               </a:lnSpc>
             </a:pPr>
             <a:r>
-              <a:rPr lang="en-US" altLang="zh-CN" smtClean="0"/>
+              <a:rPr lang="en-US" altLang="zh-CN"/>
               <a:t>		</a:t>
             </a:r>
             <a:r>
-              <a:rPr lang="zh-CN" altLang="en-US" sz="3200" smtClean="0"/>
+              <a:rPr lang="zh-CN" altLang="en-US" sz="3200"/>
               <a:t>概述：</a:t>
             </a:r>
             <a:r>
-              <a:rPr lang="zh-CN" altLang="en-US" smtClean="0"/>
+              <a:rPr lang="zh-CN" altLang="en-US"/>
               <a:t>计算机界对软件质量的属性进行了较多的研究，得到了一些有效的质量模型，包括</a:t>
             </a:r>
             <a:r>
-              <a:rPr lang="en-US" altLang="zh-CN" smtClean="0"/>
+              <a:rPr lang="en-US" altLang="zh-CN"/>
               <a:t>McCall</a:t>
             </a:r>
             <a:r>
-              <a:rPr lang="zh-CN" altLang="en-US" smtClean="0"/>
+              <a:rPr lang="zh-CN" altLang="en-US"/>
               <a:t>模型、</a:t>
             </a:r>
             <a:r>
-              <a:rPr lang="en-US" altLang="zh-CN" smtClean="0"/>
+              <a:rPr lang="en-US" altLang="zh-CN"/>
               <a:t>Boehm</a:t>
             </a:r>
             <a:r>
-              <a:rPr lang="zh-CN" altLang="en-US" smtClean="0"/>
+              <a:rPr lang="zh-CN" altLang="en-US"/>
               <a:t>模型、</a:t>
             </a:r>
             <a:r>
-              <a:rPr lang="en-US" altLang="zh-CN" smtClean="0"/>
+              <a:rPr lang="en-US" altLang="zh-CN"/>
               <a:t>ISO9126</a:t>
             </a:r>
             <a:r>
-              <a:rPr lang="zh-CN" altLang="en-US" smtClean="0"/>
+              <a:rPr lang="zh-CN" altLang="en-US"/>
               <a:t>模型。 </a:t>
             </a:r>
           </a:p>
@@ -20709,13 +20291,6 @@
   <p:transition>
     <p:zoom/>
   </p:transition>
-  <p:timing>
-    <p:tnLst>
-      <p:par>
-        <p:cTn id="1" dur="indefinite" restart="never" nodeType="tmRoot"/>
-      </p:par>
-    </p:tnLst>
-  </p:timing>
 </p:sld>
 </file>
 
@@ -20753,11 +20328,11 @@
           <a:p>
             <a:pPr eaLnBrk="1" hangingPunct="1"/>
             <a:r>
-              <a:rPr lang="en-US" altLang="zh-CN" smtClean="0"/>
+              <a:rPr lang="en-US" altLang="zh-CN"/>
               <a:t>1.2 .1 McCall</a:t>
             </a:r>
             <a:r>
-              <a:rPr lang="zh-CN" altLang="en-US" smtClean="0"/>
+              <a:rPr lang="zh-CN" altLang="en-US"/>
               <a:t>模型 </a:t>
             </a:r>
           </a:p>
@@ -23103,11 +22678,11 @@
           <a:p>
             <a:pPr eaLnBrk="1" hangingPunct="1"/>
             <a:r>
-              <a:rPr lang="en-US" altLang="zh-CN" smtClean="0"/>
+              <a:rPr lang="en-US" altLang="zh-CN"/>
               <a:t>1.2 .2  Boehm</a:t>
             </a:r>
             <a:r>
-              <a:rPr lang="zh-CN" altLang="en-US" smtClean="0"/>
+              <a:rPr lang="zh-CN" altLang="en-US"/>
               <a:t>质量模型 </a:t>
             </a:r>
           </a:p>
@@ -23139,31 +22714,23 @@
               </a:lnSpc>
             </a:pPr>
             <a:r>
-              <a:rPr lang="en-US" altLang="zh-CN" dirty="0" smtClean="0"/>
+              <a:rPr lang="en-US" altLang="zh-CN" dirty="0"/>
               <a:t>1</a:t>
             </a:r>
             <a:r>
-              <a:rPr lang="zh-CN" altLang="en-US" dirty="0" smtClean="0"/>
+              <a:rPr lang="zh-CN" altLang="en-US" dirty="0"/>
               <a:t>、</a:t>
             </a:r>
             <a:r>
-              <a:rPr lang="en-US" altLang="zh-CN" dirty="0" smtClean="0"/>
+              <a:rPr lang="en-US" altLang="zh-CN" dirty="0"/>
               <a:t>Boehm</a:t>
             </a:r>
             <a:r>
-              <a:rPr lang="zh-CN" altLang="en-US" dirty="0" smtClean="0"/>
-              <a:t>质量模型见</a:t>
-            </a:r>
-            <a:r>
               <a:rPr lang="zh-CN" altLang="en-US" dirty="0"/>
-              <a:t>书</a:t>
-            </a:r>
-            <a:r>
-              <a:rPr lang="zh-CN" altLang="en-US" dirty="0" smtClean="0"/>
-              <a:t>图</a:t>
-            </a:r>
-            <a:r>
-              <a:rPr lang="en-US" altLang="zh-CN" dirty="0" smtClean="0"/>
+              <a:t>质量模型见书图</a:t>
+            </a:r>
+            <a:r>
+              <a:rPr lang="en-US" altLang="zh-CN" dirty="0"/>
               <a:t>1-2</a:t>
             </a:r>
           </a:p>
@@ -23174,19 +22741,19 @@
               </a:lnSpc>
             </a:pPr>
             <a:r>
-              <a:rPr lang="en-US" altLang="zh-CN" dirty="0" smtClean="0"/>
+              <a:rPr lang="en-US" altLang="zh-CN" dirty="0"/>
               <a:t>2</a:t>
             </a:r>
             <a:r>
-              <a:rPr lang="zh-CN" altLang="en-US" dirty="0" smtClean="0"/>
+              <a:rPr lang="zh-CN" altLang="en-US" dirty="0"/>
               <a:t>、</a:t>
             </a:r>
             <a:r>
-              <a:rPr lang="en-US" altLang="zh-CN" dirty="0" smtClean="0"/>
+              <a:rPr lang="en-US" altLang="zh-CN" dirty="0"/>
               <a:t>Boehm</a:t>
             </a:r>
             <a:r>
-              <a:rPr lang="zh-CN" altLang="en-US" dirty="0" smtClean="0"/>
+              <a:rPr lang="zh-CN" altLang="en-US" dirty="0"/>
               <a:t>质量模型的特点：</a:t>
             </a:r>
           </a:p>
@@ -23199,11 +22766,11 @@
               <a:buChar char="v"/>
             </a:pPr>
             <a:r>
-              <a:rPr lang="en-US" altLang="zh-CN" dirty="0" smtClean="0"/>
+              <a:rPr lang="en-US" altLang="zh-CN" dirty="0"/>
               <a:t>Boehm</a:t>
             </a:r>
             <a:r>
-              <a:rPr lang="zh-CN" altLang="en-US" dirty="0" smtClean="0"/>
+              <a:rPr lang="zh-CN" altLang="en-US" dirty="0"/>
               <a:t>质量模型为分层结构。</a:t>
             </a:r>
           </a:p>
@@ -23216,19 +22783,19 @@
               <a:buChar char="v"/>
             </a:pPr>
             <a:r>
-              <a:rPr lang="en-US" altLang="zh-CN" dirty="0" smtClean="0"/>
+              <a:rPr lang="en-US" altLang="zh-CN" dirty="0"/>
               <a:t>Boehm</a:t>
             </a:r>
             <a:r>
-              <a:rPr lang="zh-CN" altLang="en-US" dirty="0" smtClean="0"/>
+              <a:rPr lang="zh-CN" altLang="en-US" dirty="0"/>
               <a:t>质量模型包含了</a:t>
             </a:r>
             <a:r>
-              <a:rPr lang="en-US" altLang="zh-CN" dirty="0" smtClean="0"/>
+              <a:rPr lang="en-US" altLang="zh-CN" dirty="0"/>
               <a:t>McCall</a:t>
             </a:r>
             <a:r>
-              <a:rPr lang="zh-CN" altLang="en-US" dirty="0" smtClean="0"/>
+              <a:rPr lang="zh-CN" altLang="en-US" dirty="0"/>
               <a:t>模型中没有的硬件特性。</a:t>
             </a:r>
           </a:p>
@@ -23241,15 +22808,15 @@
               <a:buChar char="v"/>
             </a:pPr>
             <a:r>
-              <a:rPr lang="en-US" altLang="zh-CN" dirty="0" smtClean="0"/>
+              <a:rPr lang="en-US" altLang="zh-CN" dirty="0"/>
               <a:t>Boehm</a:t>
             </a:r>
             <a:r>
-              <a:rPr lang="zh-CN" altLang="en-US" dirty="0" smtClean="0"/>
+              <a:rPr lang="zh-CN" altLang="en-US" dirty="0"/>
               <a:t>质量模型从软件的整体效用，并考虑了系统交付后</a:t>
             </a:r>
             <a:r>
-              <a:rPr lang="zh-CN" altLang="en-US" dirty="0" smtClean="0">
+              <a:rPr lang="zh-CN" altLang="en-US" dirty="0">
                 <a:solidFill>
                   <a:srgbClr val="FF0000"/>
                 </a:solidFill>
@@ -23257,15 +22824,15 @@
               <a:t>不同类型的用户的需求</a:t>
             </a:r>
             <a:r>
-              <a:rPr lang="zh-CN" altLang="en-US" dirty="0" smtClean="0"/>
+              <a:rPr lang="zh-CN" altLang="en-US" dirty="0"/>
               <a:t>，因此，</a:t>
             </a:r>
             <a:r>
-              <a:rPr lang="en-US" altLang="zh-CN" dirty="0" smtClean="0"/>
+              <a:rPr lang="en-US" altLang="zh-CN" dirty="0"/>
               <a:t>Boehm</a:t>
             </a:r>
             <a:r>
-              <a:rPr lang="zh-CN" altLang="en-US" dirty="0" smtClean="0"/>
+              <a:rPr lang="zh-CN" altLang="en-US" dirty="0"/>
               <a:t>模型反映了对软件质量的全过程理解，即软件做了用户要它做的；有效地使用系统资源；易于用户学习和使用；易于测试和维护。 </a:t>
             </a:r>
           </a:p>
@@ -23620,11 +23187,11 @@
           <a:p>
             <a:pPr eaLnBrk="1" hangingPunct="1"/>
             <a:r>
-              <a:rPr lang="en-US" altLang="zh-CN" smtClean="0"/>
+              <a:rPr lang="en-US" altLang="zh-CN"/>
               <a:t>1.2 .3  ISO/IEC9126</a:t>
             </a:r>
             <a:r>
-              <a:rPr lang="zh-CN" altLang="en-US" smtClean="0"/>
+              <a:rPr lang="zh-CN" altLang="en-US"/>
               <a:t>质量模型 </a:t>
             </a:r>
           </a:p>
@@ -23837,16 +23404,10 @@
               <a:t>	1</a:t>
             </a:r>
             <a:r>
-              <a:rPr lang="zh-CN" altLang="en-US" b="1" dirty="0" smtClean="0">
-                <a:latin typeface="宋体" panose="02010600030101010101" pitchFamily="2" charset="-122"/>
-              </a:rPr>
-              <a:t>、包含的质量</a:t>
-            </a:r>
-            <a:r>
               <a:rPr lang="zh-CN" altLang="en-US" b="1" dirty="0">
                 <a:latin typeface="宋体" panose="02010600030101010101" pitchFamily="2" charset="-122"/>
               </a:rPr>
-              <a:t>	</a:t>
+              <a:t>、包含的质量	</a:t>
             </a:r>
           </a:p>
           <a:p>
@@ -24038,11 +23599,11 @@
           <a:p>
             <a:pPr eaLnBrk="1" hangingPunct="1"/>
             <a:r>
-              <a:rPr lang="en-US" altLang="zh-CN" smtClean="0"/>
+              <a:rPr lang="en-US" altLang="zh-CN"/>
               <a:t>1.2 .3  ISO/IEC9126</a:t>
             </a:r>
             <a:r>
-              <a:rPr lang="zh-CN" altLang="en-US" smtClean="0"/>
+              <a:rPr lang="zh-CN" altLang="en-US"/>
               <a:t>质量模型 </a:t>
             </a:r>
           </a:p>
@@ -24080,13 +23641,6 @@
   <p:transition>
     <p:zoom/>
   </p:transition>
-  <p:timing>
-    <p:tnLst>
-      <p:par>
-        <p:cTn id="1" dur="indefinite" restart="never" nodeType="tmRoot"/>
-      </p:par>
-    </p:tnLst>
-  </p:timing>
 </p:sld>
 </file>
 
@@ -24129,11 +23683,11 @@
           <a:p>
             <a:pPr eaLnBrk="1" hangingPunct="1"/>
             <a:r>
-              <a:rPr lang="en-US" altLang="zh-CN" smtClean="0"/>
+              <a:rPr lang="en-US" altLang="zh-CN"/>
               <a:t>1.2 .3  ISO/IEC9126</a:t>
             </a:r>
             <a:r>
-              <a:rPr lang="zh-CN" altLang="en-US" smtClean="0"/>
+              <a:rPr lang="zh-CN" altLang="en-US"/>
               <a:t>质量模型 </a:t>
             </a:r>
           </a:p>
@@ -24171,13 +23725,6 @@
   <p:transition>
     <p:zoom/>
   </p:transition>
-  <p:timing>
-    <p:tnLst>
-      <p:par>
-        <p:cTn id="1" dur="indefinite" restart="never" nodeType="tmRoot"/>
-      </p:par>
-    </p:tnLst>
-  </p:timing>
 </p:sld>
 </file>
 
@@ -24220,11 +23767,11 @@
           <a:p>
             <a:pPr eaLnBrk="1" hangingPunct="1"/>
             <a:r>
-              <a:rPr lang="en-US" altLang="zh-CN" dirty="0" smtClean="0"/>
+              <a:rPr lang="en-US" altLang="zh-CN" dirty="0"/>
               <a:t>1.2 .3  </a:t>
             </a:r>
             <a:r>
-              <a:rPr lang="zh-CN" altLang="en-US" dirty="0" smtClean="0"/>
+              <a:rPr lang="zh-CN" altLang="en-US" dirty="0"/>
               <a:t>质量模型小结</a:t>
             </a:r>
           </a:p>
@@ -24431,18 +23978,18 @@
               <a:buNone/>
             </a:pPr>
             <a:r>
-              <a:rPr lang="en-US" altLang="zh-CN" b="1" dirty="0" smtClean="0">
+              <a:rPr lang="en-US" altLang="zh-CN" b="1" dirty="0">
                 <a:latin typeface="宋体" panose="02010600030101010101" pitchFamily="2" charset="-122"/>
               </a:rPr>
               <a:t>1</a:t>
             </a:r>
             <a:r>
-              <a:rPr lang="zh-CN" altLang="en-US" b="1" dirty="0" smtClean="0">
+              <a:rPr lang="zh-CN" altLang="en-US" b="1" dirty="0">
                 <a:latin typeface="宋体" panose="02010600030101010101" pitchFamily="2" charset="-122"/>
               </a:rPr>
               <a:t>、各模型属性集大致相同，但也有不同</a:t>
             </a:r>
-            <a:endParaRPr lang="en-US" altLang="zh-CN" b="1" dirty="0" smtClean="0">
+            <a:endParaRPr lang="en-US" altLang="zh-CN" b="1" dirty="0">
               <a:latin typeface="宋体" panose="02010600030101010101" pitchFamily="2" charset="-122"/>
             </a:endParaRPr>
           </a:p>
@@ -24461,7 +24008,7 @@
               <a:buFont typeface="Wingdings" panose="05000000000000000000" pitchFamily="2" charset="2"/>
               <a:buNone/>
             </a:pPr>
-            <a:endParaRPr lang="en-US" altLang="zh-CN" b="1" dirty="0" smtClean="0">
+            <a:endParaRPr lang="en-US" altLang="zh-CN" b="1" dirty="0">
               <a:latin typeface="宋体" panose="02010600030101010101" pitchFamily="2" charset="-122"/>
             </a:endParaRPr>
           </a:p>
@@ -24481,24 +24028,18 @@
               <a:buNone/>
             </a:pPr>
             <a:r>
-              <a:rPr lang="en-US" altLang="zh-CN" b="1" dirty="0" smtClean="0">
+              <a:rPr lang="en-US" altLang="zh-CN" b="1" dirty="0">
                 <a:latin typeface="宋体" panose="02010600030101010101" pitchFamily="2" charset="-122"/>
               </a:rPr>
               <a:t>2</a:t>
             </a:r>
             <a:r>
-              <a:rPr lang="zh-CN" altLang="en-US" b="1" dirty="0" smtClean="0">
-                <a:latin typeface="宋体" panose="02010600030101010101" pitchFamily="2" charset="-122"/>
-              </a:rPr>
-              <a:t>、依赖人们的意志，不同的时期，不同的应用领域</a:t>
-            </a:r>
-            <a:r>
               <a:rPr lang="zh-CN" altLang="en-US" b="1" dirty="0">
                 <a:latin typeface="宋体" panose="02010600030101010101" pitchFamily="2" charset="-122"/>
               </a:rPr>
-              <a:t>	</a:t>
-            </a:r>
-            <a:endParaRPr lang="en-US" altLang="zh-CN" b="1" dirty="0" smtClean="0">
+              <a:t>、依赖人们的意志，不同的时期，不同的应用领域	</a:t>
+            </a:r>
+            <a:endParaRPr lang="en-US" altLang="zh-CN" b="1" dirty="0">
               <a:latin typeface="宋体" panose="02010600030101010101" pitchFamily="2" charset="-122"/>
             </a:endParaRPr>
           </a:p>
@@ -24517,7 +24058,7 @@
               <a:buFont typeface="Wingdings" panose="05000000000000000000" pitchFamily="2" charset="2"/>
               <a:buNone/>
             </a:pPr>
-            <a:endParaRPr lang="en-US" altLang="zh-CN" b="1" dirty="0" smtClean="0">
+            <a:endParaRPr lang="en-US" altLang="zh-CN" b="1" dirty="0">
               <a:latin typeface="宋体" panose="02010600030101010101" pitchFamily="2" charset="-122"/>
             </a:endParaRPr>
           </a:p>
@@ -24537,36 +24078,36 @@
               <a:buNone/>
             </a:pPr>
             <a:r>
-              <a:rPr lang="en-US" altLang="zh-CN" b="1" dirty="0" err="1" smtClean="0">
+              <a:rPr lang="en-US" altLang="zh-CN" b="1" dirty="0" err="1">
                 <a:latin typeface="宋体" panose="02010600030101010101" pitchFamily="2" charset="-122"/>
               </a:rPr>
               <a:t>Eg</a:t>
             </a:r>
             <a:r>
-              <a:rPr lang="en-US" altLang="zh-CN" b="1" dirty="0" smtClean="0">
+              <a:rPr lang="en-US" altLang="zh-CN" b="1" dirty="0">
                 <a:latin typeface="宋体" panose="02010600030101010101" pitchFamily="2" charset="-122"/>
               </a:rPr>
               <a:t>: </a:t>
             </a:r>
             <a:r>
-              <a:rPr lang="zh-CN" altLang="en-US" b="1" dirty="0" smtClean="0">
+              <a:rPr lang="zh-CN" altLang="en-US" b="1" dirty="0">
                 <a:latin typeface="宋体" panose="02010600030101010101" pitchFamily="2" charset="-122"/>
               </a:rPr>
               <a:t>后台系统</a:t>
             </a:r>
             <a:r>
-              <a:rPr lang="en-US" altLang="zh-CN" b="1" dirty="0" smtClean="0">
+              <a:rPr lang="en-US" altLang="zh-CN" b="1" dirty="0">
                 <a:latin typeface="宋体" panose="02010600030101010101" pitchFamily="2" charset="-122"/>
               </a:rPr>
               <a:t>-》</a:t>
             </a:r>
             <a:r>
-              <a:rPr lang="zh-CN" altLang="en-US" b="1" dirty="0" smtClean="0">
+              <a:rPr lang="zh-CN" altLang="en-US" b="1" dirty="0">
                 <a:latin typeface="宋体" panose="02010600030101010101" pitchFamily="2" charset="-122"/>
               </a:rPr>
               <a:t>金融系统</a:t>
             </a:r>
-            <a:endParaRPr lang="en-US" altLang="zh-CN" b="1" dirty="0" smtClean="0">
+            <a:endParaRPr lang="en-US" altLang="zh-CN" b="1" dirty="0">
               <a:latin typeface="宋体" panose="02010600030101010101" pitchFamily="2" charset="-122"/>
             </a:endParaRPr>
           </a:p>
@@ -24585,7 +24126,7 @@
               <a:buFont typeface="Wingdings" panose="05000000000000000000" pitchFamily="2" charset="2"/>
               <a:buNone/>
             </a:pPr>
-            <a:endParaRPr lang="en-US" altLang="zh-CN" b="1" dirty="0" smtClean="0">
+            <a:endParaRPr lang="en-US" altLang="zh-CN" b="1" dirty="0">
               <a:latin typeface="宋体" panose="02010600030101010101" pitchFamily="2" charset="-122"/>
             </a:endParaRPr>
           </a:p>
@@ -24608,35 +24149,26 @@
               <a:rPr lang="en-US" altLang="zh-CN" b="1" dirty="0">
                 <a:latin typeface="宋体" panose="02010600030101010101" pitchFamily="2" charset="-122"/>
               </a:rPr>
-              <a:t> </a:t>
-            </a:r>
-            <a:r>
-              <a:rPr lang="en-US" altLang="zh-CN" b="1" dirty="0" smtClean="0">
-                <a:latin typeface="宋体" panose="02010600030101010101" pitchFamily="2" charset="-122"/>
-              </a:rPr>
-              <a:t>   </a:t>
-            </a:r>
-            <a:r>
-              <a:rPr lang="zh-CN" altLang="en-US" b="1" dirty="0" smtClean="0">
+              <a:t>    </a:t>
+            </a:r>
+            <a:r>
+              <a:rPr lang="zh-CN" altLang="en-US" b="1" dirty="0">
                 <a:latin typeface="宋体" panose="02010600030101010101" pitchFamily="2" charset="-122"/>
               </a:rPr>
               <a:t>几百人用的</a:t>
             </a:r>
             <a:r>
-              <a:rPr lang="en-US" altLang="zh-CN" b="1" dirty="0" smtClean="0">
+              <a:rPr lang="en-US" altLang="zh-CN" b="1" dirty="0">
                 <a:latin typeface="宋体" panose="02010600030101010101" pitchFamily="2" charset="-122"/>
               </a:rPr>
               <a:t>-》</a:t>
             </a:r>
             <a:r>
-              <a:rPr lang="zh-CN" altLang="en-US" b="1" dirty="0" smtClean="0">
+              <a:rPr lang="zh-CN" altLang="en-US" b="1" dirty="0">
                 <a:latin typeface="宋体" panose="02010600030101010101" pitchFamily="2" charset="-122"/>
               </a:rPr>
               <a:t>几亿人系统</a:t>
             </a:r>
-            <a:endParaRPr lang="zh-CN" altLang="en-US" b="1" dirty="0">
-              <a:latin typeface="宋体" panose="02010600030101010101" pitchFamily="2" charset="-122"/>
-            </a:endParaRPr>
           </a:p>
           <a:p>
             <a:pPr eaLnBrk="1" hangingPunct="1">
@@ -24803,11 +24335,11 @@
           <a:p>
             <a:pPr eaLnBrk="1" hangingPunct="1"/>
             <a:r>
-              <a:rPr lang="en-US" altLang="zh-CN" smtClean="0"/>
+              <a:rPr lang="en-US" altLang="zh-CN"/>
               <a:t>1.3 </a:t>
             </a:r>
             <a:r>
-              <a:rPr lang="zh-CN" altLang="en-US" smtClean="0"/>
+              <a:rPr lang="zh-CN" altLang="en-US"/>
               <a:t>软件缺陷 </a:t>
             </a:r>
           </a:p>
@@ -24840,7 +24372,7 @@
               </a:lnSpc>
             </a:pPr>
             <a:r>
-              <a:rPr lang="zh-CN" altLang="en-US" smtClean="0"/>
+              <a:rPr lang="zh-CN" altLang="en-US"/>
               <a:t>本小节包含四个方面的内容：</a:t>
             </a:r>
           </a:p>
@@ -24851,11 +24383,11 @@
               </a:lnSpc>
             </a:pPr>
             <a:r>
-              <a:rPr lang="en-US" altLang="zh-CN" smtClean="0"/>
+              <a:rPr lang="en-US" altLang="zh-CN"/>
               <a:t>1.3.0 </a:t>
             </a:r>
             <a:r>
-              <a:rPr lang="zh-CN" altLang="en-US" smtClean="0"/>
+              <a:rPr lang="zh-CN" altLang="en-US"/>
               <a:t>软件缺陷案例</a:t>
             </a:r>
           </a:p>
@@ -24866,11 +24398,11 @@
               </a:lnSpc>
             </a:pPr>
             <a:r>
-              <a:rPr lang="en-US" altLang="zh-CN" smtClean="0"/>
+              <a:rPr lang="en-US" altLang="zh-CN"/>
               <a:t>1.3.1 </a:t>
             </a:r>
             <a:r>
-              <a:rPr lang="zh-CN" altLang="en-US" smtClean="0"/>
+              <a:rPr lang="zh-CN" altLang="en-US"/>
               <a:t>软件缺陷的定义</a:t>
             </a:r>
           </a:p>
@@ -24881,11 +24413,11 @@
               </a:lnSpc>
             </a:pPr>
             <a:r>
-              <a:rPr lang="en-US" altLang="zh-CN" smtClean="0"/>
+              <a:rPr lang="en-US" altLang="zh-CN"/>
               <a:t>1.3.2 </a:t>
             </a:r>
             <a:r>
-              <a:rPr lang="zh-CN" altLang="en-US" smtClean="0"/>
+              <a:rPr lang="zh-CN" altLang="en-US"/>
               <a:t>软件缺陷产生的原因</a:t>
             </a:r>
           </a:p>
@@ -24896,11 +24428,11 @@
               </a:lnSpc>
             </a:pPr>
             <a:r>
-              <a:rPr lang="en-US" altLang="zh-CN" smtClean="0"/>
+              <a:rPr lang="en-US" altLang="zh-CN"/>
               <a:t>1.3.3  </a:t>
             </a:r>
             <a:r>
-              <a:rPr lang="zh-CN" altLang="en-US" smtClean="0"/>
+              <a:rPr lang="zh-CN" altLang="en-US"/>
               <a:t>软件缺陷的分类</a:t>
             </a:r>
           </a:p>
@@ -25176,11 +24708,11 @@
           <a:p>
             <a:pPr eaLnBrk="1" hangingPunct="1"/>
             <a:r>
-              <a:rPr lang="en-US" altLang="zh-CN" smtClean="0"/>
+              <a:rPr lang="en-US" altLang="zh-CN"/>
               <a:t>1.3.0 </a:t>
             </a:r>
             <a:r>
-              <a:rPr lang="zh-CN" altLang="en-US" smtClean="0"/>
+              <a:rPr lang="zh-CN" altLang="en-US"/>
               <a:t>软件缺陷案例</a:t>
             </a:r>
           </a:p>
@@ -25207,36 +24739,36 @@
           <a:lstStyle/>
           <a:p>
             <a:r>
-              <a:rPr lang="en-US" altLang="zh-CN" b="0" dirty="0" smtClean="0"/>
+              <a:rPr lang="en-US" altLang="zh-CN" b="0" dirty="0"/>
               <a:t>2011.7.23</a:t>
             </a:r>
             <a:r>
-              <a:rPr lang="zh-CN" altLang="en-US" b="0" dirty="0" smtClean="0"/>
+              <a:rPr lang="zh-CN" altLang="en-US" b="0" dirty="0"/>
               <a:t>浙江温州</a:t>
             </a:r>
-            <a:endParaRPr lang="en-US" altLang="zh-CN" b="0" dirty="0" smtClean="0"/>
+            <a:endParaRPr lang="en-US" altLang="zh-CN" b="0" dirty="0"/>
           </a:p>
           <a:p>
             <a:r>
-              <a:rPr lang="zh-CN" altLang="en-US" b="0" dirty="0" smtClean="0"/>
+              <a:rPr lang="zh-CN" altLang="en-US" b="0" dirty="0"/>
               <a:t>境内</a:t>
             </a:r>
             <a:r>
-              <a:rPr lang="en-US" altLang="zh-CN" b="0" dirty="0" smtClean="0"/>
+              <a:rPr lang="en-US" altLang="zh-CN" b="0" dirty="0"/>
               <a:t>2</a:t>
             </a:r>
             <a:r>
-              <a:rPr lang="zh-CN" altLang="en-US" b="0" dirty="0" smtClean="0"/>
+              <a:rPr lang="zh-CN" altLang="en-US" b="0" dirty="0"/>
               <a:t>动车追尾重大</a:t>
             </a:r>
-            <a:endParaRPr lang="en-US" altLang="zh-CN" b="0" dirty="0" smtClean="0"/>
+            <a:endParaRPr lang="en-US" altLang="zh-CN" b="0" dirty="0"/>
           </a:p>
           <a:p>
             <a:r>
-              <a:rPr lang="zh-CN" altLang="en-US" b="0" dirty="0" smtClean="0"/>
+              <a:rPr lang="zh-CN" altLang="en-US" b="0" dirty="0"/>
               <a:t>事故！</a:t>
             </a:r>
-            <a:endParaRPr lang="en-US" altLang="zh-CN" b="0" dirty="0" smtClean="0"/>
+            <a:endParaRPr lang="en-US" altLang="zh-CN" b="0" dirty="0"/>
           </a:p>
           <a:p>
             <a:r>
@@ -25252,26 +24784,22 @@
               <a:t>172</a:t>
             </a:r>
             <a:r>
-              <a:rPr lang="zh-CN" altLang="en-US" b="0" dirty="0" smtClean="0"/>
+              <a:rPr lang="zh-CN" altLang="en-US" b="0" dirty="0"/>
               <a:t>人受</a:t>
             </a:r>
-            <a:endParaRPr lang="en-US" altLang="zh-CN" b="0" dirty="0" smtClean="0"/>
+            <a:endParaRPr lang="en-US" altLang="zh-CN" b="0" dirty="0"/>
           </a:p>
           <a:p>
             <a:r>
-              <a:rPr lang="zh-CN" altLang="en-US" b="0" dirty="0" smtClean="0"/>
-              <a:t>伤</a:t>
-            </a:r>
-            <a:r>
               <a:rPr lang="zh-CN" altLang="en-US" b="0" dirty="0"/>
-              <a:t>，中断行车</a:t>
+              <a:t>伤，中断行车</a:t>
             </a:r>
             <a:r>
               <a:rPr lang="en-US" altLang="zh-CN" b="0" dirty="0"/>
               <a:t>32</a:t>
             </a:r>
             <a:r>
-              <a:rPr lang="zh-CN" altLang="en-US" b="0" dirty="0" smtClean="0"/>
+              <a:rPr lang="zh-CN" altLang="en-US" b="0" dirty="0"/>
               <a:t>小时</a:t>
             </a:r>
             <a:endParaRPr lang="zh-CN" altLang="en-US" dirty="0"/>
@@ -25327,13 +24855,6 @@
   <p:transition>
     <p:zoom/>
   </p:transition>
-  <p:timing>
-    <p:tnLst>
-      <p:par>
-        <p:cTn id="1" dur="indefinite" restart="never" nodeType="tmRoot"/>
-      </p:par>
-    </p:tnLst>
-  </p:timing>
 </p:sld>
 </file>
 
@@ -25376,11 +24897,11 @@
           <a:p>
             <a:pPr eaLnBrk="1" hangingPunct="1"/>
             <a:r>
-              <a:rPr lang="en-US" altLang="zh-CN" smtClean="0"/>
+              <a:rPr lang="en-US" altLang="zh-CN"/>
               <a:t>1.3.0 </a:t>
             </a:r>
             <a:r>
-              <a:rPr lang="zh-CN" altLang="en-US" smtClean="0"/>
+              <a:rPr lang="zh-CN" altLang="en-US"/>
               <a:t>软件缺陷案例</a:t>
             </a:r>
           </a:p>
@@ -25412,13 +24933,9 @@
             </a:pPr>
             <a:r>
               <a:rPr lang="zh-CN" altLang="en-US" b="0" dirty="0"/>
-              <a:t>控中心设备存在严重设计缺陷、上道使用审查把关不</a:t>
-            </a:r>
-            <a:r>
-              <a:rPr lang="zh-CN" altLang="en-US" b="0" dirty="0" smtClean="0"/>
-              <a:t>严；</a:t>
-            </a:r>
-            <a:endParaRPr lang="en-US" altLang="zh-CN" b="0" dirty="0" smtClean="0"/>
+              <a:t>控中心设备存在严重设计缺陷、上道使用审查把关不严；</a:t>
+            </a:r>
+            <a:endParaRPr lang="en-US" altLang="zh-CN" b="0" dirty="0"/>
           </a:p>
           <a:p>
             <a:pPr>
@@ -25432,7 +24949,7 @@
               <a:buFont typeface="Wingdings" panose="05000000000000000000" pitchFamily="2" charset="2"/>
               <a:buChar char="Ø"/>
             </a:pPr>
-            <a:endParaRPr lang="en-US" altLang="zh-CN" b="0" dirty="0" smtClean="0"/>
+            <a:endParaRPr lang="en-US" altLang="zh-CN" b="0" dirty="0"/>
           </a:p>
           <a:p>
             <a:pPr>
@@ -25440,20 +24957,8 @@
               <a:buChar char="Ø"/>
             </a:pPr>
             <a:r>
-              <a:rPr lang="zh-CN" altLang="en-US" b="0" dirty="0" smtClean="0"/>
-              <a:t>雷击导致</a:t>
-            </a:r>
-            <a:r>
               <a:rPr lang="zh-CN" altLang="en-US" b="0" dirty="0"/>
-              <a:t>设备故障</a:t>
-            </a:r>
-            <a:r>
-              <a:rPr lang="zh-CN" altLang="en-US" b="0" dirty="0" smtClean="0"/>
-              <a:t>后，应急</a:t>
-            </a:r>
-            <a:r>
-              <a:rPr lang="zh-CN" altLang="en-US" b="0" dirty="0"/>
-              <a:t>处置不力等因素造成的责任事故</a:t>
+              <a:t>雷击导致设备故障后，应急处置不力等因素造成的责任事故</a:t>
             </a:r>
             <a:endParaRPr lang="zh-CN" altLang="en-US" dirty="0"/>
           </a:p>
@@ -25472,13 +24977,6 @@
   <p:transition>
     <p:zoom/>
   </p:transition>
-  <p:timing>
-    <p:tnLst>
-      <p:par>
-        <p:cTn id="1" dur="indefinite" restart="never" nodeType="tmRoot"/>
-      </p:par>
-    </p:tnLst>
-  </p:timing>
 </p:sld>
 </file>
 
@@ -25516,7 +25014,7 @@
           <a:p>
             <a:pPr eaLnBrk="1" hangingPunct="1"/>
             <a:r>
-              <a:rPr lang="zh-CN" altLang="en-US" smtClean="0"/>
+              <a:rPr lang="zh-CN" altLang="en-US"/>
               <a:t>内容提要</a:t>
             </a:r>
           </a:p>
@@ -25548,7 +25046,7 @@
               </a:lnSpc>
             </a:pPr>
             <a:r>
-              <a:rPr lang="zh-CN" altLang="en-US" smtClean="0"/>
+              <a:rPr lang="zh-CN" altLang="en-US"/>
               <a:t>本章包含三个方面的内容：</a:t>
             </a:r>
           </a:p>
@@ -25559,11 +25057,11 @@
               </a:lnSpc>
             </a:pPr>
             <a:r>
-              <a:rPr lang="en-US" altLang="zh-CN" smtClean="0"/>
+              <a:rPr lang="en-US" altLang="zh-CN"/>
               <a:t>1.1 </a:t>
             </a:r>
             <a:r>
-              <a:rPr lang="zh-CN" altLang="en-US" smtClean="0"/>
+              <a:rPr lang="zh-CN" altLang="en-US"/>
               <a:t>软件质量的概念 *</a:t>
             </a:r>
           </a:p>
@@ -25574,11 +25072,11 @@
               </a:lnSpc>
             </a:pPr>
             <a:r>
-              <a:rPr lang="en-US" altLang="zh-CN" smtClean="0"/>
+              <a:rPr lang="en-US" altLang="zh-CN"/>
               <a:t>1.2 </a:t>
             </a:r>
             <a:r>
-              <a:rPr lang="zh-CN" altLang="en-US" smtClean="0"/>
+              <a:rPr lang="zh-CN" altLang="en-US"/>
               <a:t>软件质量模型 </a:t>
             </a:r>
           </a:p>
@@ -25589,11 +25087,11 @@
               </a:lnSpc>
             </a:pPr>
             <a:r>
-              <a:rPr lang="en-US" altLang="zh-CN" smtClean="0"/>
+              <a:rPr lang="en-US" altLang="zh-CN"/>
               <a:t>1.3 </a:t>
             </a:r>
             <a:r>
-              <a:rPr lang="zh-CN" altLang="en-US" smtClean="0"/>
+              <a:rPr lang="zh-CN" altLang="en-US"/>
               <a:t>软件缺陷 *</a:t>
             </a:r>
           </a:p>
@@ -25887,11 +25385,11 @@
           <a:p>
             <a:pPr eaLnBrk="1" hangingPunct="1"/>
             <a:r>
-              <a:rPr lang="en-US" altLang="zh-CN" smtClean="0"/>
+              <a:rPr lang="en-US" altLang="zh-CN"/>
               <a:t>1.3.0 </a:t>
             </a:r>
             <a:r>
-              <a:rPr lang="zh-CN" altLang="en-US" smtClean="0"/>
+              <a:rPr lang="zh-CN" altLang="en-US"/>
               <a:t>软件缺陷案例</a:t>
             </a:r>
           </a:p>
@@ -25918,58 +25416,50 @@
           <a:lstStyle/>
           <a:p>
             <a:r>
-              <a:rPr lang="en-US" altLang="zh-CN" b="0" dirty="0" smtClean="0"/>
+              <a:rPr lang="en-US" altLang="zh-CN" b="0" dirty="0"/>
               <a:t>2015.5.27</a:t>
             </a:r>
             <a:r>
-              <a:rPr lang="zh-CN" altLang="en-US" b="0" dirty="0" smtClean="0"/>
+              <a:rPr lang="zh-CN" altLang="en-US" b="0" dirty="0"/>
               <a:t>杭州萧山某地</a:t>
             </a:r>
-            <a:endParaRPr lang="en-US" altLang="zh-CN" b="0" dirty="0" smtClean="0"/>
+            <a:endParaRPr lang="en-US" altLang="zh-CN" b="0" dirty="0"/>
           </a:p>
           <a:p>
             <a:r>
-              <a:rPr lang="zh-CN" altLang="en-US" b="0" dirty="0" smtClean="0"/>
-              <a:t>光纤</a:t>
-            </a:r>
-            <a:r>
               <a:rPr lang="zh-CN" altLang="en-US" b="0" dirty="0"/>
-              <a:t>被挖</a:t>
-            </a:r>
-            <a:r>
-              <a:rPr lang="zh-CN" altLang="en-US" b="0" dirty="0" smtClean="0"/>
-              <a:t>断，造成支付宝</a:t>
-            </a:r>
-            <a:endParaRPr lang="en-US" altLang="zh-CN" b="0" dirty="0" smtClean="0"/>
+              <a:t>光纤被挖断，造成支付宝</a:t>
+            </a:r>
+            <a:endParaRPr lang="en-US" altLang="zh-CN" b="0" dirty="0"/>
           </a:p>
           <a:p>
             <a:r>
-              <a:rPr lang="zh-CN" altLang="en-US" b="0" dirty="0" smtClean="0"/>
+              <a:rPr lang="zh-CN" altLang="en-US" b="0" dirty="0"/>
               <a:t>大面积瘫痪，用户无法</a:t>
             </a:r>
-            <a:endParaRPr lang="en-US" altLang="zh-CN" b="0" dirty="0" smtClean="0"/>
+            <a:endParaRPr lang="en-US" altLang="zh-CN" b="0" dirty="0"/>
           </a:p>
           <a:p>
             <a:r>
-              <a:rPr lang="zh-CN" altLang="en-US" b="0" dirty="0" smtClean="0"/>
+              <a:rPr lang="zh-CN" altLang="en-US" b="0" dirty="0"/>
               <a:t>登陆、支付，</a:t>
             </a:r>
             <a:r>
-              <a:rPr lang="en-US" altLang="zh-CN" b="0" dirty="0" smtClean="0"/>
+              <a:rPr lang="en-US" altLang="zh-CN" b="0" dirty="0"/>
               <a:t>16</a:t>
             </a:r>
             <a:r>
-              <a:rPr lang="zh-CN" altLang="en-US" b="0" dirty="0" smtClean="0"/>
+              <a:rPr lang="zh-CN" altLang="en-US" b="0" dirty="0"/>
               <a:t>个小时恢</a:t>
             </a:r>
-            <a:endParaRPr lang="en-US" altLang="zh-CN" b="0" dirty="0" smtClean="0"/>
+            <a:endParaRPr lang="en-US" altLang="zh-CN" b="0" dirty="0"/>
           </a:p>
           <a:p>
             <a:r>
-              <a:rPr lang="zh-CN" altLang="en-US" b="0" dirty="0" smtClean="0"/>
+              <a:rPr lang="zh-CN" altLang="en-US" b="0" dirty="0"/>
               <a:t>复。</a:t>
             </a:r>
-            <a:endParaRPr lang="en-US" altLang="zh-CN" b="0" dirty="0" smtClean="0"/>
+            <a:endParaRPr lang="en-US" altLang="zh-CN" b="0" dirty="0"/>
           </a:p>
         </p:txBody>
       </p:sp>
@@ -26016,13 +25506,6 @@
   <p:transition>
     <p:zoom/>
   </p:transition>
-  <p:timing>
-    <p:tnLst>
-      <p:par>
-        <p:cTn id="1" dur="indefinite" restart="never" nodeType="tmRoot"/>
-      </p:par>
-    </p:tnLst>
-  </p:timing>
 </p:sld>
 </file>
 
@@ -26065,11 +25548,11 @@
           <a:p>
             <a:pPr eaLnBrk="1" hangingPunct="1"/>
             <a:r>
-              <a:rPr lang="en-US" altLang="zh-CN" smtClean="0"/>
+              <a:rPr lang="en-US" altLang="zh-CN"/>
               <a:t>1.3.0 </a:t>
             </a:r>
             <a:r>
-              <a:rPr lang="zh-CN" altLang="en-US" smtClean="0"/>
+              <a:rPr lang="zh-CN" altLang="en-US"/>
               <a:t>软件缺陷案例</a:t>
             </a:r>
           </a:p>
@@ -26103,7 +25586,7 @@
               <a:rPr lang="zh-CN" altLang="en-US" b="0" dirty="0"/>
               <a:t>缆被挖断，影响了支付宝一个主要机房的正常运转</a:t>
             </a:r>
-            <a:endParaRPr lang="en-US" altLang="zh-CN" b="0" dirty="0" smtClean="0"/>
+            <a:endParaRPr lang="en-US" altLang="zh-CN" b="0" dirty="0"/>
           </a:p>
           <a:p>
             <a:pPr>
@@ -26118,7 +25601,7 @@
               <a:buAutoNum type="circleNumDbPlain"/>
             </a:pPr>
             <a:r>
-              <a:rPr lang="zh-CN" altLang="en-US" b="0" dirty="0" smtClean="0"/>
+              <a:rPr lang="zh-CN" altLang="en-US" b="0" dirty="0"/>
               <a:t>异地容灾机制不完善</a:t>
             </a:r>
             <a:endParaRPr lang="en-US" altLang="zh-CN" b="0" dirty="0"/>
@@ -26128,7 +25611,7 @@
               <a:buFont typeface="+mj-ea"/>
               <a:buAutoNum type="circleNumDbPlain"/>
             </a:pPr>
-            <a:endParaRPr lang="en-US" altLang="zh-CN" b="0" dirty="0" smtClean="0"/>
+            <a:endParaRPr lang="en-US" altLang="zh-CN" b="0" dirty="0"/>
           </a:p>
           <a:p>
             <a:pPr marL="457200" indent="-457200">
@@ -26136,10 +25619,10 @@
               <a:buAutoNum type="circleNumDbPlain"/>
             </a:pPr>
             <a:r>
-              <a:rPr lang="zh-CN" altLang="en-US" b="0" dirty="0" smtClean="0"/>
+              <a:rPr lang="zh-CN" altLang="en-US" b="0" dirty="0"/>
               <a:t>机房间切换人工介入，应急机制不完善</a:t>
             </a:r>
-            <a:endParaRPr lang="en-US" altLang="zh-CN" b="0" dirty="0" smtClean="0"/>
+            <a:endParaRPr lang="en-US" altLang="zh-CN" b="0" dirty="0"/>
           </a:p>
         </p:txBody>
       </p:sp>
@@ -26156,13 +25639,6 @@
   <p:transition>
     <p:zoom/>
   </p:transition>
-  <p:timing>
-    <p:tnLst>
-      <p:par>
-        <p:cTn id="1" dur="indefinite" restart="never" nodeType="tmRoot"/>
-      </p:par>
-    </p:tnLst>
-  </p:timing>
 </p:sld>
 </file>
 
@@ -26205,11 +25681,11 @@
           <a:p>
             <a:pPr eaLnBrk="1" hangingPunct="1"/>
             <a:r>
-              <a:rPr lang="en-US" altLang="zh-CN" dirty="0" smtClean="0"/>
+              <a:rPr lang="en-US" altLang="zh-CN" dirty="0"/>
               <a:t>1.3.0 </a:t>
             </a:r>
             <a:r>
-              <a:rPr lang="zh-CN" altLang="en-US" dirty="0" smtClean="0"/>
+              <a:rPr lang="zh-CN" altLang="en-US" dirty="0"/>
               <a:t>软件缺陷案例</a:t>
             </a:r>
           </a:p>
@@ -26240,17 +25716,17 @@
               <a:buChar char="Ø"/>
             </a:pPr>
             <a:r>
-              <a:rPr lang="zh-CN" altLang="en-US" b="0" dirty="0" smtClean="0"/>
+              <a:rPr lang="zh-CN" altLang="en-US" b="0" dirty="0"/>
               <a:t>某产品多个账户之间的钱转错，造成资损几百万！</a:t>
             </a:r>
-            <a:endParaRPr lang="en-US" altLang="zh-CN" b="0" dirty="0" smtClean="0"/>
+            <a:endParaRPr lang="en-US" altLang="zh-CN" b="0" dirty="0"/>
           </a:p>
           <a:p>
             <a:pPr>
               <a:buFont typeface="Wingdings" panose="05000000000000000000" pitchFamily="2" charset="2"/>
               <a:buChar char="Ø"/>
             </a:pPr>
-            <a:endParaRPr lang="en-US" altLang="zh-CN" b="0" dirty="0" smtClean="0"/>
+            <a:endParaRPr lang="en-US" altLang="zh-CN" b="0" dirty="0"/>
           </a:p>
           <a:p>
             <a:pPr marL="457200" indent="-457200">
@@ -26258,17 +25734,17 @@
               <a:buAutoNum type="circleNumDbPlain"/>
             </a:pPr>
             <a:r>
-              <a:rPr lang="zh-CN" altLang="en-US" b="0" dirty="0" smtClean="0"/>
+              <a:rPr lang="zh-CN" altLang="en-US" b="0" dirty="0"/>
               <a:t>业务理解错误</a:t>
             </a:r>
-            <a:endParaRPr lang="en-US" altLang="zh-CN" b="0" dirty="0" smtClean="0"/>
+            <a:endParaRPr lang="en-US" altLang="zh-CN" b="0" dirty="0"/>
           </a:p>
           <a:p>
             <a:pPr marL="457200" indent="-457200">
               <a:buFont typeface="+mj-ea"/>
               <a:buAutoNum type="circleNumDbPlain"/>
             </a:pPr>
-            <a:endParaRPr lang="en-US" altLang="zh-CN" b="0" dirty="0" smtClean="0"/>
+            <a:endParaRPr lang="en-US" altLang="zh-CN" b="0" dirty="0"/>
           </a:p>
           <a:p>
             <a:pPr marL="457200" indent="-457200">
@@ -26276,17 +25752,17 @@
               <a:buAutoNum type="circleNumDbPlain"/>
             </a:pPr>
             <a:r>
-              <a:rPr lang="zh-CN" altLang="en-US" b="0" dirty="0" smtClean="0"/>
+              <a:rPr lang="zh-CN" altLang="en-US" b="0" dirty="0"/>
               <a:t>测试或开发错误</a:t>
             </a:r>
-            <a:endParaRPr lang="en-US" altLang="zh-CN" b="0" dirty="0" smtClean="0"/>
+            <a:endParaRPr lang="en-US" altLang="zh-CN" b="0" dirty="0"/>
           </a:p>
           <a:p>
             <a:pPr marL="457200" indent="-457200">
               <a:buFont typeface="+mj-ea"/>
               <a:buAutoNum type="circleNumDbPlain"/>
             </a:pPr>
-            <a:endParaRPr lang="en-US" altLang="zh-CN" b="0" dirty="0" smtClean="0"/>
+            <a:endParaRPr lang="en-US" altLang="zh-CN" b="0" dirty="0"/>
           </a:p>
           <a:p>
             <a:pPr marL="457200" indent="-457200">
@@ -26294,17 +25770,17 @@
               <a:buAutoNum type="circleNumDbPlain"/>
             </a:pPr>
             <a:r>
-              <a:rPr lang="zh-CN" altLang="en-US" b="0" dirty="0" smtClean="0"/>
+              <a:rPr lang="zh-CN" altLang="en-US" b="0" dirty="0"/>
               <a:t>极端情况错误</a:t>
             </a:r>
-            <a:endParaRPr lang="en-US" altLang="zh-CN" b="0" dirty="0" smtClean="0"/>
+            <a:endParaRPr lang="en-US" altLang="zh-CN" b="0" dirty="0"/>
           </a:p>
           <a:p>
             <a:pPr marL="457200" indent="-457200">
               <a:buFont typeface="+mj-ea"/>
               <a:buAutoNum type="circleNumDbPlain"/>
             </a:pPr>
-            <a:endParaRPr lang="en-US" altLang="zh-CN" b="0" dirty="0" smtClean="0"/>
+            <a:endParaRPr lang="en-US" altLang="zh-CN" b="0" dirty="0"/>
           </a:p>
         </p:txBody>
       </p:sp>
@@ -26321,13 +25797,6 @@
   <p:transition>
     <p:zoom/>
   </p:transition>
-  <p:timing>
-    <p:tnLst>
-      <p:par>
-        <p:cTn id="1" dur="indefinite" restart="never" nodeType="tmRoot"/>
-      </p:par>
-    </p:tnLst>
-  </p:timing>
 </p:sld>
 </file>
 
@@ -26370,11 +25839,11 @@
           <a:p>
             <a:pPr eaLnBrk="1" hangingPunct="1"/>
             <a:r>
-              <a:rPr lang="en-US" altLang="zh-CN" dirty="0" smtClean="0"/>
+              <a:rPr lang="en-US" altLang="zh-CN" dirty="0"/>
               <a:t>1.3.1 </a:t>
             </a:r>
             <a:r>
-              <a:rPr lang="zh-CN" altLang="en-US" dirty="0" smtClean="0"/>
+              <a:rPr lang="zh-CN" altLang="en-US" dirty="0"/>
               <a:t>软件缺陷的定义</a:t>
             </a:r>
           </a:p>
@@ -26402,7 +25871,7 @@
           <a:p>
             <a:pPr eaLnBrk="1" hangingPunct="1"/>
             <a:r>
-              <a:rPr lang="en-US" altLang="zh-CN" dirty="0" smtClean="0">
+              <a:rPr lang="en-US" altLang="zh-CN" dirty="0">
                 <a:solidFill>
                   <a:srgbClr val="FFFF00"/>
                 </a:solidFill>
@@ -26410,7 +25879,7 @@
               <a:t>1</a:t>
             </a:r>
             <a:r>
-              <a:rPr lang="zh-CN" altLang="en-US" dirty="0" smtClean="0">
+              <a:rPr lang="zh-CN" altLang="en-US" dirty="0">
                 <a:solidFill>
                   <a:srgbClr val="FFFF00"/>
                 </a:solidFill>
@@ -26418,7 +25887,7 @@
               <a:t>、</a:t>
             </a:r>
             <a:r>
-              <a:rPr lang="en-US" altLang="zh-CN" dirty="0" smtClean="0">
+              <a:rPr lang="en-US" altLang="zh-CN" dirty="0">
                 <a:solidFill>
                   <a:srgbClr val="FFFF00"/>
                 </a:solidFill>
@@ -26426,7 +25895,7 @@
               <a:t>IEEE Standard 729 </a:t>
             </a:r>
             <a:r>
-              <a:rPr lang="zh-CN" altLang="en-US" dirty="0" smtClean="0">
+              <a:rPr lang="zh-CN" altLang="en-US" dirty="0">
                 <a:solidFill>
                   <a:srgbClr val="FFFF00"/>
                 </a:solidFill>
@@ -26437,11 +25906,11 @@
           <a:p>
             <a:pPr eaLnBrk="1" hangingPunct="1"/>
             <a:r>
-              <a:rPr lang="zh-CN" altLang="en-US" dirty="0" smtClean="0"/>
+              <a:rPr lang="zh-CN" altLang="en-US" dirty="0"/>
               <a:t>从产品</a:t>
             </a:r>
             <a:r>
-              <a:rPr lang="zh-CN" altLang="en-US" dirty="0" smtClean="0">
+              <a:rPr lang="zh-CN" altLang="en-US" dirty="0">
                 <a:solidFill>
                   <a:srgbClr val="FF0000"/>
                 </a:solidFill>
@@ -26449,19 +25918,19 @@
               <a:t>内部</a:t>
             </a:r>
             <a:r>
-              <a:rPr lang="zh-CN" altLang="en-US" dirty="0" smtClean="0"/>
+              <a:rPr lang="zh-CN" altLang="en-US" dirty="0"/>
               <a:t>看</a:t>
             </a:r>
             <a:r>
-              <a:rPr lang="en-US" altLang="zh-CN" dirty="0" smtClean="0"/>
+              <a:rPr lang="en-US" altLang="zh-CN" dirty="0"/>
               <a:t>,</a:t>
             </a:r>
             <a:r>
-              <a:rPr lang="zh-CN" altLang="en-US" dirty="0" smtClean="0"/>
+              <a:rPr lang="zh-CN" altLang="en-US" dirty="0"/>
               <a:t>软件缺陷是软件产品</a:t>
             </a:r>
             <a:r>
-              <a:rPr lang="zh-CN" altLang="en-US" dirty="0" smtClean="0">
+              <a:rPr lang="zh-CN" altLang="en-US" dirty="0">
                 <a:solidFill>
                   <a:srgbClr val="FF0000"/>
                 </a:solidFill>
@@ -26469,18 +25938,18 @@
               <a:t>开发或维护过程</a:t>
             </a:r>
             <a:r>
-              <a:rPr lang="zh-CN" altLang="en-US" dirty="0" smtClean="0"/>
+              <a:rPr lang="zh-CN" altLang="en-US" dirty="0"/>
               <a:t>中所存大的错误、毛病等各种问题。</a:t>
             </a:r>
           </a:p>
           <a:p>
             <a:pPr eaLnBrk="1" hangingPunct="1"/>
             <a:r>
-              <a:rPr lang="zh-CN" altLang="en-US" dirty="0" smtClean="0"/>
+              <a:rPr lang="zh-CN" altLang="en-US" dirty="0"/>
               <a:t>从</a:t>
             </a:r>
             <a:r>
-              <a:rPr lang="zh-CN" altLang="en-US" dirty="0" smtClean="0">
+              <a:rPr lang="zh-CN" altLang="en-US" dirty="0">
                 <a:solidFill>
                   <a:srgbClr val="FF0000"/>
                 </a:solidFill>
@@ -26488,11 +25957,11 @@
               <a:t>外部</a:t>
             </a:r>
             <a:r>
-              <a:rPr lang="zh-CN" altLang="en-US" dirty="0" smtClean="0"/>
+              <a:rPr lang="zh-CN" altLang="en-US" dirty="0"/>
               <a:t>看，软件缺陷是系统所需要</a:t>
             </a:r>
             <a:r>
-              <a:rPr lang="zh-CN" altLang="en-US" dirty="0" smtClean="0">
+              <a:rPr lang="zh-CN" altLang="en-US" dirty="0">
                 <a:solidFill>
                   <a:srgbClr val="FF0000"/>
                 </a:solidFill>
@@ -26500,19 +25969,19 @@
               <a:t>实现的某种功能的失效或违背</a:t>
             </a:r>
             <a:r>
-              <a:rPr lang="zh-CN" altLang="en-US" dirty="0" smtClean="0"/>
+              <a:rPr lang="zh-CN" altLang="en-US" dirty="0"/>
               <a:t>。</a:t>
             </a:r>
-            <a:endParaRPr lang="en-US" altLang="zh-CN" dirty="0" smtClean="0"/>
+            <a:endParaRPr lang="en-US" altLang="zh-CN" dirty="0"/>
           </a:p>
           <a:p>
             <a:pPr eaLnBrk="1" hangingPunct="1"/>
-            <a:endParaRPr lang="zh-CN" altLang="en-US" dirty="0" smtClean="0"/>
+            <a:endParaRPr lang="zh-CN" altLang="en-US" dirty="0"/>
           </a:p>
           <a:p>
             <a:pPr eaLnBrk="1" hangingPunct="1"/>
             <a:r>
-              <a:rPr lang="en-US" altLang="zh-CN" dirty="0" smtClean="0">
+              <a:rPr lang="en-US" altLang="zh-CN" dirty="0">
                 <a:solidFill>
                   <a:srgbClr val="FFFF00"/>
                 </a:solidFill>
@@ -26520,7 +25989,7 @@
               <a:t>2</a:t>
             </a:r>
             <a:r>
-              <a:rPr lang="zh-CN" altLang="en-US" dirty="0" smtClean="0">
+              <a:rPr lang="zh-CN" altLang="en-US" dirty="0">
                 <a:solidFill>
                   <a:srgbClr val="FFFF00"/>
                 </a:solidFill>
@@ -26528,14 +25997,14 @@
               <a:t>、袁玉宇的定义</a:t>
             </a:r>
             <a:r>
-              <a:rPr lang="en-US" altLang="zh-CN" dirty="0" smtClean="0">
+              <a:rPr lang="en-US" altLang="zh-CN" dirty="0">
                 <a:solidFill>
                   <a:srgbClr val="FFFF00"/>
                 </a:solidFill>
               </a:rPr>
               <a:t>: </a:t>
             </a:r>
-            <a:endParaRPr lang="zh-CN" altLang="en-US" dirty="0" smtClean="0">
+            <a:endParaRPr lang="zh-CN" altLang="en-US" dirty="0">
               <a:solidFill>
                 <a:srgbClr val="FFFF00"/>
               </a:solidFill>
@@ -26544,11 +26013,11 @@
           <a:p>
             <a:pPr eaLnBrk="1" hangingPunct="1"/>
             <a:r>
-              <a:rPr lang="zh-CN" altLang="en-US" dirty="0" smtClean="0"/>
+              <a:rPr lang="zh-CN" altLang="en-US" dirty="0"/>
               <a:t>是软件在</a:t>
             </a:r>
             <a:r>
-              <a:rPr lang="zh-CN" altLang="en-US" dirty="0" smtClean="0">
+              <a:rPr lang="zh-CN" altLang="en-US" dirty="0">
                 <a:solidFill>
                   <a:srgbClr val="FF0000"/>
                 </a:solidFill>
@@ -26556,11 +26025,11 @@
               <a:t>生命周期各个阶段</a:t>
             </a:r>
             <a:r>
-              <a:rPr lang="zh-CN" altLang="en-US" dirty="0" smtClean="0"/>
+              <a:rPr lang="zh-CN" altLang="en-US" dirty="0"/>
               <a:t>存在的一种</a:t>
             </a:r>
             <a:r>
-              <a:rPr lang="zh-CN" altLang="en-US" dirty="0" smtClean="0">
+              <a:rPr lang="zh-CN" altLang="en-US" dirty="0">
                 <a:solidFill>
                   <a:srgbClr val="FF0000"/>
                 </a:solidFill>
@@ -26568,7 +26037,7 @@
               <a:t>不满足给定需求属性</a:t>
             </a:r>
             <a:r>
-              <a:rPr lang="zh-CN" altLang="en-US" dirty="0" smtClean="0"/>
+              <a:rPr lang="zh-CN" altLang="en-US" dirty="0"/>
               <a:t>的问题。</a:t>
             </a:r>
           </a:p>
@@ -26619,11 +26088,11 @@
           <a:p>
             <a:pPr eaLnBrk="1" hangingPunct="1"/>
             <a:r>
-              <a:rPr lang="en-US" altLang="zh-CN" smtClean="0"/>
+              <a:rPr lang="en-US" altLang="zh-CN"/>
               <a:t>1.3.1 </a:t>
             </a:r>
             <a:r>
-              <a:rPr lang="zh-CN" altLang="en-US" smtClean="0"/>
+              <a:rPr lang="zh-CN" altLang="en-US"/>
               <a:t>软件缺陷的定义</a:t>
             </a:r>
           </a:p>
@@ -26655,7 +26124,7 @@
               </a:lnSpc>
             </a:pPr>
             <a:r>
-              <a:rPr lang="en-US" altLang="zh-CN" smtClean="0">
+              <a:rPr lang="en-US" altLang="zh-CN">
                 <a:solidFill>
                   <a:srgbClr val="FFFF00"/>
                 </a:solidFill>
@@ -26665,7 +26134,7 @@
               <a:t>3</a:t>
             </a:r>
             <a:r>
-              <a:rPr lang="zh-CN" altLang="en-US" smtClean="0">
+              <a:rPr lang="zh-CN" altLang="en-US">
                 <a:solidFill>
                   <a:srgbClr val="FFFF00"/>
                 </a:solidFill>
@@ -26675,7 +26144,7 @@
               <a:t>、软件缺陷的判断标准：</a:t>
             </a:r>
             <a:r>
-              <a:rPr lang="en-US" altLang="zh-CN" smtClean="0">
+              <a:rPr lang="en-US" altLang="zh-CN">
                 <a:solidFill>
                   <a:srgbClr val="FFFF00"/>
                 </a:solidFill>
@@ -26684,7 +26153,7 @@
               </a:rPr>
               <a:t>**</a:t>
             </a:r>
-            <a:endParaRPr lang="zh-CN" altLang="en-US" smtClean="0">
+            <a:endParaRPr lang="zh-CN" altLang="en-US">
               <a:solidFill>
                 <a:srgbClr val="FFFF00"/>
               </a:solidFill>
@@ -26699,15 +26168,15 @@
               </a:lnSpc>
             </a:pPr>
             <a:r>
-              <a:rPr lang="zh-CN" altLang="en-US" smtClean="0"/>
+              <a:rPr lang="zh-CN" altLang="en-US"/>
               <a:t>（</a:t>
             </a:r>
             <a:r>
-              <a:rPr lang="en-US" altLang="zh-CN" smtClean="0"/>
+              <a:rPr lang="en-US" altLang="zh-CN"/>
               <a:t>1</a:t>
             </a:r>
             <a:r>
-              <a:rPr lang="zh-CN" altLang="en-US" smtClean="0"/>
+              <a:rPr lang="zh-CN" altLang="en-US"/>
               <a:t>）软件未实现产品说明书要求的功能。</a:t>
             </a:r>
           </a:p>
@@ -26718,15 +26187,15 @@
               </a:lnSpc>
             </a:pPr>
             <a:r>
-              <a:rPr lang="zh-CN" altLang="en-US" smtClean="0"/>
+              <a:rPr lang="zh-CN" altLang="en-US"/>
               <a:t>（</a:t>
             </a:r>
             <a:r>
-              <a:rPr lang="en-US" altLang="zh-CN" smtClean="0"/>
+              <a:rPr lang="en-US" altLang="zh-CN"/>
               <a:t>2</a:t>
             </a:r>
             <a:r>
-              <a:rPr lang="zh-CN" altLang="en-US" smtClean="0"/>
+              <a:rPr lang="zh-CN" altLang="en-US"/>
               <a:t>）软件出现了产品说明书指明不会出现的错误。</a:t>
             </a:r>
           </a:p>
@@ -26737,15 +26206,15 @@
               </a:lnSpc>
             </a:pPr>
             <a:r>
-              <a:rPr lang="zh-CN" altLang="en-US" smtClean="0"/>
+              <a:rPr lang="zh-CN" altLang="en-US"/>
               <a:t>（</a:t>
             </a:r>
             <a:r>
-              <a:rPr lang="en-US" altLang="zh-CN" smtClean="0"/>
+              <a:rPr lang="en-US" altLang="zh-CN"/>
               <a:t>3</a:t>
             </a:r>
             <a:r>
-              <a:rPr lang="zh-CN" altLang="en-US" smtClean="0"/>
+              <a:rPr lang="zh-CN" altLang="en-US"/>
               <a:t>）软件超出实现了产品说明书提到的功能。</a:t>
             </a:r>
           </a:p>
@@ -26756,15 +26225,15 @@
               </a:lnSpc>
             </a:pPr>
             <a:r>
-              <a:rPr lang="zh-CN" altLang="en-US" smtClean="0"/>
+              <a:rPr lang="zh-CN" altLang="en-US"/>
               <a:t>（</a:t>
             </a:r>
             <a:r>
-              <a:rPr lang="en-US" altLang="zh-CN" smtClean="0"/>
+              <a:rPr lang="en-US" altLang="zh-CN"/>
               <a:t>4</a:t>
             </a:r>
             <a:r>
-              <a:rPr lang="zh-CN" altLang="en-US" smtClean="0"/>
+              <a:rPr lang="zh-CN" altLang="en-US"/>
               <a:t>）软件未实现产品说明书虽未明确指出但应该实现的目标。</a:t>
             </a:r>
           </a:p>
@@ -26775,15 +26244,15 @@
               </a:lnSpc>
             </a:pPr>
             <a:r>
-              <a:rPr lang="zh-CN" altLang="en-US" smtClean="0"/>
+              <a:rPr lang="zh-CN" altLang="en-US"/>
               <a:t>（</a:t>
             </a:r>
             <a:r>
-              <a:rPr lang="en-US" altLang="zh-CN" smtClean="0"/>
+              <a:rPr lang="en-US" altLang="zh-CN"/>
               <a:t>5</a:t>
             </a:r>
             <a:r>
-              <a:rPr lang="zh-CN" altLang="en-US" smtClean="0"/>
+              <a:rPr lang="zh-CN" altLang="en-US"/>
               <a:t>）软件难以理解，不易使用，运行缓慢或者终端用户认为不好。</a:t>
             </a:r>
           </a:p>
@@ -27095,7 +26564,7 @@
           <a:bodyPr/>
           <a:lstStyle/>
           <a:p>
-            <a:endParaRPr lang="zh-CN" altLang="en-US" smtClean="0"/>
+            <a:endParaRPr lang="zh-CN" altLang="en-US"/>
           </a:p>
         </p:txBody>
       </p:sp>
@@ -31219,11 +30688,11 @@
           <a:p>
             <a:pPr eaLnBrk="1" hangingPunct="1"/>
             <a:r>
-              <a:rPr lang="en-US" altLang="zh-CN" smtClean="0"/>
+              <a:rPr lang="en-US" altLang="zh-CN"/>
               <a:t>1.3.2 </a:t>
             </a:r>
             <a:r>
-              <a:rPr lang="zh-CN" altLang="en-US" smtClean="0"/>
+              <a:rPr lang="zh-CN" altLang="en-US"/>
               <a:t>软件缺陷产生原因 </a:t>
             </a:r>
           </a:p>
@@ -31626,11 +31095,11 @@
           <a:p>
             <a:pPr eaLnBrk="1" hangingPunct="1"/>
             <a:r>
-              <a:rPr lang="en-US" altLang="zh-CN" dirty="0" smtClean="0"/>
+              <a:rPr lang="en-US" altLang="zh-CN" dirty="0"/>
               <a:t>1.3.2 </a:t>
             </a:r>
             <a:r>
-              <a:rPr lang="zh-CN" altLang="en-US" dirty="0" smtClean="0"/>
+              <a:rPr lang="zh-CN" altLang="en-US" dirty="0"/>
               <a:t>软件缺陷产生原因 </a:t>
             </a:r>
           </a:p>
@@ -31822,14 +31291,14 @@
           <a:p>
             <a:pPr eaLnBrk="1" hangingPunct="1"/>
             <a:r>
-              <a:rPr lang="zh-CN" altLang="en-US" dirty="0" smtClean="0">
+              <a:rPr lang="zh-CN" altLang="en-US" dirty="0">
                 <a:solidFill>
                   <a:srgbClr val="FFFF00"/>
                 </a:solidFill>
               </a:rPr>
               <a:t>需求引入缺陷多原因：</a:t>
             </a:r>
-            <a:endParaRPr lang="en-US" altLang="zh-CN" dirty="0" smtClean="0">
+            <a:endParaRPr lang="en-US" altLang="zh-CN" dirty="0">
               <a:solidFill>
                 <a:srgbClr val="FFFF00"/>
               </a:solidFill>
@@ -31837,7 +31306,7 @@
           </a:p>
           <a:p>
             <a:pPr eaLnBrk="1" hangingPunct="1"/>
-            <a:endParaRPr lang="en-US" altLang="zh-CN" dirty="0" smtClean="0">
+            <a:endParaRPr lang="en-US" altLang="zh-CN" dirty="0">
               <a:solidFill>
                 <a:srgbClr val="FFFF00"/>
               </a:solidFill>
@@ -31849,16 +31318,8 @@
               <a:buAutoNum type="circleNumDbPlain"/>
             </a:pPr>
             <a:r>
-              <a:rPr lang="zh-CN" altLang="en-US" dirty="0" smtClean="0"/>
-              <a:t>用户</a:t>
-            </a:r>
-            <a:r>
               <a:rPr lang="zh-CN" altLang="en-US" dirty="0"/>
-              <a:t>一般是非计算机专业人员，软件开发人员和用户的沟通存在较大困难，对要开发的产品功能理解不一致</a:t>
-            </a:r>
-            <a:r>
-              <a:rPr lang="zh-CN" altLang="en-US" dirty="0" smtClean="0"/>
-              <a:t>。</a:t>
+              <a:t>用户一般是非计算机专业人员，软件开发人员和用户的沟通存在较大困难，对要开发的产品功能理解不一致。</a:t>
             </a:r>
             <a:endParaRPr lang="en-US" altLang="zh-CN" dirty="0"/>
           </a:p>
@@ -31867,25 +31328,6 @@
               <a:buFont typeface="+mj-ea"/>
               <a:buAutoNum type="circleNumDbPlain"/>
             </a:pPr>
-            <a:endParaRPr lang="en-US" altLang="zh-CN" dirty="0" smtClean="0"/>
-          </a:p>
-          <a:p>
-            <a:pPr eaLnBrk="1" hangingPunct="1">
-              <a:buFont typeface="+mj-ea"/>
-              <a:buAutoNum type="circleNumDbPlain"/>
-            </a:pPr>
-            <a:r>
-              <a:rPr lang="zh-CN" altLang="en-US" dirty="0" smtClean="0"/>
-              <a:t>由于</a:t>
-            </a:r>
-            <a:r>
-              <a:rPr lang="zh-CN" altLang="en-US" dirty="0"/>
-              <a:t>软件产品还没有设计、开发、完全靠想象去描述系统的实现结果，所以有些特性还不够清晰</a:t>
-            </a:r>
-            <a:r>
-              <a:rPr lang="zh-CN" altLang="en-US" dirty="0" smtClean="0"/>
-              <a:t>。</a:t>
-            </a:r>
             <a:endParaRPr lang="en-US" altLang="zh-CN" dirty="0"/>
           </a:p>
           <a:p>
@@ -31893,26 +31335,28 @@
               <a:buFont typeface="+mj-ea"/>
               <a:buAutoNum type="circleNumDbPlain"/>
             </a:pPr>
-            <a:endParaRPr lang="en-US" altLang="zh-CN" dirty="0" smtClean="0"/>
+            <a:r>
+              <a:rPr lang="zh-CN" altLang="en-US" dirty="0"/>
+              <a:t>由于软件产品还没有设计、开发、完全靠想象去描述系统的实现结果，所以有些特性还不够清晰。</a:t>
+            </a:r>
+            <a:endParaRPr lang="en-US" altLang="zh-CN" dirty="0"/>
           </a:p>
           <a:p>
             <a:pPr eaLnBrk="1" hangingPunct="1">
               <a:buFont typeface="+mj-ea"/>
               <a:buAutoNum type="circleNumDbPlain"/>
             </a:pPr>
-            <a:r>
-              <a:rPr lang="zh-CN" altLang="en-US" dirty="0" smtClean="0"/>
-              <a:t>需求</a:t>
-            </a:r>
+            <a:endParaRPr lang="en-US" altLang="zh-CN" dirty="0"/>
+          </a:p>
+          <a:p>
+            <a:pPr eaLnBrk="1" hangingPunct="1">
+              <a:buFont typeface="+mj-ea"/>
+              <a:buAutoNum type="circleNumDbPlain"/>
+            </a:pPr>
             <a:r>
               <a:rPr lang="zh-CN" altLang="en-US" dirty="0"/>
-              <a:t>变化的不一致性。用户的需求总是在不断变化的，这些变化如果没有在产品规格说明书中得到正确的描述，容易引起前后文，上下文的矛盾</a:t>
-            </a:r>
-            <a:r>
-              <a:rPr lang="zh-CN" altLang="en-US" dirty="0" smtClean="0"/>
-              <a:t>。</a:t>
-            </a:r>
-            <a:endParaRPr lang="zh-CN" altLang="en-US" dirty="0"/>
+              <a:t>需求变化的不一致性。用户的需求总是在不断变化的，这些变化如果没有在产品规格说明书中得到正确的描述，容易引起前后文，上下文的矛盾。</a:t>
+            </a:r>
           </a:p>
         </p:txBody>
       </p:sp>
@@ -31924,13 +31368,6 @@
   <p:transition>
     <p:zoom/>
   </p:transition>
-  <p:timing>
-    <p:tnLst>
-      <p:par>
-        <p:cTn id="1" dur="indefinite" restart="never" nodeType="tmRoot"/>
-      </p:par>
-    </p:tnLst>
-  </p:timing>
 </p:sld>
 </file>
 
@@ -31973,11 +31410,11 @@
           <a:p>
             <a:pPr eaLnBrk="1" hangingPunct="1"/>
             <a:r>
-              <a:rPr lang="en-US" altLang="zh-CN" dirty="0" smtClean="0"/>
+              <a:rPr lang="en-US" altLang="zh-CN" dirty="0"/>
               <a:t>1.3.2 </a:t>
             </a:r>
             <a:r>
-              <a:rPr lang="zh-CN" altLang="en-US" dirty="0" smtClean="0"/>
+              <a:rPr lang="zh-CN" altLang="en-US" dirty="0"/>
               <a:t>软件缺陷产生原因 </a:t>
             </a:r>
           </a:p>
@@ -32169,14 +31606,14 @@
           <a:p>
             <a:pPr eaLnBrk="1" hangingPunct="1"/>
             <a:r>
-              <a:rPr lang="zh-CN" altLang="en-US" dirty="0" smtClean="0">
+              <a:rPr lang="zh-CN" altLang="en-US" dirty="0">
                 <a:solidFill>
                   <a:srgbClr val="FFFF00"/>
                 </a:solidFill>
               </a:rPr>
               <a:t>需求引入缺陷多原因：</a:t>
             </a:r>
-            <a:endParaRPr lang="en-US" altLang="zh-CN" dirty="0" smtClean="0">
+            <a:endParaRPr lang="en-US" altLang="zh-CN" dirty="0">
               <a:solidFill>
                 <a:srgbClr val="FFFF00"/>
               </a:solidFill>
@@ -32184,7 +31621,7 @@
           </a:p>
           <a:p>
             <a:pPr eaLnBrk="1" hangingPunct="1"/>
-            <a:endParaRPr lang="en-US" altLang="zh-CN" dirty="0" smtClean="0">
+            <a:endParaRPr lang="en-US" altLang="zh-CN" dirty="0">
               <a:solidFill>
                 <a:srgbClr val="FFFF00"/>
               </a:solidFill>
@@ -32196,25 +31633,17 @@
               <a:buAutoNum type="circleNumDbPlain" startAt="4"/>
             </a:pPr>
             <a:r>
-              <a:rPr lang="zh-CN" altLang="en-US" dirty="0" smtClean="0"/>
-              <a:t>对</a:t>
-            </a:r>
-            <a:r>
               <a:rPr lang="zh-CN" altLang="en-US" dirty="0"/>
-              <a:t>规格说明书不够重视，在规格说明书的设计和写作上投入的人力，时间不足</a:t>
-            </a:r>
-            <a:r>
-              <a:rPr lang="zh-CN" altLang="en-US" dirty="0" smtClean="0"/>
-              <a:t>。</a:t>
-            </a:r>
-            <a:endParaRPr lang="en-US" altLang="zh-CN" dirty="0" smtClean="0"/>
+              <a:t>对规格说明书不够重视，在规格说明书的设计和写作上投入的人力，时间不足。</a:t>
+            </a:r>
+            <a:endParaRPr lang="en-US" altLang="zh-CN" dirty="0"/>
           </a:p>
           <a:p>
             <a:pPr eaLnBrk="1" hangingPunct="1">
               <a:buFont typeface="+mj-ea"/>
               <a:buAutoNum type="circleNumDbPlain" startAt="4"/>
             </a:pPr>
-            <a:endParaRPr lang="en-US" altLang="zh-CN" dirty="0" smtClean="0"/>
+            <a:endParaRPr lang="en-US" altLang="zh-CN" dirty="0"/>
           </a:p>
           <a:p>
             <a:pPr eaLnBrk="1" hangingPunct="1">
@@ -32222,12 +31651,8 @@
               <a:buAutoNum type="circleNumDbPlain" startAt="4"/>
             </a:pPr>
             <a:r>
-              <a:rPr lang="zh-CN" altLang="en-US" dirty="0" smtClean="0"/>
-              <a:t>没有</a:t>
-            </a:r>
-            <a:r>
               <a:rPr lang="zh-CN" altLang="en-US" dirty="0"/>
-              <a:t>在整个开发队伍中进行充分沟通，有时只有设计师或项目经理得到比较多的信息。</a:t>
+              <a:t>没有在整个开发队伍中进行充分沟通，有时只有设计师或项目经理得到比较多的信息。</a:t>
             </a:r>
           </a:p>
         </p:txBody>
@@ -32245,13 +31670,6 @@
   <p:transition>
     <p:zoom/>
   </p:transition>
-  <p:timing>
-    <p:tnLst>
-      <p:par>
-        <p:cTn id="1" dur="indefinite" restart="never" nodeType="tmRoot"/>
-      </p:par>
-    </p:tnLst>
-  </p:timing>
 </p:sld>
 </file>
 
@@ -32784,11 +32202,11 @@
           <a:p>
             <a:pPr eaLnBrk="1" hangingPunct="1"/>
             <a:r>
-              <a:rPr lang="en-US" altLang="zh-CN" smtClean="0"/>
+              <a:rPr lang="en-US" altLang="zh-CN"/>
               <a:t>1.1 </a:t>
             </a:r>
             <a:r>
-              <a:rPr lang="zh-CN" altLang="en-US" smtClean="0"/>
+              <a:rPr lang="zh-CN" altLang="en-US"/>
               <a:t>软件质量的概念</a:t>
             </a:r>
           </a:p>
@@ -32820,7 +32238,7 @@
               </a:lnSpc>
             </a:pPr>
             <a:r>
-              <a:rPr lang="zh-CN" altLang="en-US" dirty="0" smtClean="0"/>
+              <a:rPr lang="zh-CN" altLang="en-US" dirty="0"/>
               <a:t>本小节包含两个方面的内容：</a:t>
             </a:r>
           </a:p>
@@ -32831,11 +32249,11 @@
               </a:lnSpc>
             </a:pPr>
             <a:r>
-              <a:rPr lang="en-US" altLang="zh-CN" dirty="0" smtClean="0"/>
+              <a:rPr lang="en-US" altLang="zh-CN" dirty="0"/>
               <a:t>1.1.1 </a:t>
             </a:r>
             <a:r>
-              <a:rPr lang="zh-CN" altLang="en-US" dirty="0" smtClean="0"/>
+              <a:rPr lang="zh-CN" altLang="en-US" dirty="0"/>
               <a:t>质量的概念 </a:t>
             </a:r>
           </a:p>
@@ -32846,11 +32264,11 @@
               </a:lnSpc>
             </a:pPr>
             <a:r>
-              <a:rPr lang="en-US" altLang="zh-CN" dirty="0" smtClean="0"/>
+              <a:rPr lang="en-US" altLang="zh-CN" dirty="0"/>
               <a:t>1.1.2 </a:t>
             </a:r>
             <a:r>
-              <a:rPr lang="zh-CN" altLang="en-US" dirty="0" smtClean="0"/>
+              <a:rPr lang="zh-CN" altLang="en-US" dirty="0"/>
               <a:t>软件质量的内涵 </a:t>
             </a:r>
           </a:p>
@@ -33364,11 +32782,11 @@
           <a:p>
             <a:pPr eaLnBrk="1" hangingPunct="1"/>
             <a:r>
-              <a:rPr lang="en-US" altLang="zh-CN" dirty="0" smtClean="0"/>
+              <a:rPr lang="en-US" altLang="zh-CN" dirty="0"/>
               <a:t>1.3.3  </a:t>
             </a:r>
             <a:r>
-              <a:rPr lang="zh-CN" altLang="en-US" dirty="0" smtClean="0"/>
+              <a:rPr lang="zh-CN" altLang="en-US" dirty="0"/>
               <a:t>软件缺陷的分类</a:t>
             </a:r>
           </a:p>
@@ -33400,11 +32818,11 @@
               </a:lnSpc>
             </a:pPr>
             <a:r>
-              <a:rPr lang="en-US" altLang="zh-CN" sz="2800" dirty="0" smtClean="0"/>
+              <a:rPr lang="en-US" altLang="zh-CN" sz="2800" dirty="0"/>
               <a:t>1</a:t>
             </a:r>
             <a:r>
-              <a:rPr lang="zh-CN" altLang="en-US" sz="2800" dirty="0" smtClean="0"/>
+              <a:rPr lang="zh-CN" altLang="en-US" sz="2800" dirty="0"/>
               <a:t>、以造成的危害程度来划分：</a:t>
             </a:r>
           </a:p>
@@ -33417,7 +32835,7 @@
               <a:buAutoNum type="circleNumDbPlain"/>
             </a:pPr>
             <a:r>
-              <a:rPr lang="zh-CN" altLang="en-US" dirty="0" smtClean="0">
+              <a:rPr lang="zh-CN" altLang="en-US" dirty="0">
                 <a:solidFill>
                   <a:srgbClr val="FF0000"/>
                 </a:solidFill>
@@ -33425,7 +32843,7 @@
               <a:t>致命的（</a:t>
             </a:r>
             <a:r>
-              <a:rPr lang="en-US" altLang="zh-CN" dirty="0" smtClean="0">
+              <a:rPr lang="en-US" altLang="zh-CN" dirty="0">
                 <a:solidFill>
                   <a:srgbClr val="FF0000"/>
                 </a:solidFill>
@@ -33433,7 +32851,7 @@
               <a:t>fatal</a:t>
             </a:r>
             <a:r>
-              <a:rPr lang="zh-CN" altLang="en-US" dirty="0" smtClean="0">
+              <a:rPr lang="zh-CN" altLang="en-US" dirty="0">
                 <a:solidFill>
                   <a:srgbClr val="FF0000"/>
                 </a:solidFill>
@@ -33441,10 +32859,10 @@
               <a:t>）</a:t>
             </a:r>
             <a:r>
-              <a:rPr lang="zh-CN" altLang="en-US" dirty="0" smtClean="0"/>
+              <a:rPr lang="zh-CN" altLang="en-US" dirty="0"/>
               <a:t>：造成系统崩溃、死机、数据丢失、主要功能完全丧失等。</a:t>
             </a:r>
-            <a:endParaRPr lang="en-US" altLang="zh-CN" dirty="0" smtClean="0"/>
+            <a:endParaRPr lang="en-US" altLang="zh-CN" dirty="0"/>
           </a:p>
           <a:p>
             <a:pPr marL="457200" indent="-457200">
@@ -33465,7 +32883,7 @@
               <a:buAutoNum type="circleNumDbPlain"/>
             </a:pPr>
             <a:r>
-              <a:rPr lang="zh-CN" altLang="en-US" dirty="0" smtClean="0">
+              <a:rPr lang="zh-CN" altLang="en-US" dirty="0">
                 <a:solidFill>
                   <a:srgbClr val="FF0000"/>
                 </a:solidFill>
@@ -33473,7 +32891,7 @@
               <a:t>严重的</a:t>
             </a:r>
             <a:r>
-              <a:rPr lang="en-US" altLang="zh-CN" dirty="0" smtClean="0">
+              <a:rPr lang="en-US" altLang="zh-CN" dirty="0">
                 <a:solidFill>
                   <a:srgbClr val="FF0000"/>
                 </a:solidFill>
@@ -33481,10 +32899,10 @@
               <a:t>(critical)</a:t>
             </a:r>
             <a:r>
-              <a:rPr lang="zh-CN" altLang="en-US" dirty="0" smtClean="0"/>
+              <a:rPr lang="zh-CN" altLang="en-US" dirty="0"/>
               <a:t>：指功能没有实现，主要功能丧失，导致严重的问题。</a:t>
             </a:r>
-            <a:endParaRPr lang="en-US" altLang="zh-CN" dirty="0" smtClean="0"/>
+            <a:endParaRPr lang="en-US" altLang="zh-CN" dirty="0"/>
           </a:p>
           <a:p>
             <a:pPr marL="457200" indent="-457200">
@@ -33505,7 +32923,7 @@
               <a:buAutoNum type="circleNumDbPlain"/>
             </a:pPr>
             <a:r>
-              <a:rPr lang="zh-CN" altLang="en-US" dirty="0" smtClean="0">
+              <a:rPr lang="zh-CN" altLang="en-US" dirty="0">
                 <a:solidFill>
                   <a:srgbClr val="FF0000"/>
                 </a:solidFill>
@@ -33513,7 +32931,7 @@
               <a:t>一般的</a:t>
             </a:r>
             <a:r>
-              <a:rPr lang="en-US" altLang="zh-CN" dirty="0" smtClean="0">
+              <a:rPr lang="en-US" altLang="zh-CN" dirty="0">
                 <a:solidFill>
                   <a:srgbClr val="FF0000"/>
                 </a:solidFill>
@@ -33521,10 +32939,10 @@
               <a:t>(major)</a:t>
             </a:r>
             <a:r>
-              <a:rPr lang="zh-CN" altLang="en-US" dirty="0" smtClean="0"/>
+              <a:rPr lang="zh-CN" altLang="en-US" dirty="0"/>
               <a:t>：虽然不影响系统主要功能，但次要功能丧失，如提示信息不太准确，或用户界面差，操作时间长等。</a:t>
             </a:r>
-            <a:endParaRPr lang="en-US" altLang="zh-CN" dirty="0" smtClean="0"/>
+            <a:endParaRPr lang="en-US" altLang="zh-CN" dirty="0"/>
           </a:p>
           <a:p>
             <a:pPr marL="457200" indent="-457200">
@@ -33545,7 +32963,7 @@
               <a:buAutoNum type="circleNumDbPlain"/>
             </a:pPr>
             <a:r>
-              <a:rPr lang="zh-CN" altLang="en-US" dirty="0" smtClean="0">
+              <a:rPr lang="zh-CN" altLang="en-US" dirty="0">
                 <a:solidFill>
                   <a:srgbClr val="FF0000"/>
                 </a:solidFill>
@@ -33553,7 +32971,7 @@
               <a:t>微小的</a:t>
             </a:r>
             <a:r>
-              <a:rPr lang="en-US" altLang="zh-CN" dirty="0" smtClean="0">
+              <a:rPr lang="en-US" altLang="zh-CN" dirty="0">
                 <a:solidFill>
                   <a:srgbClr val="FF0000"/>
                 </a:solidFill>
@@ -33561,10 +32979,10 @@
               <a:t>(minor)</a:t>
             </a:r>
             <a:r>
-              <a:rPr lang="zh-CN" altLang="en-US" dirty="0" smtClean="0"/>
+              <a:rPr lang="zh-CN" altLang="en-US" dirty="0"/>
               <a:t>：对功能几乎没有影响，产品仍可使用，如有个别错别字、文字排列不整齐等。 </a:t>
             </a:r>
-            <a:endParaRPr lang="en-US" altLang="zh-CN" sz="2800" dirty="0" smtClean="0"/>
+            <a:endParaRPr lang="en-US" altLang="zh-CN" sz="2800" dirty="0"/>
           </a:p>
         </p:txBody>
       </p:sp>
@@ -33618,11 +33036,11 @@
           <a:p>
             <a:pPr eaLnBrk="1" hangingPunct="1"/>
             <a:r>
-              <a:rPr lang="en-US" altLang="zh-CN" dirty="0" smtClean="0"/>
+              <a:rPr lang="en-US" altLang="zh-CN" dirty="0"/>
               <a:t>1.3.3  </a:t>
             </a:r>
             <a:r>
-              <a:rPr lang="zh-CN" altLang="en-US" dirty="0" smtClean="0"/>
+              <a:rPr lang="zh-CN" altLang="en-US" dirty="0"/>
               <a:t>软件缺陷的分类</a:t>
             </a:r>
           </a:p>
@@ -33656,18 +33074,18 @@
               <a:buChar char="Ø"/>
             </a:pPr>
             <a:r>
-              <a:rPr lang="zh-CN" altLang="en-US" sz="2800" dirty="0" smtClean="0"/>
+              <a:rPr lang="zh-CN" altLang="en-US" sz="2800" dirty="0"/>
               <a:t>以造成的危害程度来划分</a:t>
             </a:r>
             <a:r>
-              <a:rPr lang="en-US" altLang="zh-CN" sz="2800" dirty="0" smtClean="0"/>
+              <a:rPr lang="en-US" altLang="zh-CN" sz="2800" dirty="0"/>
               <a:t>——</a:t>
             </a:r>
             <a:r>
-              <a:rPr lang="zh-CN" altLang="en-US" sz="2800" dirty="0" smtClean="0"/>
+              <a:rPr lang="zh-CN" altLang="en-US" sz="2800" dirty="0"/>
               <a:t>应用场景：</a:t>
             </a:r>
-            <a:endParaRPr lang="en-US" altLang="zh-CN" sz="2800" dirty="0" smtClean="0"/>
+            <a:endParaRPr lang="en-US" altLang="zh-CN" sz="2800" dirty="0"/>
           </a:p>
           <a:p>
             <a:pPr marL="457200" indent="-457200" eaLnBrk="1" hangingPunct="1">
@@ -33677,7 +33095,7 @@
               <a:buFont typeface="Wingdings" panose="05000000000000000000" pitchFamily="2" charset="2"/>
               <a:buChar char="Ø"/>
             </a:pPr>
-            <a:endParaRPr lang="en-US" altLang="zh-CN" sz="2800" dirty="0" smtClean="0"/>
+            <a:endParaRPr lang="en-US" altLang="zh-CN" sz="2800" dirty="0"/>
           </a:p>
           <a:p>
             <a:pPr marL="514350" indent="-514350" eaLnBrk="1" hangingPunct="1">
@@ -33688,18 +33106,18 @@
               <a:buAutoNum type="circleNumDbPlain"/>
             </a:pPr>
             <a:r>
-              <a:rPr lang="zh-CN" altLang="en-US" sz="2800" dirty="0" smtClean="0"/>
+              <a:rPr lang="zh-CN" altLang="en-US" sz="2800" dirty="0"/>
               <a:t>测试人员提交</a:t>
             </a:r>
             <a:r>
-              <a:rPr lang="en-US" altLang="zh-CN" sz="2800" dirty="0" smtClean="0"/>
+              <a:rPr lang="en-US" altLang="zh-CN" sz="2800" dirty="0"/>
               <a:t>bug</a:t>
             </a:r>
             <a:r>
-              <a:rPr lang="zh-CN" altLang="en-US" sz="2800" dirty="0" smtClean="0"/>
+              <a:rPr lang="zh-CN" altLang="en-US" sz="2800" dirty="0"/>
               <a:t>时</a:t>
             </a:r>
-            <a:endParaRPr lang="en-US" altLang="zh-CN" sz="2800" dirty="0" smtClean="0"/>
+            <a:endParaRPr lang="en-US" altLang="zh-CN" sz="2800" dirty="0"/>
           </a:p>
           <a:p>
             <a:pPr marL="514350" indent="-514350" eaLnBrk="1" hangingPunct="1">
@@ -33709,7 +33127,7 @@
               <a:buFont typeface="+mj-ea"/>
               <a:buAutoNum type="circleNumDbPlain"/>
             </a:pPr>
-            <a:endParaRPr lang="en-US" altLang="zh-CN" sz="2800" dirty="0" smtClean="0"/>
+            <a:endParaRPr lang="en-US" altLang="zh-CN" sz="2800" dirty="0"/>
           </a:p>
           <a:p>
             <a:pPr marL="514350" indent="-514350" eaLnBrk="1" hangingPunct="1">
@@ -33720,10 +33138,10 @@
               <a:buAutoNum type="circleNumDbPlain"/>
             </a:pPr>
             <a:r>
-              <a:rPr lang="zh-CN" altLang="en-US" sz="2800" dirty="0" smtClean="0"/>
+              <a:rPr lang="zh-CN" altLang="en-US" sz="2800" dirty="0"/>
               <a:t>线上故障等级的定义</a:t>
             </a:r>
-            <a:endParaRPr lang="en-US" altLang="zh-CN" sz="2800" dirty="0" smtClean="0"/>
+            <a:endParaRPr lang="en-US" altLang="zh-CN" sz="2800" dirty="0"/>
           </a:p>
           <a:p>
             <a:pPr marL="514350" indent="-514350" eaLnBrk="1" hangingPunct="1">
@@ -33733,7 +33151,7 @@
               <a:buFont typeface="+mj-ea"/>
               <a:buAutoNum type="circleNumDbPlain"/>
             </a:pPr>
-            <a:endParaRPr lang="zh-CN" altLang="en-US" sz="2800" dirty="0" smtClean="0"/>
+            <a:endParaRPr lang="zh-CN" altLang="en-US" sz="2800" dirty="0"/>
           </a:p>
         </p:txBody>
       </p:sp>
@@ -33792,11 +33210,11 @@
           <a:p>
             <a:pPr eaLnBrk="1" hangingPunct="1"/>
             <a:r>
-              <a:rPr lang="en-US" altLang="zh-CN" dirty="0" smtClean="0"/>
+              <a:rPr lang="en-US" altLang="zh-CN" dirty="0"/>
               <a:t>1.3.3  </a:t>
             </a:r>
             <a:r>
-              <a:rPr lang="zh-CN" altLang="en-US" dirty="0" smtClean="0"/>
+              <a:rPr lang="zh-CN" altLang="en-US" dirty="0"/>
               <a:t>软件缺陷的分类</a:t>
             </a:r>
           </a:p>
@@ -34487,17 +33905,6 @@
                     <a:p>
                       <a:pPr algn="l" rtl="0" fontAlgn="ctr"/>
                       <a:r>
-                        <a:rPr lang="zh-CN" altLang="en-US" sz="1800" b="1" i="0" u="none" strike="noStrike" dirty="0" smtClean="0">
-                          <a:solidFill>
-                            <a:srgbClr val="0033CC"/>
-                          </a:solidFill>
-                          <a:effectLst/>
-                          <a:latin typeface="宋体" panose="02010600030101010101" pitchFamily="2" charset="-122"/>
-                          <a:ea typeface="宋体" panose="02010600030101010101" pitchFamily="2" charset="-122"/>
-                        </a:rPr>
-                        <a:t>投诉</a:t>
-                      </a:r>
-                      <a:r>
                         <a:rPr lang="zh-CN" altLang="en-US" sz="1800" b="1" i="0" u="none" strike="noStrike" dirty="0">
                           <a:solidFill>
                             <a:srgbClr val="0033CC"/>
@@ -34506,7 +33913,7 @@
                           <a:latin typeface="宋体" panose="02010600030101010101" pitchFamily="2" charset="-122"/>
                           <a:ea typeface="宋体" panose="02010600030101010101" pitchFamily="2" charset="-122"/>
                         </a:rPr>
-                        <a:t>量</a:t>
+                        <a:t>投诉量</a:t>
                       </a:r>
                       <a:r>
                         <a:rPr lang="en-US" altLang="zh-CN" sz="1800" b="1" i="0" u="none" strike="noStrike" dirty="0">
@@ -34600,7 +34007,7 @@
                     <a:p>
                       <a:pPr algn="l" rtl="0" fontAlgn="ctr"/>
                       <a:r>
-                        <a:rPr lang="en-US" sz="1800" b="1" i="0" u="none" strike="noStrike" dirty="0" smtClean="0">
+                        <a:rPr lang="en-US" sz="1800" b="1" i="0" u="none" strike="noStrike" dirty="0">
                           <a:solidFill>
                             <a:srgbClr val="0033CC"/>
                           </a:solidFill>
@@ -34611,17 +34018,6 @@
                         <a:t>P2 </a:t>
                       </a:r>
                       <a:r>
-                        <a:rPr lang="zh-CN" altLang="en-US" sz="1800" b="1" i="0" u="none" strike="noStrike" dirty="0" smtClean="0">
-                          <a:solidFill>
-                            <a:srgbClr val="0033CC"/>
-                          </a:solidFill>
-                          <a:effectLst/>
-                          <a:latin typeface="宋体" panose="02010600030101010101" pitchFamily="2" charset="-122"/>
-                          <a:ea typeface="宋体" panose="02010600030101010101" pitchFamily="2" charset="-122"/>
-                        </a:rPr>
-                        <a:t>严重</a:t>
-                      </a:r>
-                      <a:r>
                         <a:rPr lang="zh-CN" altLang="en-US" sz="1800" b="1" i="0" u="none" strike="noStrike" dirty="0">
                           <a:solidFill>
                             <a:srgbClr val="0033CC"/>
@@ -34630,7 +34026,7 @@
                           <a:latin typeface="宋体" panose="02010600030101010101" pitchFamily="2" charset="-122"/>
                           <a:ea typeface="宋体" panose="02010600030101010101" pitchFamily="2" charset="-122"/>
                         </a:rPr>
-                        <a:t>的</a:t>
+                        <a:t>严重的</a:t>
                       </a:r>
                     </a:p>
                   </a:txBody>
@@ -34900,17 +34296,6 @@
                     <a:p>
                       <a:pPr algn="l" rtl="0" fontAlgn="ctr"/>
                       <a:r>
-                        <a:rPr lang="zh-CN" altLang="en-US" sz="1800" b="1" i="0" u="none" strike="noStrike" dirty="0" smtClean="0">
-                          <a:solidFill>
-                            <a:srgbClr val="FFC000"/>
-                          </a:solidFill>
-                          <a:effectLst/>
-                          <a:latin typeface="宋体" panose="02010600030101010101" pitchFamily="2" charset="-122"/>
-                          <a:ea typeface="宋体" panose="02010600030101010101" pitchFamily="2" charset="-122"/>
-                        </a:rPr>
-                        <a:t>投诉</a:t>
-                      </a:r>
-                      <a:r>
                         <a:rPr lang="zh-CN" altLang="en-US" sz="1800" b="1" i="0" u="none" strike="noStrike" dirty="0">
                           <a:solidFill>
                             <a:srgbClr val="FFC000"/>
@@ -34919,7 +34304,7 @@
                           <a:latin typeface="宋体" panose="02010600030101010101" pitchFamily="2" charset="-122"/>
                           <a:ea typeface="宋体" panose="02010600030101010101" pitchFamily="2" charset="-122"/>
                         </a:rPr>
-                        <a:t>量</a:t>
+                        <a:t>投诉量</a:t>
                       </a:r>
                       <a:r>
                         <a:rPr lang="en-US" altLang="zh-CN" sz="1800" b="1" i="0" u="none" strike="noStrike" dirty="0">
@@ -35013,7 +34398,7 @@
                     <a:p>
                       <a:pPr algn="l" rtl="0" fontAlgn="ctr"/>
                       <a:r>
-                        <a:rPr lang="en-US" sz="1800" b="1" i="0" u="none" strike="noStrike" dirty="0" smtClean="0">
+                        <a:rPr lang="en-US" sz="1800" b="1" i="0" u="none" strike="noStrike" dirty="0">
                           <a:solidFill>
                             <a:srgbClr val="FFC000"/>
                           </a:solidFill>
@@ -35024,17 +34409,6 @@
                         <a:t>P3 </a:t>
                       </a:r>
                       <a:r>
-                        <a:rPr lang="zh-CN" altLang="en-US" sz="1800" b="1" i="0" u="none" strike="noStrike" dirty="0" smtClean="0">
-                          <a:solidFill>
-                            <a:srgbClr val="FFC000"/>
-                          </a:solidFill>
-                          <a:effectLst/>
-                          <a:latin typeface="宋体" panose="02010600030101010101" pitchFamily="2" charset="-122"/>
-                          <a:ea typeface="宋体" panose="02010600030101010101" pitchFamily="2" charset="-122"/>
-                        </a:rPr>
-                        <a:t>一般</a:t>
-                      </a:r>
-                      <a:r>
                         <a:rPr lang="zh-CN" altLang="en-US" sz="1800" b="1" i="0" u="none" strike="noStrike" dirty="0">
                           <a:solidFill>
                             <a:srgbClr val="FFC000"/>
@@ -35043,7 +34417,7 @@
                           <a:latin typeface="宋体" panose="02010600030101010101" pitchFamily="2" charset="-122"/>
                           <a:ea typeface="宋体" panose="02010600030101010101" pitchFamily="2" charset="-122"/>
                         </a:rPr>
-                        <a:t>的</a:t>
+                        <a:t>一般的</a:t>
                       </a:r>
                     </a:p>
                   </a:txBody>
@@ -35371,7 +34745,7 @@
                     <a:p>
                       <a:pPr algn="l" rtl="0" fontAlgn="ctr"/>
                       <a:r>
-                        <a:rPr lang="en-US" sz="1800" b="1" i="0" u="none" strike="noStrike" dirty="0" smtClean="0">
+                        <a:rPr lang="en-US" sz="1800" b="1" i="0" u="none" strike="noStrike" dirty="0">
                           <a:solidFill>
                             <a:srgbClr val="00B050"/>
                           </a:solidFill>
@@ -35382,17 +34756,6 @@
                         <a:t>P4 </a:t>
                       </a:r>
                       <a:r>
-                        <a:rPr lang="zh-CN" altLang="en-US" sz="1800" b="1" i="0" u="none" strike="noStrike" dirty="0" smtClean="0">
-                          <a:solidFill>
-                            <a:srgbClr val="00B050"/>
-                          </a:solidFill>
-                          <a:effectLst/>
-                          <a:latin typeface="宋体" panose="02010600030101010101" pitchFamily="2" charset="-122"/>
-                          <a:ea typeface="宋体" panose="02010600030101010101" pitchFamily="2" charset="-122"/>
-                        </a:rPr>
-                        <a:t>微小</a:t>
-                      </a:r>
-                      <a:r>
                         <a:rPr lang="zh-CN" altLang="en-US" sz="1800" b="1" i="0" u="none" strike="noStrike" dirty="0">
                           <a:solidFill>
                             <a:srgbClr val="00B050"/>
@@ -35401,7 +34764,7 @@
                           <a:latin typeface="宋体" panose="02010600030101010101" pitchFamily="2" charset="-122"/>
                           <a:ea typeface="宋体" panose="02010600030101010101" pitchFamily="2" charset="-122"/>
                         </a:rPr>
-                        <a:t>的</a:t>
+                        <a:t>微小的</a:t>
                       </a:r>
                     </a:p>
                   </a:txBody>
@@ -35508,11 +34871,11 @@
           <a:lstStyle/>
           <a:p>
             <a:r>
-              <a:rPr lang="en-US" altLang="zh-CN" smtClean="0"/>
+              <a:rPr lang="en-US" altLang="zh-CN"/>
               <a:t>1.3.3  </a:t>
             </a:r>
             <a:r>
-              <a:rPr lang="zh-CN" altLang="en-US" smtClean="0"/>
+              <a:rPr lang="zh-CN" altLang="en-US"/>
               <a:t>软件缺陷的分类</a:t>
             </a:r>
           </a:p>
@@ -35540,11 +34903,11 @@
           <a:p>
             <a:pPr eaLnBrk="1" hangingPunct="1"/>
             <a:r>
-              <a:rPr lang="en-US" altLang="zh-CN" dirty="0" smtClean="0"/>
+              <a:rPr lang="en-US" altLang="zh-CN" dirty="0"/>
               <a:t>2</a:t>
             </a:r>
             <a:r>
-              <a:rPr lang="zh-CN" altLang="en-US" dirty="0" smtClean="0"/>
+              <a:rPr lang="zh-CN" altLang="en-US" dirty="0"/>
               <a:t>、以产生的技术类型来分：</a:t>
             </a:r>
           </a:p>
@@ -35554,7 +34917,7 @@
               <a:buAutoNum type="circleNumDbPlain"/>
             </a:pPr>
             <a:r>
-              <a:rPr lang="zh-CN" altLang="en-US" sz="2000" dirty="0" smtClean="0">
+              <a:rPr lang="zh-CN" altLang="en-US" sz="2000" dirty="0">
                 <a:solidFill>
                   <a:srgbClr val="FFFF00"/>
                 </a:solidFill>
@@ -35564,7 +34927,7 @@
               <a:t>输入</a:t>
             </a:r>
             <a:r>
-              <a:rPr lang="en-US" altLang="zh-CN" sz="2000" dirty="0" smtClean="0">
+              <a:rPr lang="en-US" altLang="zh-CN" sz="2000" dirty="0">
                 <a:solidFill>
                   <a:srgbClr val="FFFF00"/>
                 </a:solidFill>
@@ -35574,7 +34937,7 @@
               <a:t>/</a:t>
             </a:r>
             <a:r>
-              <a:rPr lang="zh-CN" altLang="en-US" sz="2000" dirty="0" smtClean="0">
+              <a:rPr lang="zh-CN" altLang="en-US" sz="2000" dirty="0">
                 <a:solidFill>
                   <a:srgbClr val="FFFF00"/>
                 </a:solidFill>
@@ -35584,66 +34947,10 @@
               <a:t>输出缺陷：</a:t>
             </a:r>
             <a:r>
-              <a:rPr lang="zh-CN" altLang="en-US" sz="2000" dirty="0" smtClean="0"/>
+              <a:rPr lang="zh-CN" altLang="en-US" sz="2000" dirty="0"/>
               <a:t>不接受正确的输入；接受不正确的输入；描述有错误或遗漏；参数有错误或遗漏；输出格式有错；输出结果有错；</a:t>
             </a:r>
-            <a:endParaRPr lang="en-US" altLang="zh-CN" sz="2000" dirty="0" smtClean="0"/>
-          </a:p>
-          <a:p>
-            <a:pPr marL="457200" indent="-457200">
-              <a:buFont typeface="+mj-ea"/>
-              <a:buAutoNum type="circleNumDbPlain"/>
-            </a:pPr>
-            <a:endParaRPr lang="en-US" altLang="zh-CN" sz="2000" dirty="0" smtClean="0"/>
-          </a:p>
-          <a:p>
-            <a:pPr marL="457200" indent="-457200">
-              <a:buFont typeface="+mj-ea"/>
-              <a:buAutoNum type="circleNumDbPlain"/>
-            </a:pPr>
-            <a:r>
-              <a:rPr lang="zh-CN" altLang="en-US" sz="2000" dirty="0" smtClean="0">
-                <a:solidFill>
-                  <a:srgbClr val="FFFF00"/>
-                </a:solidFill>
-                <a:latin typeface="华文中宋" panose="02010600040101010101" pitchFamily="2" charset="-122"/>
-                <a:ea typeface="华文中宋" panose="02010600040101010101" pitchFamily="2" charset="-122"/>
-              </a:rPr>
-              <a:t>逻辑缺陷：</a:t>
-            </a:r>
-            <a:r>
-              <a:rPr lang="zh-CN" altLang="en-US" sz="2000" dirty="0" smtClean="0"/>
-              <a:t>遗漏、重复情况；极端条件出错；不正确的循环迭代 ；</a:t>
-            </a:r>
-            <a:endParaRPr lang="en-US" altLang="zh-CN" sz="2000" dirty="0" smtClean="0"/>
-          </a:p>
-          <a:p>
-            <a:pPr marL="457200" indent="-457200">
-              <a:buFont typeface="+mj-ea"/>
-              <a:buAutoNum type="circleNumDbPlain"/>
-            </a:pPr>
-            <a:endParaRPr lang="en-US" altLang="zh-CN" sz="2000" dirty="0" smtClean="0"/>
-          </a:p>
-          <a:p>
-            <a:pPr marL="457200" indent="-457200">
-              <a:buFont typeface="+mj-ea"/>
-              <a:buAutoNum type="circleNumDbPlain"/>
-            </a:pPr>
-            <a:r>
-              <a:rPr lang="zh-CN" altLang="en-US" sz="2000" dirty="0" smtClean="0">
-                <a:solidFill>
-                  <a:srgbClr val="FFFF00"/>
-                </a:solidFill>
-                <a:latin typeface="华文中宋" panose="02010600040101010101" pitchFamily="2" charset="-122"/>
-                <a:ea typeface="华文中宋" panose="02010600040101010101" pitchFamily="2" charset="-122"/>
-              </a:rPr>
-              <a:t>计算错误：</a:t>
-            </a:r>
-            <a:r>
-              <a:rPr lang="zh-CN" altLang="en-US" sz="2000" dirty="0" smtClean="0"/>
-              <a:t>不正确的计算；遗漏计算；不正确的操作；精度不够；</a:t>
-            </a:r>
-            <a:endParaRPr lang="en-US" altLang="zh-CN" sz="2000" dirty="0" smtClean="0"/>
+            <a:endParaRPr lang="en-US" altLang="zh-CN" sz="2000" dirty="0"/>
           </a:p>
           <a:p>
             <a:pPr marL="457200" indent="-457200">
@@ -35658,28 +34965,20 @@
               <a:buAutoNum type="circleNumDbPlain"/>
             </a:pPr>
             <a:r>
-              <a:rPr lang="zh-CN" altLang="en-US" sz="2000" dirty="0" smtClean="0">
+              <a:rPr lang="zh-CN" altLang="en-US" sz="2000" dirty="0">
                 <a:solidFill>
                   <a:srgbClr val="FFFF00"/>
                 </a:solidFill>
                 <a:latin typeface="华文中宋" panose="02010600040101010101" pitchFamily="2" charset="-122"/>
                 <a:ea typeface="华文中宋" panose="02010600040101010101" pitchFamily="2" charset="-122"/>
               </a:rPr>
-              <a:t>接口缺陷：</a:t>
-            </a:r>
-            <a:r>
-              <a:rPr lang="zh-CN" altLang="en-US" sz="2000" dirty="0" smtClean="0"/>
-              <a:t>不正确的中断处理；</a:t>
-            </a:r>
-            <a:r>
-              <a:rPr lang="en-US" altLang="zh-CN" sz="2000" dirty="0" smtClean="0"/>
-              <a:t>I/O</a:t>
-            </a:r>
-            <a:r>
-              <a:rPr lang="zh-CN" altLang="en-US" sz="2000" dirty="0" smtClean="0"/>
-              <a:t>时序有错；调用了错误的过程；不兼容的类型等。</a:t>
-            </a:r>
-            <a:endParaRPr lang="en-US" altLang="zh-CN" sz="2000" dirty="0" smtClean="0"/>
+              <a:t>逻辑缺陷：</a:t>
+            </a:r>
+            <a:r>
+              <a:rPr lang="zh-CN" altLang="en-US" sz="2000" dirty="0"/>
+              <a:t>遗漏、重复情况；极端条件出错；不正确的循环迭代 ；</a:t>
+            </a:r>
+            <a:endParaRPr lang="en-US" altLang="zh-CN" sz="2000" dirty="0"/>
           </a:p>
           <a:p>
             <a:pPr marL="457200" indent="-457200">
@@ -35694,7 +34993,71 @@
               <a:buAutoNum type="circleNumDbPlain"/>
             </a:pPr>
             <a:r>
-              <a:rPr lang="zh-CN" altLang="en-US" sz="2000" dirty="0" smtClean="0">
+              <a:rPr lang="zh-CN" altLang="en-US" sz="2000" dirty="0">
+                <a:solidFill>
+                  <a:srgbClr val="FFFF00"/>
+                </a:solidFill>
+                <a:latin typeface="华文中宋" panose="02010600040101010101" pitchFamily="2" charset="-122"/>
+                <a:ea typeface="华文中宋" panose="02010600040101010101" pitchFamily="2" charset="-122"/>
+              </a:rPr>
+              <a:t>计算错误：</a:t>
+            </a:r>
+            <a:r>
+              <a:rPr lang="zh-CN" altLang="en-US" sz="2000" dirty="0"/>
+              <a:t>不正确的计算；遗漏计算；不正确的操作；精度不够；</a:t>
+            </a:r>
+            <a:endParaRPr lang="en-US" altLang="zh-CN" sz="2000" dirty="0"/>
+          </a:p>
+          <a:p>
+            <a:pPr marL="457200" indent="-457200">
+              <a:buFont typeface="+mj-ea"/>
+              <a:buAutoNum type="circleNumDbPlain"/>
+            </a:pPr>
+            <a:endParaRPr lang="en-US" altLang="zh-CN" sz="2000" dirty="0"/>
+          </a:p>
+          <a:p>
+            <a:pPr marL="457200" indent="-457200">
+              <a:buFont typeface="+mj-ea"/>
+              <a:buAutoNum type="circleNumDbPlain"/>
+            </a:pPr>
+            <a:r>
+              <a:rPr lang="zh-CN" altLang="en-US" sz="2000" dirty="0">
+                <a:solidFill>
+                  <a:srgbClr val="FFFF00"/>
+                </a:solidFill>
+                <a:latin typeface="华文中宋" panose="02010600040101010101" pitchFamily="2" charset="-122"/>
+                <a:ea typeface="华文中宋" panose="02010600040101010101" pitchFamily="2" charset="-122"/>
+              </a:rPr>
+              <a:t>接口缺陷：</a:t>
+            </a:r>
+            <a:r>
+              <a:rPr lang="zh-CN" altLang="en-US" sz="2000" dirty="0"/>
+              <a:t>不正确的中断处理；</a:t>
+            </a:r>
+            <a:r>
+              <a:rPr lang="en-US" altLang="zh-CN" sz="2000" dirty="0"/>
+              <a:t>I/O</a:t>
+            </a:r>
+            <a:r>
+              <a:rPr lang="zh-CN" altLang="en-US" sz="2000" dirty="0"/>
+              <a:t>时序有错；调用了错误的过程；不兼容的类型等。</a:t>
+            </a:r>
+            <a:endParaRPr lang="en-US" altLang="zh-CN" sz="2000" dirty="0"/>
+          </a:p>
+          <a:p>
+            <a:pPr marL="457200" indent="-457200">
+              <a:buFont typeface="+mj-ea"/>
+              <a:buAutoNum type="circleNumDbPlain"/>
+            </a:pPr>
+            <a:endParaRPr lang="en-US" altLang="zh-CN" sz="2000" dirty="0"/>
+          </a:p>
+          <a:p>
+            <a:pPr marL="457200" indent="-457200">
+              <a:buFont typeface="+mj-ea"/>
+              <a:buAutoNum type="circleNumDbPlain"/>
+            </a:pPr>
+            <a:r>
+              <a:rPr lang="zh-CN" altLang="en-US" sz="2000" dirty="0">
                 <a:solidFill>
                   <a:srgbClr val="FFFF00"/>
                 </a:solidFill>
@@ -35704,37 +35067,37 @@
               <a:t>数据缺陷：</a:t>
             </a:r>
             <a:r>
-              <a:rPr lang="zh-CN" altLang="en-US" sz="2000" dirty="0" smtClean="0"/>
+              <a:rPr lang="zh-CN" altLang="en-US" sz="2000" dirty="0"/>
               <a:t>不正确的初始化；不正确的存储</a:t>
             </a:r>
             <a:r>
-              <a:rPr lang="en-US" altLang="zh-CN" sz="2000" dirty="0" smtClean="0"/>
+              <a:rPr lang="en-US" altLang="zh-CN" sz="2000" dirty="0"/>
               <a:t>/</a:t>
             </a:r>
             <a:r>
-              <a:rPr lang="zh-CN" altLang="en-US" sz="2000" dirty="0" smtClean="0"/>
+              <a:rPr lang="zh-CN" altLang="en-US" sz="2000" dirty="0"/>
               <a:t>访问；错误的标志</a:t>
             </a:r>
             <a:r>
-              <a:rPr lang="en-US" altLang="zh-CN" sz="2000" dirty="0" smtClean="0"/>
+              <a:rPr lang="en-US" altLang="zh-CN" sz="2000" dirty="0"/>
               <a:t>/</a:t>
             </a:r>
             <a:r>
-              <a:rPr lang="zh-CN" altLang="en-US" sz="2000" dirty="0" smtClean="0"/>
+              <a:rPr lang="zh-CN" altLang="en-US" sz="2000" dirty="0"/>
               <a:t>索引值；不正确的打包</a:t>
             </a:r>
             <a:r>
-              <a:rPr lang="en-US" altLang="zh-CN" sz="2000" dirty="0" smtClean="0"/>
+              <a:rPr lang="en-US" altLang="zh-CN" sz="2000" dirty="0"/>
               <a:t>/</a:t>
             </a:r>
             <a:r>
-              <a:rPr lang="zh-CN" altLang="en-US" sz="2000" dirty="0" smtClean="0"/>
+              <a:rPr lang="zh-CN" altLang="en-US" sz="2000" dirty="0"/>
               <a:t>拆包；缩放数据范围或单位错误；不一致的数据。</a:t>
             </a:r>
-            <a:endParaRPr lang="en-US" altLang="zh-CN" dirty="0" smtClean="0"/>
+            <a:endParaRPr lang="en-US" altLang="zh-CN" dirty="0"/>
           </a:p>
           <a:p>
-            <a:endParaRPr lang="zh-CN" altLang="en-US" sz="2000" dirty="0" smtClean="0"/>
+            <a:endParaRPr lang="zh-CN" altLang="en-US" sz="2000" dirty="0"/>
           </a:p>
         </p:txBody>
       </p:sp>
@@ -35787,11 +35150,11 @@
           <a:lstStyle/>
           <a:p>
             <a:r>
-              <a:rPr lang="en-US" altLang="zh-CN" dirty="0" smtClean="0"/>
+              <a:rPr lang="en-US" altLang="zh-CN" dirty="0"/>
               <a:t>1.3.3  </a:t>
             </a:r>
             <a:r>
-              <a:rPr lang="zh-CN" altLang="en-US" dirty="0" smtClean="0"/>
+              <a:rPr lang="zh-CN" altLang="en-US" dirty="0"/>
               <a:t>软件缺陷的分类</a:t>
             </a:r>
           </a:p>
@@ -35822,30 +35185,17 @@
               <a:buChar char="Ø"/>
             </a:pPr>
             <a:r>
-              <a:rPr lang="zh-CN" altLang="en-US" dirty="0" smtClean="0"/>
-              <a:t>以</a:t>
-            </a:r>
-            <a:r>
-              <a:rPr lang="zh-CN" altLang="en-US" dirty="0" smtClean="0"/>
-              <a:t>产生的技术类型来</a:t>
-            </a:r>
-            <a:r>
-              <a:rPr lang="zh-CN" altLang="en-US" dirty="0" smtClean="0"/>
-              <a:t>分</a:t>
-            </a:r>
-            <a:r>
-              <a:rPr lang="en-US" altLang="zh-CN" dirty="0" smtClean="0"/>
+              <a:rPr lang="zh-CN" altLang="en-US" dirty="0"/>
+              <a:t>以产生的技术类型来分</a:t>
+            </a:r>
+            <a:r>
+              <a:rPr lang="en-US" altLang="zh-CN" dirty="0"/>
               <a:t>——</a:t>
             </a:r>
             <a:r>
-              <a:rPr lang="zh-CN" altLang="en-US" dirty="0" smtClean="0"/>
-              <a:t>应用场景</a:t>
-            </a:r>
-            <a:r>
-              <a:rPr lang="zh-CN" altLang="en-US" dirty="0" smtClean="0"/>
-              <a:t>：</a:t>
-            </a:r>
-            <a:endParaRPr lang="zh-CN" altLang="en-US" dirty="0" smtClean="0"/>
+              <a:rPr lang="zh-CN" altLang="en-US" dirty="0"/>
+              <a:t>应用场景：</a:t>
+            </a:r>
           </a:p>
           <a:p>
             <a:pPr marL="457200" indent="-457200">
@@ -35853,18 +35203,18 @@
               <a:buAutoNum type="circleNumDbPlain"/>
             </a:pPr>
             <a:r>
-              <a:rPr lang="zh-CN" altLang="en-US" sz="2000" dirty="0" smtClean="0"/>
+              <a:rPr lang="zh-CN" altLang="en-US" sz="2000" dirty="0"/>
               <a:t>线上、线下</a:t>
             </a:r>
             <a:r>
-              <a:rPr lang="en-US" altLang="zh-CN" sz="2000" dirty="0" smtClean="0"/>
+              <a:rPr lang="en-US" altLang="zh-CN" sz="2000" dirty="0"/>
               <a:t>bug</a:t>
             </a:r>
             <a:r>
-              <a:rPr lang="zh-CN" altLang="en-US" sz="2000" dirty="0" smtClean="0"/>
+              <a:rPr lang="zh-CN" altLang="en-US" sz="2000" dirty="0"/>
               <a:t>分类，进行流程和管理的优化</a:t>
             </a:r>
-            <a:endParaRPr lang="en-US" altLang="zh-CN" sz="2000" dirty="0" smtClean="0"/>
+            <a:endParaRPr lang="en-US" altLang="zh-CN" sz="2000" dirty="0"/>
           </a:p>
           <a:p>
             <a:pPr marL="457200" indent="-457200">
@@ -35878,7 +35228,7 @@
               <a:buFont typeface="+mj-ea"/>
               <a:buAutoNum type="circleNumDbPlain"/>
             </a:pPr>
-            <a:endParaRPr lang="en-US" altLang="zh-CN" sz="2000" dirty="0" smtClean="0"/>
+            <a:endParaRPr lang="en-US" altLang="zh-CN" sz="2000" dirty="0"/>
           </a:p>
           <a:p>
             <a:pPr marL="457200" indent="-457200">
@@ -35892,7 +35242,7 @@
               <a:buFont typeface="+mj-ea"/>
               <a:buAutoNum type="circleNumDbPlain"/>
             </a:pPr>
-            <a:endParaRPr lang="zh-CN" altLang="en-US" sz="2000" dirty="0" smtClean="0"/>
+            <a:endParaRPr lang="zh-CN" altLang="en-US" sz="2000" dirty="0"/>
           </a:p>
         </p:txBody>
       </p:sp>
@@ -35973,7 +35323,7 @@
           <a:p>
             <a:pPr eaLnBrk="1" hangingPunct="1"/>
             <a:r>
-              <a:rPr lang="zh-CN" altLang="en-US" b="0" smtClean="0"/>
+              <a:rPr lang="zh-CN" altLang="en-US" b="0"/>
               <a:t>小结</a:t>
             </a:r>
           </a:p>
@@ -36005,19 +35355,19 @@
               </a:lnSpc>
             </a:pPr>
             <a:r>
-              <a:rPr lang="en-US" altLang="zh-CN" sz="1800" smtClean="0">
+              <a:rPr lang="en-US" altLang="zh-CN" sz="1800">
                 <a:latin typeface="宋体" panose="02010600030101010101" pitchFamily="2" charset="-122"/>
               </a:rPr>
               <a:t>		</a:t>
             </a:r>
             <a:r>
-              <a:rPr lang="zh-CN" altLang="en-US" sz="1800" smtClean="0">
+              <a:rPr lang="zh-CN" altLang="en-US" sz="1800">
                 <a:latin typeface="宋体" panose="02010600030101010101" pitchFamily="2" charset="-122"/>
               </a:rPr>
               <a:t>软件测试是提高软件质量的重要手段，软件测试的概念相对于软件质量而存在。</a:t>
             </a:r>
             <a:r>
-              <a:rPr lang="zh-CN" altLang="en-US" sz="1800" smtClean="0">
+              <a:rPr lang="zh-CN" altLang="en-US" sz="1800">
                 <a:solidFill>
                   <a:srgbClr val="FFFF00"/>
                 </a:solidFill>
@@ -36027,13 +35377,13 @@
               <a:t>软件质量</a:t>
             </a:r>
             <a:r>
-              <a:rPr lang="zh-CN" altLang="en-US" sz="1800" smtClean="0">
+              <a:rPr lang="zh-CN" altLang="en-US" sz="1800">
                 <a:latin typeface="宋体" panose="02010600030101010101" pitchFamily="2" charset="-122"/>
               </a:rPr>
               <a:t>是软件产品满足使用要求的程度，满足程度是由软件的</a:t>
             </a:r>
             <a:r>
-              <a:rPr lang="zh-CN" altLang="en-US" sz="1800" smtClean="0">
+              <a:rPr lang="zh-CN" altLang="en-US" sz="1800">
                 <a:solidFill>
                   <a:srgbClr val="FFFF00"/>
                 </a:solidFill>
@@ -36042,13 +35392,13 @@
               <a:t>特征和特征集</a:t>
             </a:r>
             <a:r>
-              <a:rPr lang="zh-CN" altLang="en-US" sz="1800" smtClean="0">
+              <a:rPr lang="zh-CN" altLang="en-US" sz="1800">
                 <a:latin typeface="宋体" panose="02010600030101010101" pitchFamily="2" charset="-122"/>
               </a:rPr>
               <a:t>决定的。</a:t>
             </a:r>
             <a:r>
-              <a:rPr lang="zh-CN" altLang="en-US" sz="1800" smtClean="0">
+              <a:rPr lang="zh-CN" altLang="en-US" sz="1800">
                 <a:solidFill>
                   <a:srgbClr val="FFFF00"/>
                 </a:solidFill>
@@ -36058,13 +35408,13 @@
               <a:t>软件缺陷</a:t>
             </a:r>
             <a:r>
-              <a:rPr lang="zh-CN" altLang="en-US" sz="1800" smtClean="0">
+              <a:rPr lang="zh-CN" altLang="en-US" sz="1800">
                 <a:latin typeface="宋体" panose="02010600030101010101" pitchFamily="2" charset="-122"/>
               </a:rPr>
               <a:t>是软件在生命周期各个阶段存在的一种不满足给定需求属性的问题。在开发阶段，有三次机会可能引入缺陷，并在开发的其他过程中将这些缺陷传播演变为其他缺陷。在修复缺陷时，是产生缺陷的又一个机会。</a:t>
             </a:r>
             <a:r>
-              <a:rPr lang="zh-CN" altLang="en-US" sz="1800" smtClean="0">
+              <a:rPr lang="zh-CN" altLang="en-US" sz="1800">
                 <a:solidFill>
                   <a:srgbClr val="FFFF00"/>
                 </a:solidFill>
@@ -36074,7 +35424,7 @@
               <a:t>软件规格说明</a:t>
             </a:r>
             <a:r>
-              <a:rPr lang="zh-CN" altLang="en-US" sz="1800" smtClean="0">
+              <a:rPr lang="zh-CN" altLang="en-US" sz="1800">
                 <a:latin typeface="宋体" panose="02010600030101010101" pitchFamily="2" charset="-122"/>
               </a:rPr>
               <a:t>为什么是引入软件缺陷的最多的地方。对软件缺陷进行分类，确定软件缺陷修复优先级是节约资源的最佳手段。 </a:t>
@@ -36127,11 +35477,11 @@
           <a:p>
             <a:pPr eaLnBrk="1" hangingPunct="1"/>
             <a:r>
-              <a:rPr lang="en-US" altLang="zh-CN" smtClean="0"/>
+              <a:rPr lang="en-US" altLang="zh-CN"/>
               <a:t>1.1.1 </a:t>
             </a:r>
             <a:r>
-              <a:rPr lang="zh-CN" altLang="en-US" smtClean="0"/>
+              <a:rPr lang="zh-CN" altLang="en-US"/>
               <a:t>质量的概念</a:t>
             </a:r>
           </a:p>
@@ -36165,19 +35515,19 @@
               <a:buChar char="v"/>
             </a:pPr>
             <a:r>
-              <a:rPr lang="zh-CN" altLang="en-US" dirty="0" smtClean="0"/>
+              <a:rPr lang="zh-CN" altLang="en-US" dirty="0"/>
               <a:t>产品或工作的优劣程度。 </a:t>
             </a:r>
             <a:r>
-              <a:rPr lang="en-US" altLang="zh-CN" dirty="0" smtClean="0"/>
+              <a:rPr lang="en-US" altLang="zh-CN" dirty="0"/>
               <a:t>——《</a:t>
             </a:r>
             <a:r>
-              <a:rPr lang="zh-CN" altLang="en-US" dirty="0" smtClean="0"/>
+              <a:rPr lang="zh-CN" altLang="en-US" dirty="0"/>
               <a:t>辞海</a:t>
             </a:r>
             <a:r>
-              <a:rPr lang="en-US" altLang="zh-CN" dirty="0" smtClean="0"/>
+              <a:rPr lang="en-US" altLang="zh-CN" dirty="0"/>
               <a:t>》</a:t>
             </a:r>
           </a:p>
@@ -36190,11 +35540,11 @@
               <a:buChar char="v"/>
             </a:pPr>
             <a:r>
-              <a:rPr lang="zh-CN" altLang="en-US" dirty="0" smtClean="0"/>
+              <a:rPr lang="zh-CN" altLang="en-US" dirty="0"/>
               <a:t>一个实体（产品和服务）的所有特征，基于这些特征可以满足明显的或隐含的需求。</a:t>
             </a:r>
             <a:r>
-              <a:rPr lang="en-US" altLang="zh-CN" dirty="0" smtClean="0"/>
+              <a:rPr lang="en-US" altLang="zh-CN" dirty="0"/>
               <a:t>——ISO</a:t>
             </a:r>
           </a:p>
@@ -36207,15 +35557,15 @@
               <a:buChar char="v"/>
             </a:pPr>
             <a:r>
-              <a:rPr lang="en-US" altLang="zh-CN" dirty="0" smtClean="0"/>
+              <a:rPr lang="en-US" altLang="zh-CN" dirty="0"/>
               <a:t>——</a:t>
             </a:r>
             <a:r>
-              <a:rPr lang="zh-CN" altLang="en-US" dirty="0" smtClean="0"/>
+              <a:rPr lang="zh-CN" altLang="en-US" dirty="0"/>
               <a:t>质量管理专家朱兰</a:t>
             </a:r>
             <a:r>
-              <a:rPr lang="en-US" altLang="zh-CN" dirty="0" smtClean="0"/>
+              <a:rPr lang="en-US" altLang="zh-CN" dirty="0"/>
               <a:t>		</a:t>
             </a:r>
           </a:p>
@@ -36229,13 +35579,6 @@
   <p:transition>
     <p:zoom/>
   </p:transition>
-  <p:timing>
-    <p:tnLst>
-      <p:par>
-        <p:cTn id="1" dur="indefinite" restart="never" nodeType="tmRoot"/>
-      </p:par>
-    </p:tnLst>
-  </p:timing>
 </p:sld>
 </file>
 
@@ -36277,7 +35620,7 @@
           <a:lstStyle/>
           <a:p>
             <a:r>
-              <a:rPr lang="zh-CN" altLang="en-US" dirty="0" smtClean="0"/>
+              <a:rPr lang="zh-CN" altLang="en-US" dirty="0"/>
               <a:t>质量的概念</a:t>
             </a:r>
           </a:p>
@@ -36311,11 +35654,11 @@
               <a:buChar char="l"/>
             </a:pPr>
             <a:r>
-              <a:rPr lang="zh-CN" altLang="en-US" dirty="0" smtClean="0"/>
+              <a:rPr lang="zh-CN" altLang="en-US" dirty="0"/>
               <a:t>和质量息息相关的概念：客户</a:t>
             </a:r>
             <a:r>
-              <a:rPr lang="en-US" altLang="zh-CN" dirty="0" smtClean="0"/>
+              <a:rPr lang="en-US" altLang="zh-CN" dirty="0"/>
               <a:t>	</a:t>
             </a:r>
           </a:p>
@@ -36351,13 +35694,6 @@
   <p:transition>
     <p:zoom/>
   </p:transition>
-  <p:timing>
-    <p:tnLst>
-      <p:par>
-        <p:cTn id="1" dur="indefinite" restart="never" nodeType="tmRoot"/>
-      </p:par>
-    </p:tnLst>
-  </p:timing>
 </p:sld>
 </file>
 
@@ -36395,11 +35731,11 @@
           <a:p>
             <a:pPr eaLnBrk="1" hangingPunct="1"/>
             <a:r>
-              <a:rPr lang="en-US" altLang="zh-CN" smtClean="0"/>
+              <a:rPr lang="en-US" altLang="zh-CN"/>
               <a:t>1.1.2 </a:t>
             </a:r>
             <a:r>
-              <a:rPr lang="zh-CN" altLang="en-US" smtClean="0"/>
+              <a:rPr lang="zh-CN" altLang="en-US"/>
               <a:t>软件质量的内涵 </a:t>
             </a:r>
           </a:p>
@@ -36433,13 +35769,13 @@
               <a:buChar char="v"/>
             </a:pPr>
             <a:r>
-              <a:rPr lang="zh-CN" altLang="en-US" dirty="0" smtClean="0">
+              <a:rPr lang="zh-CN" altLang="en-US" dirty="0">
                 <a:latin typeface="宋体" panose="02010600030101010101" pitchFamily="2" charset="-122"/>
               </a:rPr>
               <a:t>表征计算机系统卓越程度的所有</a:t>
             </a:r>
             <a:r>
-              <a:rPr lang="zh-CN" altLang="en-US" dirty="0" smtClean="0">
+              <a:rPr lang="zh-CN" altLang="en-US" dirty="0">
                 <a:solidFill>
                   <a:srgbClr val="FF0000"/>
                 </a:solidFill>
@@ -36448,7 +35784,7 @@
               <a:t>属性的集合</a:t>
             </a:r>
             <a:r>
-              <a:rPr lang="zh-CN" altLang="en-US" dirty="0" smtClean="0">
+              <a:rPr lang="zh-CN" altLang="en-US" dirty="0">
                 <a:latin typeface="宋体" panose="02010600030101010101" pitchFamily="2" charset="-122"/>
               </a:rPr>
               <a:t>。</a:t>
@@ -36461,25 +35797,25 @@
               </a:lnSpc>
             </a:pPr>
             <a:r>
-              <a:rPr lang="zh-CN" altLang="en-US" dirty="0" smtClean="0">
+              <a:rPr lang="zh-CN" altLang="en-US" dirty="0">
                 <a:latin typeface="宋体" panose="02010600030101010101" pitchFamily="2" charset="-122"/>
               </a:rPr>
               <a:t>						</a:t>
             </a:r>
             <a:r>
-              <a:rPr lang="en-US" altLang="zh-CN" dirty="0" smtClean="0">
+              <a:rPr lang="en-US" altLang="zh-CN" dirty="0">
                 <a:latin typeface="宋体" panose="02010600030101010101" pitchFamily="2" charset="-122"/>
               </a:rPr>
               <a:t>—— Fisher</a:t>
             </a:r>
             <a:r>
-              <a:rPr lang="zh-CN" altLang="en-US" dirty="0" smtClean="0">
+              <a:rPr lang="zh-CN" altLang="en-US" dirty="0">
                 <a:latin typeface="宋体" panose="02010600030101010101" pitchFamily="2" charset="-122"/>
               </a:rPr>
               <a:t>和</a:t>
             </a:r>
             <a:r>
-              <a:rPr lang="en-US" altLang="zh-CN" dirty="0" smtClean="0">
+              <a:rPr lang="en-US" altLang="zh-CN" dirty="0">
                 <a:latin typeface="宋体" panose="02010600030101010101" pitchFamily="2" charset="-122"/>
               </a:rPr>
               <a:t>Light</a:t>
@@ -36494,13 +35830,13 @@
               <a:buChar char="v"/>
             </a:pPr>
             <a:r>
-              <a:rPr lang="zh-CN" altLang="en-US" dirty="0" smtClean="0">
+              <a:rPr lang="zh-CN" altLang="en-US" dirty="0">
                 <a:latin typeface="宋体" panose="02010600030101010101" pitchFamily="2" charset="-122"/>
               </a:rPr>
               <a:t>软件产品满足明示需求程度的一组</a:t>
             </a:r>
             <a:r>
-              <a:rPr lang="zh-CN" altLang="en-US" dirty="0" smtClean="0">
+              <a:rPr lang="zh-CN" altLang="en-US" dirty="0">
                 <a:solidFill>
                   <a:srgbClr val="FF0000"/>
                 </a:solidFill>
@@ -36509,7 +35845,7 @@
               <a:t>属性的集合</a:t>
             </a:r>
             <a:r>
-              <a:rPr lang="zh-CN" altLang="en-US" dirty="0" smtClean="0">
+              <a:rPr lang="zh-CN" altLang="en-US" dirty="0">
                 <a:latin typeface="宋体" panose="02010600030101010101" pitchFamily="2" charset="-122"/>
               </a:rPr>
               <a:t>。</a:t>
@@ -36522,13 +35858,13 @@
               </a:lnSpc>
             </a:pPr>
             <a:r>
-              <a:rPr lang="zh-CN" altLang="en-US" dirty="0" smtClean="0">
+              <a:rPr lang="zh-CN" altLang="en-US" dirty="0">
                 <a:latin typeface="宋体" panose="02010600030101010101" pitchFamily="2" charset="-122"/>
               </a:rPr>
               <a:t>						</a:t>
             </a:r>
             <a:r>
-              <a:rPr lang="en-US" altLang="zh-CN" sz="2400" dirty="0" smtClean="0">
+              <a:rPr lang="en-US" altLang="zh-CN" sz="2400" dirty="0">
                 <a:solidFill>
                   <a:schemeClr val="bg1"/>
                 </a:solidFill>
@@ -36537,7 +35873,7 @@
               <a:t>—— Donald </a:t>
             </a:r>
             <a:r>
-              <a:rPr lang="en-US" altLang="zh-CN" sz="2400" dirty="0" err="1" smtClean="0">
+              <a:rPr lang="en-US" altLang="zh-CN" sz="2400" dirty="0" err="1">
                 <a:solidFill>
                   <a:schemeClr val="bg1"/>
                 </a:solidFill>
@@ -36545,7 +35881,7 @@
               </a:rPr>
               <a:t>Reifer</a:t>
             </a:r>
-            <a:endParaRPr lang="en-US" altLang="zh-CN" sz="2400" dirty="0" smtClean="0">
+            <a:endParaRPr lang="en-US" altLang="zh-CN" sz="2400" dirty="0">
               <a:solidFill>
                 <a:schemeClr val="bg1"/>
               </a:solidFill>
@@ -36561,13 +35897,13 @@
               <a:buChar char="v"/>
             </a:pPr>
             <a:r>
-              <a:rPr lang="zh-CN" altLang="en-US" dirty="0" smtClean="0">
+              <a:rPr lang="zh-CN" altLang="en-US" dirty="0">
                 <a:latin typeface="宋体" panose="02010600030101010101" pitchFamily="2" charset="-122"/>
               </a:rPr>
               <a:t>软件产品满足使用要求的</a:t>
             </a:r>
             <a:r>
-              <a:rPr lang="zh-CN" altLang="en-US" dirty="0" smtClean="0">
+              <a:rPr lang="zh-CN" altLang="en-US" dirty="0">
                 <a:solidFill>
                   <a:srgbClr val="FF0000"/>
                 </a:solidFill>
@@ -36576,7 +35912,7 @@
               <a:t>程度</a:t>
             </a:r>
             <a:r>
-              <a:rPr lang="zh-CN" altLang="en-US" dirty="0" smtClean="0">
+              <a:rPr lang="zh-CN" altLang="en-US" dirty="0">
                 <a:latin typeface="宋体" panose="02010600030101010101" pitchFamily="2" charset="-122"/>
               </a:rPr>
               <a:t>。</a:t>
@@ -36589,19 +35925,19 @@
               </a:lnSpc>
             </a:pPr>
             <a:r>
-              <a:rPr lang="zh-CN" altLang="en-US" dirty="0" smtClean="0">
+              <a:rPr lang="zh-CN" altLang="en-US" dirty="0">
                 <a:latin typeface="宋体" panose="02010600030101010101" pitchFamily="2" charset="-122"/>
               </a:rPr>
               <a:t>						</a:t>
             </a:r>
             <a:r>
-              <a:rPr lang="en-US" altLang="zh-CN" dirty="0" smtClean="0">
+              <a:rPr lang="en-US" altLang="zh-CN" dirty="0">
                 <a:latin typeface="宋体" panose="02010600030101010101" pitchFamily="2" charset="-122"/>
               </a:rPr>
               <a:t>——</a:t>
             </a:r>
             <a:r>
-              <a:rPr lang="zh-CN" altLang="en-US" dirty="0" smtClean="0">
+              <a:rPr lang="zh-CN" altLang="en-US" dirty="0">
                 <a:latin typeface="宋体" panose="02010600030101010101" pitchFamily="2" charset="-122"/>
               </a:rPr>
               <a:t>袁玉宇</a:t>
@@ -36617,13 +35953,6 @@
   <p:transition>
     <p:zoom/>
   </p:transition>
-  <p:timing>
-    <p:tnLst>
-      <p:par>
-        <p:cTn id="1" dur="indefinite" restart="never" nodeType="tmRoot"/>
-      </p:par>
-    </p:tnLst>
-  </p:timing>
 </p:sld>
 </file>
 
@@ -36688,16 +36017,6 @@
               </a:rPr>
               <a:t>）</a:t>
             </a:r>
-            <a:r>
-              <a:rPr lang="en-US" altLang="zh-CN" sz="4000" dirty="0">
-                <a:solidFill>
-                  <a:srgbClr val="FFFF00"/>
-                </a:solidFill>
-                <a:latin typeface="华文中宋" panose="02010600040101010101" pitchFamily="2" charset="-122"/>
-                <a:ea typeface="华文中宋" panose="02010600040101010101" pitchFamily="2" charset="-122"/>
-              </a:rPr>
-              <a:t/>
-            </a:r>
             <a:br>
               <a:rPr lang="en-US" altLang="zh-CN" sz="4000" dirty="0">
                 <a:solidFill>
@@ -36707,7 +36026,7 @@
                 <a:ea typeface="华文中宋" panose="02010600040101010101" pitchFamily="2" charset="-122"/>
               </a:rPr>
             </a:br>
-            <a:endParaRPr lang="zh-CN" altLang="en-US" dirty="0" smtClean="0"/>
+            <a:endParaRPr lang="zh-CN" altLang="en-US" dirty="0"/>
           </a:p>
         </p:txBody>
       </p:sp>
@@ -36732,7 +36051,7 @@
           <a:lstStyle/>
           <a:p>
             <a:r>
-              <a:rPr lang="zh-CN" altLang="en-US" sz="2800" b="0" dirty="0" smtClean="0">
+              <a:rPr lang="zh-CN" altLang="en-US" sz="2800" b="0" dirty="0">
                 <a:solidFill>
                   <a:srgbClr val="FF0000"/>
                 </a:solidFill>
@@ -36753,25 +36072,17 @@
             </a:r>
             <a:r>
               <a:rPr lang="zh-CN" altLang="en-US" sz="2800" b="0" dirty="0"/>
-              <a:t>，来向管理层</a:t>
-            </a:r>
-            <a:r>
-              <a:rPr lang="zh-CN" altLang="en-US" sz="2800" b="0" dirty="0" smtClean="0"/>
-              <a:t>保证拟</a:t>
-            </a:r>
-            <a:endParaRPr lang="en-US" altLang="zh-CN" sz="2800" b="0" dirty="0" smtClean="0"/>
+              <a:t>，来向管理层保证拟</a:t>
+            </a:r>
+            <a:endParaRPr lang="en-US" altLang="zh-CN" sz="2800" b="0" dirty="0"/>
           </a:p>
           <a:p>
             <a:endParaRPr lang="en-US" altLang="zh-CN" sz="2800" b="0" dirty="0"/>
           </a:p>
           <a:p>
             <a:r>
-              <a:rPr lang="zh-CN" altLang="en-US" sz="2800" b="0" dirty="0" smtClean="0"/>
-              <a:t>定</a:t>
-            </a:r>
-            <a:r>
               <a:rPr lang="zh-CN" altLang="en-US" sz="2800" b="0" dirty="0"/>
-              <a:t>出的标准、步骤、实践和方法能够正确地</a:t>
+              <a:t>定出的标准、步骤、实践和方法能够正确地</a:t>
             </a:r>
             <a:r>
               <a:rPr lang="zh-CN" altLang="en-US" sz="2800" b="0" dirty="0">
@@ -36779,17 +36090,9 @@
                   <a:srgbClr val="FF0000"/>
                 </a:solidFill>
               </a:rPr>
-              <a:t>被所有</a:t>
-            </a:r>
-            <a:r>
-              <a:rPr lang="zh-CN" altLang="en-US" sz="2800" b="0" dirty="0" smtClean="0">
-                <a:solidFill>
-                  <a:srgbClr val="FF0000"/>
-                </a:solidFill>
-              </a:rPr>
-              <a:t>项</a:t>
-            </a:r>
-            <a:endParaRPr lang="en-US" altLang="zh-CN" sz="2800" b="0" dirty="0" smtClean="0">
+              <a:t>被所有项</a:t>
+            </a:r>
+            <a:endParaRPr lang="en-US" altLang="zh-CN" sz="2800" b="0" dirty="0">
               <a:solidFill>
                 <a:srgbClr val="FF0000"/>
               </a:solidFill>
@@ -36804,23 +36107,15 @@
           </a:p>
           <a:p>
             <a:r>
-              <a:rPr lang="zh-CN" altLang="en-US" sz="2800" b="0" dirty="0" smtClean="0">
-                <a:solidFill>
-                  <a:srgbClr val="FF0000"/>
-                </a:solidFill>
-              </a:rPr>
-              <a:t>目</a:t>
-            </a:r>
-            <a:r>
               <a:rPr lang="zh-CN" altLang="en-US" sz="2800" b="0" dirty="0">
                 <a:solidFill>
                   <a:srgbClr val="FF0000"/>
                 </a:solidFill>
               </a:rPr>
-              <a:t>所采用</a:t>
-            </a:r>
-            <a:r>
-              <a:rPr lang="zh-CN" altLang="en-US" sz="2800" dirty="0" smtClean="0"/>
+              <a:t>目所采用</a:t>
+            </a:r>
+            <a:r>
+              <a:rPr lang="zh-CN" altLang="en-US" sz="2800" dirty="0"/>
               <a:t>。</a:t>
             </a:r>
           </a:p>
@@ -36834,13 +36129,6 @@
   <p:transition>
     <p:zoom/>
   </p:transition>
-  <p:timing>
-    <p:tnLst>
-      <p:par>
-        <p:cTn id="1" dur="indefinite" restart="never" nodeType="tmRoot"/>
-      </p:par>
-    </p:tnLst>
-  </p:timing>
 </p:sld>
 </file>
 
@@ -36883,10 +36171,10 @@
           <a:p>
             <a:pPr algn="l" eaLnBrk="1" hangingPunct="1"/>
             <a:r>
-              <a:rPr lang="en-US" altLang="zh-CN" sz="3200" dirty="0" smtClean="0"/>
+              <a:rPr lang="en-US" altLang="zh-CN" sz="3200" dirty="0"/>
               <a:t>SQA</a:t>
             </a:r>
-            <a:endParaRPr lang="zh-CN" altLang="en-US" sz="3200" dirty="0" smtClean="0"/>
+            <a:endParaRPr lang="zh-CN" altLang="en-US" sz="3200" dirty="0"/>
           </a:p>
         </p:txBody>
       </p:sp>
@@ -36938,14 +36226,14 @@
               <a:buNone/>
             </a:pPr>
             <a:r>
-              <a:rPr lang="zh-CN" altLang="en-US" b="1" dirty="0" smtClean="0">
+              <a:rPr lang="zh-CN" altLang="en-US" b="1" dirty="0">
                 <a:solidFill>
                   <a:srgbClr val="FFFF00"/>
                 </a:solidFill>
               </a:rPr>
               <a:t>软件质量</a:t>
             </a:r>
-            <a:endParaRPr lang="en-US" altLang="zh-CN" b="1" dirty="0" smtClean="0">
+            <a:endParaRPr lang="en-US" altLang="zh-CN" b="1" dirty="0">
               <a:solidFill>
                 <a:srgbClr val="FFFF00"/>
               </a:solidFill>
@@ -36956,18 +36244,13 @@
               <a:buNone/>
             </a:pPr>
             <a:r>
-              <a:rPr lang="zh-CN" altLang="en-US" b="1" dirty="0" smtClean="0">
+              <a:rPr lang="zh-CN" altLang="en-US" b="1" dirty="0">
                 <a:solidFill>
                   <a:srgbClr val="FFFF00"/>
                 </a:solidFill>
               </a:rPr>
               <a:t>保证工作</a:t>
             </a:r>
-            <a:endParaRPr lang="zh-CN" altLang="en-US" b="1" dirty="0">
-              <a:solidFill>
-                <a:srgbClr val="FFFF00"/>
-              </a:solidFill>
-            </a:endParaRPr>
           </a:p>
         </p:txBody>
       </p:sp>
@@ -37046,7 +36329,7 @@
               <a:buChar char="v"/>
               <a:tabLst/>
             </a:pPr>
-            <a:endParaRPr kumimoji="0" lang="zh-CN" altLang="en-US" sz="2400" b="0" i="0" u="none" strike="noStrike" cap="none" normalizeH="0" baseline="0" smtClean="0">
+            <a:endParaRPr kumimoji="0" lang="zh-CN" altLang="en-US" sz="2400" b="0" i="0" u="none" strike="noStrike" cap="none" normalizeH="0" baseline="0">
               <a:ln>
                 <a:noFill/>
               </a:ln>
@@ -37192,7 +36475,7 @@
                 <a:buNone/>
                 <a:tabLst/>
               </a:pPr>
-              <a:endParaRPr kumimoji="0" lang="en-US" altLang="zh-CN" sz="2400" b="1" i="0" u="none" strike="noStrike" cap="none" normalizeH="0" baseline="0" dirty="0" smtClean="0">
+              <a:endParaRPr kumimoji="0" lang="en-US" altLang="zh-CN" sz="2400" b="1" i="0" u="none" strike="noStrike" cap="none" normalizeH="0" baseline="0" dirty="0">
                 <a:ln>
                   <a:noFill/>
                 </a:ln>
@@ -37244,7 +36527,7 @@
                 <a:buNone/>
                 <a:tabLst/>
               </a:pPr>
-              <a:endParaRPr kumimoji="0" lang="en-US" altLang="zh-CN" sz="2400" b="1" i="0" u="none" strike="noStrike" cap="none" normalizeH="0" baseline="0" dirty="0" smtClean="0">
+              <a:endParaRPr kumimoji="0" lang="en-US" altLang="zh-CN" sz="2400" b="1" i="0" u="none" strike="noStrike" cap="none" normalizeH="0" baseline="0" dirty="0">
                 <a:ln>
                   <a:noFill/>
                 </a:ln>
@@ -37296,7 +36579,7 @@
                 <a:buNone/>
                 <a:tabLst/>
               </a:pPr>
-              <a:endParaRPr kumimoji="0" lang="en-US" altLang="zh-CN" sz="2400" b="1" i="0" u="none" strike="noStrike" cap="none" normalizeH="0" baseline="0" dirty="0" smtClean="0">
+              <a:endParaRPr kumimoji="0" lang="en-US" altLang="zh-CN" sz="2400" b="1" i="0" u="none" strike="noStrike" cap="none" normalizeH="0" baseline="0" dirty="0">
                 <a:ln>
                   <a:noFill/>
                 </a:ln>
@@ -37327,7 +36610,7 @@
                 <a:tabLst/>
               </a:pPr>
               <a:r>
-                <a:rPr kumimoji="0" lang="zh-CN" altLang="en-US" sz="2400" b="1" i="0" u="none" strike="noStrike" cap="none" normalizeH="0" baseline="0" dirty="0" smtClean="0">
+                <a:rPr kumimoji="0" lang="zh-CN" altLang="en-US" sz="2400" b="1" i="0" u="none" strike="noStrike" cap="none" normalizeH="0" baseline="0" dirty="0">
                   <a:ln>
                     <a:noFill/>
                   </a:ln>
@@ -37352,13 +36635,6 @@
   <p:transition>
     <p:zoom/>
   </p:transition>
-  <p:timing>
-    <p:tnLst>
-      <p:par>
-        <p:cTn id="1" dur="indefinite" restart="never" nodeType="tmRoot"/>
-      </p:par>
-    </p:tnLst>
-  </p:timing>
 </p:sld>
 </file>
 
@@ -37396,11 +36672,11 @@
           <a:p>
             <a:pPr eaLnBrk="1" hangingPunct="1"/>
             <a:r>
-              <a:rPr lang="en-US" altLang="zh-CN" smtClean="0"/>
+              <a:rPr lang="en-US" altLang="zh-CN"/>
               <a:t>1.2  </a:t>
             </a:r>
             <a:r>
-              <a:rPr lang="zh-CN" altLang="en-US" smtClean="0"/>
+              <a:rPr lang="zh-CN" altLang="en-US"/>
               <a:t>软件质量模型 </a:t>
             </a:r>
           </a:p>
@@ -37433,7 +36709,7 @@
               </a:lnSpc>
             </a:pPr>
             <a:r>
-              <a:rPr lang="zh-CN" altLang="en-US" smtClean="0"/>
+              <a:rPr lang="zh-CN" altLang="en-US"/>
               <a:t>本小节包含三个方面的内容：</a:t>
             </a:r>
           </a:p>
@@ -37444,11 +36720,11 @@
               </a:lnSpc>
             </a:pPr>
             <a:r>
-              <a:rPr lang="en-US" altLang="zh-CN" smtClean="0"/>
+              <a:rPr lang="en-US" altLang="zh-CN"/>
               <a:t>1.2.1 McCall</a:t>
             </a:r>
             <a:r>
-              <a:rPr lang="zh-CN" altLang="en-US" smtClean="0"/>
+              <a:rPr lang="zh-CN" altLang="en-US"/>
               <a:t>模型</a:t>
             </a:r>
           </a:p>
@@ -37459,11 +36735,11 @@
               </a:lnSpc>
             </a:pPr>
             <a:r>
-              <a:rPr lang="en-US" altLang="zh-CN" smtClean="0"/>
+              <a:rPr lang="en-US" altLang="zh-CN"/>
               <a:t>1.2.2 Boehm</a:t>
             </a:r>
             <a:r>
-              <a:rPr lang="zh-CN" altLang="en-US" smtClean="0"/>
+              <a:rPr lang="zh-CN" altLang="en-US"/>
               <a:t>模型</a:t>
             </a:r>
           </a:p>
@@ -37474,11 +36750,11 @@
               </a:lnSpc>
             </a:pPr>
             <a:r>
-              <a:rPr lang="en-US" altLang="zh-CN" smtClean="0"/>
+              <a:rPr lang="en-US" altLang="zh-CN"/>
               <a:t>1.2.3 ISO9126</a:t>
             </a:r>
             <a:r>
-              <a:rPr lang="zh-CN" altLang="en-US" smtClean="0"/>
+              <a:rPr lang="zh-CN" altLang="en-US"/>
               <a:t>模型</a:t>
             </a:r>
           </a:p>
